--- a/document/Learning Managemt System. (2).pptx
+++ b/document/Learning Managemt System. (2).pptx
@@ -5,7 +5,7 @@
     <p:sldMasterId id="2147483650" r:id="rId4"/>
   </p:sldMasterIdLst>
   <p:notesMasterIdLst>
-    <p:notesMasterId r:id="rId19"/>
+    <p:notesMasterId r:id="rId21"/>
   </p:notesMasterIdLst>
   <p:sldIdLst>
     <p:sldId id="278" r:id="rId5"/>
@@ -17,11 +17,13 @@
     <p:sldId id="301" r:id="rId11"/>
     <p:sldId id="300" r:id="rId12"/>
     <p:sldId id="284" r:id="rId13"/>
-    <p:sldId id="294" r:id="rId14"/>
-    <p:sldId id="296" r:id="rId15"/>
-    <p:sldId id="302" r:id="rId16"/>
-    <p:sldId id="297" r:id="rId17"/>
-    <p:sldId id="293" r:id="rId18"/>
+    <p:sldId id="303" r:id="rId14"/>
+    <p:sldId id="294" r:id="rId15"/>
+    <p:sldId id="296" r:id="rId16"/>
+    <p:sldId id="302" r:id="rId17"/>
+    <p:sldId id="304" r:id="rId18"/>
+    <p:sldId id="297" r:id="rId19"/>
+    <p:sldId id="293" r:id="rId20"/>
   </p:sldIdLst>
   <p:sldSz cx="12192000" cy="6858000"/>
   <p:notesSz cx="13716000" cy="24384000"/>
@@ -420,7 +422,7 @@
           <p:cNvPr id="15" name="Image 0" descr="preencoded.png">
             <a:extLst>
               <a:ext uri="{FF2B5EF4-FFF2-40B4-BE49-F238E27FC236}">
-                <a16:creationId xmlns:a16="http://schemas.microsoft.com/office/drawing/2014/main" id="{BA5D5A72-CB6F-F8DE-E2C9-90459C8C3DC1}"/>
+                <a16:creationId xmlns:a16="http://schemas.microsoft.com/office/drawing/2014/main" xmlns="" id="{BA5D5A72-CB6F-F8DE-E2C9-90459C8C3DC1}"/>
               </a:ext>
             </a:extLst>
           </p:cNvPr>
@@ -502,7 +504,7 @@
           <p:cNvPr id="20" name="Freeform: Shape 19">
             <a:extLst>
               <a:ext uri="{FF2B5EF4-FFF2-40B4-BE49-F238E27FC236}">
-                <a16:creationId xmlns:a16="http://schemas.microsoft.com/office/drawing/2014/main" id="{E66FD7FF-2869-7902-36B2-2B229AB9AB19}"/>
+                <a16:creationId xmlns:a16="http://schemas.microsoft.com/office/drawing/2014/main" xmlns="" id="{E66FD7FF-2869-7902-36B2-2B229AB9AB19}"/>
               </a:ext>
             </a:extLst>
           </p:cNvPr>
@@ -612,7 +614,7 @@
           <p:cNvPr id="18" name="Freeform: Shape 17">
             <a:extLst>
               <a:ext uri="{FF2B5EF4-FFF2-40B4-BE49-F238E27FC236}">
-                <a16:creationId xmlns:a16="http://schemas.microsoft.com/office/drawing/2014/main" id="{B1457C88-4472-81CF-02AF-4421E0A3084B}"/>
+                <a16:creationId xmlns:a16="http://schemas.microsoft.com/office/drawing/2014/main" xmlns="" id="{B1457C88-4472-81CF-02AF-4421E0A3084B}"/>
               </a:ext>
             </a:extLst>
           </p:cNvPr>
@@ -847,7 +849,7 @@
           <p:cNvPr id="16" name="Rectangle 15">
             <a:extLst>
               <a:ext uri="{FF2B5EF4-FFF2-40B4-BE49-F238E27FC236}">
-                <a16:creationId xmlns:a16="http://schemas.microsoft.com/office/drawing/2014/main" id="{B950ED98-B5D1-206C-403F-FA954F9D2CFF}"/>
+                <a16:creationId xmlns:a16="http://schemas.microsoft.com/office/drawing/2014/main" xmlns="" id="{B950ED98-B5D1-206C-403F-FA954F9D2CFF}"/>
               </a:ext>
             </a:extLst>
           </p:cNvPr>
@@ -896,7 +898,7 @@
           <p:cNvPr id="18" name="Rectangle 17">
             <a:extLst>
               <a:ext uri="{FF2B5EF4-FFF2-40B4-BE49-F238E27FC236}">
-                <a16:creationId xmlns:a16="http://schemas.microsoft.com/office/drawing/2014/main" id="{0E8643CE-01D9-3E5E-15F6-20689F775F15}"/>
+                <a16:creationId xmlns:a16="http://schemas.microsoft.com/office/drawing/2014/main" xmlns="" id="{0E8643CE-01D9-3E5E-15F6-20689F775F15}"/>
               </a:ext>
             </a:extLst>
           </p:cNvPr>
@@ -951,7 +953,7 @@
           <p:cNvPr id="20" name="Rectangle 19">
             <a:extLst>
               <a:ext uri="{FF2B5EF4-FFF2-40B4-BE49-F238E27FC236}">
-                <a16:creationId xmlns:a16="http://schemas.microsoft.com/office/drawing/2014/main" id="{5AF82DDD-EDEC-7D87-F43A-113C5E4A4FE7}"/>
+                <a16:creationId xmlns:a16="http://schemas.microsoft.com/office/drawing/2014/main" xmlns="" id="{5AF82DDD-EDEC-7D87-F43A-113C5E4A4FE7}"/>
               </a:ext>
             </a:extLst>
           </p:cNvPr>
@@ -1000,7 +1002,7 @@
           <p:cNvPr id="22" name="Rectangle 21">
             <a:extLst>
               <a:ext uri="{FF2B5EF4-FFF2-40B4-BE49-F238E27FC236}">
-                <a16:creationId xmlns:a16="http://schemas.microsoft.com/office/drawing/2014/main" id="{E47E492E-967F-54B7-55B1-08A5E1C3615B}"/>
+                <a16:creationId xmlns:a16="http://schemas.microsoft.com/office/drawing/2014/main" xmlns="" id="{E47E492E-967F-54B7-55B1-08A5E1C3615B}"/>
               </a:ext>
             </a:extLst>
           </p:cNvPr>
@@ -1049,7 +1051,7 @@
           <p:cNvPr id="24" name="Rectangle 23">
             <a:extLst>
               <a:ext uri="{FF2B5EF4-FFF2-40B4-BE49-F238E27FC236}">
-                <a16:creationId xmlns:a16="http://schemas.microsoft.com/office/drawing/2014/main" id="{DC0053FE-E44A-CA97-F782-67FC633E722E}"/>
+                <a16:creationId xmlns:a16="http://schemas.microsoft.com/office/drawing/2014/main" xmlns="" id="{DC0053FE-E44A-CA97-F782-67FC633E722E}"/>
               </a:ext>
             </a:extLst>
           </p:cNvPr>
@@ -1104,7 +1106,7 @@
           <p:cNvPr id="2" name="Title 1">
             <a:extLst>
               <a:ext uri="{FF2B5EF4-FFF2-40B4-BE49-F238E27FC236}">
-                <a16:creationId xmlns:a16="http://schemas.microsoft.com/office/drawing/2014/main" id="{67445A0A-815D-3414-088B-C041E6742DBE}"/>
+                <a16:creationId xmlns:a16="http://schemas.microsoft.com/office/drawing/2014/main" xmlns="" id="{67445A0A-815D-3414-088B-C041E6742DBE}"/>
               </a:ext>
             </a:extLst>
           </p:cNvPr>
@@ -1147,7 +1149,7 @@
           <p:cNvPr id="4" name="Footer Placeholder 3">
             <a:extLst>
               <a:ext uri="{FF2B5EF4-FFF2-40B4-BE49-F238E27FC236}">
-                <a16:creationId xmlns:a16="http://schemas.microsoft.com/office/drawing/2014/main" id="{317B5E29-6335-83BC-FA01-FAE422D2658B}"/>
+                <a16:creationId xmlns:a16="http://schemas.microsoft.com/office/drawing/2014/main" xmlns="" id="{317B5E29-6335-83BC-FA01-FAE422D2658B}"/>
               </a:ext>
             </a:extLst>
           </p:cNvPr>
@@ -1178,7 +1180,7 @@
           <p:cNvPr id="5" name="Slide Number Placeholder 4">
             <a:extLst>
               <a:ext uri="{FF2B5EF4-FFF2-40B4-BE49-F238E27FC236}">
-                <a16:creationId xmlns:a16="http://schemas.microsoft.com/office/drawing/2014/main" id="{536476D1-B61A-E9FD-E266-768B405CC30B}"/>
+                <a16:creationId xmlns:a16="http://schemas.microsoft.com/office/drawing/2014/main" xmlns="" id="{536476D1-B61A-E9FD-E266-768B405CC30B}"/>
               </a:ext>
             </a:extLst>
           </p:cNvPr>
@@ -1210,7 +1212,7 @@
           <p:cNvPr id="46" name="Text Placeholder 2">
             <a:extLst>
               <a:ext uri="{FF2B5EF4-FFF2-40B4-BE49-F238E27FC236}">
-                <a16:creationId xmlns:a16="http://schemas.microsoft.com/office/drawing/2014/main" id="{C025625F-8274-840F-6DD8-D36687CB8F7E}"/>
+                <a16:creationId xmlns:a16="http://schemas.microsoft.com/office/drawing/2014/main" xmlns="" id="{C025625F-8274-840F-6DD8-D36687CB8F7E}"/>
               </a:ext>
             </a:extLst>
           </p:cNvPr>
@@ -1301,7 +1303,7 @@
           <p:cNvPr id="64" name="Picture Placeholder 62">
             <a:extLst>
               <a:ext uri="{FF2B5EF4-FFF2-40B4-BE49-F238E27FC236}">
-                <a16:creationId xmlns:a16="http://schemas.microsoft.com/office/drawing/2014/main" id="{2F18FBB7-2D21-7954-1324-C7D3BFE5C85D}"/>
+                <a16:creationId xmlns:a16="http://schemas.microsoft.com/office/drawing/2014/main" xmlns="" id="{2F18FBB7-2D21-7954-1324-C7D3BFE5C85D}"/>
               </a:ext>
             </a:extLst>
           </p:cNvPr>
@@ -1348,7 +1350,7 @@
           <p:cNvPr id="52" name="Text Placeholder 51">
             <a:extLst>
               <a:ext uri="{FF2B5EF4-FFF2-40B4-BE49-F238E27FC236}">
-                <a16:creationId xmlns:a16="http://schemas.microsoft.com/office/drawing/2014/main" id="{2EF54C35-5F8E-4E0A-AB4D-97E38121910A}"/>
+                <a16:creationId xmlns:a16="http://schemas.microsoft.com/office/drawing/2014/main" xmlns="" id="{2EF54C35-5F8E-4E0A-AB4D-97E38121910A}"/>
               </a:ext>
             </a:extLst>
           </p:cNvPr>
@@ -1396,7 +1398,7 @@
           <p:cNvPr id="47" name="Text Placeholder 4">
             <a:extLst>
               <a:ext uri="{FF2B5EF4-FFF2-40B4-BE49-F238E27FC236}">
-                <a16:creationId xmlns:a16="http://schemas.microsoft.com/office/drawing/2014/main" id="{79F9AD31-B0C5-3563-C73A-8B6297FCFD1C}"/>
+                <a16:creationId xmlns:a16="http://schemas.microsoft.com/office/drawing/2014/main" xmlns="" id="{79F9AD31-B0C5-3563-C73A-8B6297FCFD1C}"/>
               </a:ext>
             </a:extLst>
           </p:cNvPr>
@@ -1487,7 +1489,7 @@
           <p:cNvPr id="68" name="Picture Placeholder 62">
             <a:extLst>
               <a:ext uri="{FF2B5EF4-FFF2-40B4-BE49-F238E27FC236}">
-                <a16:creationId xmlns:a16="http://schemas.microsoft.com/office/drawing/2014/main" id="{05E8E8EF-4954-870B-04E5-82BC660A6738}"/>
+                <a16:creationId xmlns:a16="http://schemas.microsoft.com/office/drawing/2014/main" xmlns="" id="{05E8E8EF-4954-870B-04E5-82BC660A6738}"/>
               </a:ext>
             </a:extLst>
           </p:cNvPr>
@@ -1534,7 +1536,7 @@
           <p:cNvPr id="58" name="Text Placeholder 51">
             <a:extLst>
               <a:ext uri="{FF2B5EF4-FFF2-40B4-BE49-F238E27FC236}">
-                <a16:creationId xmlns:a16="http://schemas.microsoft.com/office/drawing/2014/main" id="{75981CD1-EA26-D1CF-F19E-B58C16BA8A69}"/>
+                <a16:creationId xmlns:a16="http://schemas.microsoft.com/office/drawing/2014/main" xmlns="" id="{75981CD1-EA26-D1CF-F19E-B58C16BA8A69}"/>
               </a:ext>
             </a:extLst>
           </p:cNvPr>
@@ -1582,7 +1584,7 @@
           <p:cNvPr id="48" name="Text Placeholder 4">
             <a:extLst>
               <a:ext uri="{FF2B5EF4-FFF2-40B4-BE49-F238E27FC236}">
-                <a16:creationId xmlns:a16="http://schemas.microsoft.com/office/drawing/2014/main" id="{3A09BBD1-5CBC-B0EF-71C0-054FCB989BC6}"/>
+                <a16:creationId xmlns:a16="http://schemas.microsoft.com/office/drawing/2014/main" xmlns="" id="{3A09BBD1-5CBC-B0EF-71C0-054FCB989BC6}"/>
               </a:ext>
             </a:extLst>
           </p:cNvPr>
@@ -1673,7 +1675,7 @@
           <p:cNvPr id="67" name="Picture Placeholder 62">
             <a:extLst>
               <a:ext uri="{FF2B5EF4-FFF2-40B4-BE49-F238E27FC236}">
-                <a16:creationId xmlns:a16="http://schemas.microsoft.com/office/drawing/2014/main" id="{4AD0C8C9-DB5A-6DC8-2729-A21F1A5CF174}"/>
+                <a16:creationId xmlns:a16="http://schemas.microsoft.com/office/drawing/2014/main" xmlns="" id="{4AD0C8C9-DB5A-6DC8-2729-A21F1A5CF174}"/>
               </a:ext>
             </a:extLst>
           </p:cNvPr>
@@ -1720,7 +1722,7 @@
           <p:cNvPr id="59" name="Text Placeholder 51">
             <a:extLst>
               <a:ext uri="{FF2B5EF4-FFF2-40B4-BE49-F238E27FC236}">
-                <a16:creationId xmlns:a16="http://schemas.microsoft.com/office/drawing/2014/main" id="{F02DE2DC-F65C-32A5-5821-89FB2F53C325}"/>
+                <a16:creationId xmlns:a16="http://schemas.microsoft.com/office/drawing/2014/main" xmlns="" id="{F02DE2DC-F65C-32A5-5821-89FB2F53C325}"/>
               </a:ext>
             </a:extLst>
           </p:cNvPr>
@@ -1768,7 +1770,7 @@
           <p:cNvPr id="49" name="Text Placeholder 4">
             <a:extLst>
               <a:ext uri="{FF2B5EF4-FFF2-40B4-BE49-F238E27FC236}">
-                <a16:creationId xmlns:a16="http://schemas.microsoft.com/office/drawing/2014/main" id="{084A0326-A0B8-1723-B8BA-B015344F2DCE}"/>
+                <a16:creationId xmlns:a16="http://schemas.microsoft.com/office/drawing/2014/main" xmlns="" id="{084A0326-A0B8-1723-B8BA-B015344F2DCE}"/>
               </a:ext>
             </a:extLst>
           </p:cNvPr>
@@ -1859,7 +1861,7 @@
           <p:cNvPr id="66" name="Picture Placeholder 62">
             <a:extLst>
               <a:ext uri="{FF2B5EF4-FFF2-40B4-BE49-F238E27FC236}">
-                <a16:creationId xmlns:a16="http://schemas.microsoft.com/office/drawing/2014/main" id="{139354A0-F5DF-3AC5-5E8B-A41146C26F3C}"/>
+                <a16:creationId xmlns:a16="http://schemas.microsoft.com/office/drawing/2014/main" xmlns="" id="{139354A0-F5DF-3AC5-5E8B-A41146C26F3C}"/>
               </a:ext>
             </a:extLst>
           </p:cNvPr>
@@ -1906,7 +1908,7 @@
           <p:cNvPr id="60" name="Text Placeholder 51">
             <a:extLst>
               <a:ext uri="{FF2B5EF4-FFF2-40B4-BE49-F238E27FC236}">
-                <a16:creationId xmlns:a16="http://schemas.microsoft.com/office/drawing/2014/main" id="{E9730E82-F317-686A-8777-D81705BCC706}"/>
+                <a16:creationId xmlns:a16="http://schemas.microsoft.com/office/drawing/2014/main" xmlns="" id="{E9730E82-F317-686A-8777-D81705BCC706}"/>
               </a:ext>
             </a:extLst>
           </p:cNvPr>
@@ -1954,7 +1956,7 @@
           <p:cNvPr id="50" name="Text Placeholder 4">
             <a:extLst>
               <a:ext uri="{FF2B5EF4-FFF2-40B4-BE49-F238E27FC236}">
-                <a16:creationId xmlns:a16="http://schemas.microsoft.com/office/drawing/2014/main" id="{0E3B57F3-1903-446F-D989-D6CA342D0861}"/>
+                <a16:creationId xmlns:a16="http://schemas.microsoft.com/office/drawing/2014/main" xmlns="" id="{0E3B57F3-1903-446F-D989-D6CA342D0861}"/>
               </a:ext>
             </a:extLst>
           </p:cNvPr>
@@ -2045,7 +2047,7 @@
           <p:cNvPr id="65" name="Picture Placeholder 62">
             <a:extLst>
               <a:ext uri="{FF2B5EF4-FFF2-40B4-BE49-F238E27FC236}">
-                <a16:creationId xmlns:a16="http://schemas.microsoft.com/office/drawing/2014/main" id="{D5BF3A8A-72F1-392E-855B-5B36E244A7FD}"/>
+                <a16:creationId xmlns:a16="http://schemas.microsoft.com/office/drawing/2014/main" xmlns="" id="{D5BF3A8A-72F1-392E-855B-5B36E244A7FD}"/>
               </a:ext>
             </a:extLst>
           </p:cNvPr>
@@ -2092,7 +2094,7 @@
           <p:cNvPr id="61" name="Text Placeholder 51">
             <a:extLst>
               <a:ext uri="{FF2B5EF4-FFF2-40B4-BE49-F238E27FC236}">
-                <a16:creationId xmlns:a16="http://schemas.microsoft.com/office/drawing/2014/main" id="{2AED5DDC-3165-FA12-0310-E3545223E292}"/>
+                <a16:creationId xmlns:a16="http://schemas.microsoft.com/office/drawing/2014/main" xmlns="" id="{2AED5DDC-3165-FA12-0310-E3545223E292}"/>
               </a:ext>
             </a:extLst>
           </p:cNvPr>
@@ -2170,7 +2172,7 @@
           <p:cNvPr id="29" name="Freeform: Shape 28">
             <a:extLst>
               <a:ext uri="{FF2B5EF4-FFF2-40B4-BE49-F238E27FC236}">
-                <a16:creationId xmlns:a16="http://schemas.microsoft.com/office/drawing/2014/main" id="{E2DECB02-D9CE-E57A-0604-BFF41EC38AFA}"/>
+                <a16:creationId xmlns:a16="http://schemas.microsoft.com/office/drawing/2014/main" xmlns="" id="{E2DECB02-D9CE-E57A-0604-BFF41EC38AFA}"/>
               </a:ext>
             </a:extLst>
           </p:cNvPr>
@@ -2290,7 +2292,7 @@
           <p:cNvPr id="26" name="Freeform: Shape 25">
             <a:extLst>
               <a:ext uri="{FF2B5EF4-FFF2-40B4-BE49-F238E27FC236}">
-                <a16:creationId xmlns:a16="http://schemas.microsoft.com/office/drawing/2014/main" id="{68E760EA-7D83-1DF2-A8EE-4F218084E74F}"/>
+                <a16:creationId xmlns:a16="http://schemas.microsoft.com/office/drawing/2014/main" xmlns="" id="{68E760EA-7D83-1DF2-A8EE-4F218084E74F}"/>
               </a:ext>
             </a:extLst>
           </p:cNvPr>
@@ -2388,7 +2390,7 @@
           <p:cNvPr id="16" name="Freeform: Shape 15">
             <a:extLst>
               <a:ext uri="{FF2B5EF4-FFF2-40B4-BE49-F238E27FC236}">
-                <a16:creationId xmlns:a16="http://schemas.microsoft.com/office/drawing/2014/main" id="{FF3F3353-78A1-F584-81A6-9513382DF18F}"/>
+                <a16:creationId xmlns:a16="http://schemas.microsoft.com/office/drawing/2014/main" xmlns="" id="{FF3F3353-78A1-F584-81A6-9513382DF18F}"/>
               </a:ext>
             </a:extLst>
           </p:cNvPr>
@@ -2486,7 +2488,7 @@
           <p:cNvPr id="2" name="Title 1">
             <a:extLst>
               <a:ext uri="{FF2B5EF4-FFF2-40B4-BE49-F238E27FC236}">
-                <a16:creationId xmlns:a16="http://schemas.microsoft.com/office/drawing/2014/main" id="{A65C6DDD-D2BB-0153-0F53-9F7C17BDFD2B}"/>
+                <a16:creationId xmlns:a16="http://schemas.microsoft.com/office/drawing/2014/main" xmlns="" id="{A65C6DDD-D2BB-0153-0F53-9F7C17BDFD2B}"/>
               </a:ext>
             </a:extLst>
           </p:cNvPr>
@@ -2526,7 +2528,7 @@
           <p:cNvPr id="5" name="Slide Number Placeholder 4">
             <a:extLst>
               <a:ext uri="{FF2B5EF4-FFF2-40B4-BE49-F238E27FC236}">
-                <a16:creationId xmlns:a16="http://schemas.microsoft.com/office/drawing/2014/main" id="{471A846E-CBB1-9805-456D-0C0B890912B7}"/>
+                <a16:creationId xmlns:a16="http://schemas.microsoft.com/office/drawing/2014/main" xmlns="" id="{471A846E-CBB1-9805-456D-0C0B890912B7}"/>
               </a:ext>
             </a:extLst>
           </p:cNvPr>
@@ -2556,7 +2558,7 @@
           <p:cNvPr id="30" name="Image 2" descr="preencoded.png">
             <a:extLst>
               <a:ext uri="{FF2B5EF4-FFF2-40B4-BE49-F238E27FC236}">
-                <a16:creationId xmlns:a16="http://schemas.microsoft.com/office/drawing/2014/main" id="{790E862E-398F-571C-EC2C-3D17164DE059}"/>
+                <a16:creationId xmlns:a16="http://schemas.microsoft.com/office/drawing/2014/main" xmlns="" id="{790E862E-398F-571C-EC2C-3D17164DE059}"/>
               </a:ext>
             </a:extLst>
           </p:cNvPr>
@@ -2652,7 +2654,7 @@
           <p:cNvPr id="31" name="Text Placeholder 2">
             <a:extLst>
               <a:ext uri="{FF2B5EF4-FFF2-40B4-BE49-F238E27FC236}">
-                <a16:creationId xmlns:a16="http://schemas.microsoft.com/office/drawing/2014/main" id="{AB1DF8DE-0EED-2627-4B5E-266C0BC276BE}"/>
+                <a16:creationId xmlns:a16="http://schemas.microsoft.com/office/drawing/2014/main" xmlns="" id="{AB1DF8DE-0EED-2627-4B5E-266C0BC276BE}"/>
               </a:ext>
             </a:extLst>
           </p:cNvPr>
@@ -2743,7 +2745,7 @@
           <p:cNvPr id="32" name="Text Placeholder 4">
             <a:extLst>
               <a:ext uri="{FF2B5EF4-FFF2-40B4-BE49-F238E27FC236}">
-                <a16:creationId xmlns:a16="http://schemas.microsoft.com/office/drawing/2014/main" id="{5AE99EEE-38C4-CB2D-EEA0-8A2EB6F129E4}"/>
+                <a16:creationId xmlns:a16="http://schemas.microsoft.com/office/drawing/2014/main" xmlns="" id="{5AE99EEE-38C4-CB2D-EEA0-8A2EB6F129E4}"/>
               </a:ext>
             </a:extLst>
           </p:cNvPr>
@@ -2834,7 +2836,7 @@
           <p:cNvPr id="33" name="Text Placeholder 4">
             <a:extLst>
               <a:ext uri="{FF2B5EF4-FFF2-40B4-BE49-F238E27FC236}">
-                <a16:creationId xmlns:a16="http://schemas.microsoft.com/office/drawing/2014/main" id="{AA90F0AE-69F4-EBD3-AED1-81E98D34811D}"/>
+                <a16:creationId xmlns:a16="http://schemas.microsoft.com/office/drawing/2014/main" xmlns="" id="{AA90F0AE-69F4-EBD3-AED1-81E98D34811D}"/>
               </a:ext>
             </a:extLst>
           </p:cNvPr>
@@ -2925,7 +2927,7 @@
           <p:cNvPr id="34" name="Text Placeholder 4">
             <a:extLst>
               <a:ext uri="{FF2B5EF4-FFF2-40B4-BE49-F238E27FC236}">
-                <a16:creationId xmlns:a16="http://schemas.microsoft.com/office/drawing/2014/main" id="{F9E49243-B04A-D7AF-B4C7-8E1AE776F811}"/>
+                <a16:creationId xmlns:a16="http://schemas.microsoft.com/office/drawing/2014/main" xmlns="" id="{F9E49243-B04A-D7AF-B4C7-8E1AE776F811}"/>
               </a:ext>
             </a:extLst>
           </p:cNvPr>
@@ -3016,7 +3018,7 @@
           <p:cNvPr id="35" name="Text Placeholder 4">
             <a:extLst>
               <a:ext uri="{FF2B5EF4-FFF2-40B4-BE49-F238E27FC236}">
-                <a16:creationId xmlns:a16="http://schemas.microsoft.com/office/drawing/2014/main" id="{4780DCD4-46DE-8C31-9F39-FC6E45FC1EBE}"/>
+                <a16:creationId xmlns:a16="http://schemas.microsoft.com/office/drawing/2014/main" xmlns="" id="{4780DCD4-46DE-8C31-9F39-FC6E45FC1EBE}"/>
               </a:ext>
             </a:extLst>
           </p:cNvPr>
@@ -3107,7 +3109,7 @@
           <p:cNvPr id="36" name="Text Placeholder 51">
             <a:extLst>
               <a:ext uri="{FF2B5EF4-FFF2-40B4-BE49-F238E27FC236}">
-                <a16:creationId xmlns:a16="http://schemas.microsoft.com/office/drawing/2014/main" id="{9FBDF935-4925-03EC-CBC9-1EBA90DF849B}"/>
+                <a16:creationId xmlns:a16="http://schemas.microsoft.com/office/drawing/2014/main" xmlns="" id="{9FBDF935-4925-03EC-CBC9-1EBA90DF849B}"/>
               </a:ext>
             </a:extLst>
           </p:cNvPr>
@@ -3152,7 +3154,7 @@
           <p:cNvPr id="37" name="Text Placeholder 51">
             <a:extLst>
               <a:ext uri="{FF2B5EF4-FFF2-40B4-BE49-F238E27FC236}">
-                <a16:creationId xmlns:a16="http://schemas.microsoft.com/office/drawing/2014/main" id="{9BB76AA7-442D-54A7-D075-C67F47438963}"/>
+                <a16:creationId xmlns:a16="http://schemas.microsoft.com/office/drawing/2014/main" xmlns="" id="{9BB76AA7-442D-54A7-D075-C67F47438963}"/>
               </a:ext>
             </a:extLst>
           </p:cNvPr>
@@ -3197,7 +3199,7 @@
           <p:cNvPr id="38" name="Text Placeholder 51">
             <a:extLst>
               <a:ext uri="{FF2B5EF4-FFF2-40B4-BE49-F238E27FC236}">
-                <a16:creationId xmlns:a16="http://schemas.microsoft.com/office/drawing/2014/main" id="{9E419856-1586-F2D8-A1B4-F67FEE9839DF}"/>
+                <a16:creationId xmlns:a16="http://schemas.microsoft.com/office/drawing/2014/main" xmlns="" id="{9E419856-1586-F2D8-A1B4-F67FEE9839DF}"/>
               </a:ext>
             </a:extLst>
           </p:cNvPr>
@@ -3242,7 +3244,7 @@
           <p:cNvPr id="39" name="Text Placeholder 51">
             <a:extLst>
               <a:ext uri="{FF2B5EF4-FFF2-40B4-BE49-F238E27FC236}">
-                <a16:creationId xmlns:a16="http://schemas.microsoft.com/office/drawing/2014/main" id="{AED74DD2-EAE3-76BF-56B9-C04FCED1F2DB}"/>
+                <a16:creationId xmlns:a16="http://schemas.microsoft.com/office/drawing/2014/main" xmlns="" id="{AED74DD2-EAE3-76BF-56B9-C04FCED1F2DB}"/>
               </a:ext>
             </a:extLst>
           </p:cNvPr>
@@ -3287,7 +3289,7 @@
           <p:cNvPr id="40" name="Text Placeholder 51">
             <a:extLst>
               <a:ext uri="{FF2B5EF4-FFF2-40B4-BE49-F238E27FC236}">
-                <a16:creationId xmlns:a16="http://schemas.microsoft.com/office/drawing/2014/main" id="{0A39AD48-2F98-C0C9-DE08-CED7EBF816B2}"/>
+                <a16:creationId xmlns:a16="http://schemas.microsoft.com/office/drawing/2014/main" xmlns="" id="{0A39AD48-2F98-C0C9-DE08-CED7EBF816B2}"/>
               </a:ext>
             </a:extLst>
           </p:cNvPr>
@@ -3332,7 +3334,7 @@
           <p:cNvPr id="42" name="Straight Connector 41">
             <a:extLst>
               <a:ext uri="{FF2B5EF4-FFF2-40B4-BE49-F238E27FC236}">
-                <a16:creationId xmlns:a16="http://schemas.microsoft.com/office/drawing/2014/main" id="{E6BE61D7-B0A3-902B-4F58-727982880EF5}"/>
+                <a16:creationId xmlns:a16="http://schemas.microsoft.com/office/drawing/2014/main" xmlns="" id="{E6BE61D7-B0A3-902B-4F58-727982880EF5}"/>
               </a:ext>
             </a:extLst>
           </p:cNvPr>
@@ -3408,7 +3410,7 @@
           <p:cNvPr id="20" name="Title 19">
             <a:extLst>
               <a:ext uri="{FF2B5EF4-FFF2-40B4-BE49-F238E27FC236}">
-                <a16:creationId xmlns:a16="http://schemas.microsoft.com/office/drawing/2014/main" id="{C26B5661-F583-FA44-8353-161B862E69B1}"/>
+                <a16:creationId xmlns:a16="http://schemas.microsoft.com/office/drawing/2014/main" xmlns="" id="{C26B5661-F583-FA44-8353-161B862E69B1}"/>
               </a:ext>
             </a:extLst>
           </p:cNvPr>
@@ -3451,7 +3453,7 @@
           <p:cNvPr id="11" name="Image 0" descr="preencoded.png">
             <a:extLst>
               <a:ext uri="{FF2B5EF4-FFF2-40B4-BE49-F238E27FC236}">
-                <a16:creationId xmlns:a16="http://schemas.microsoft.com/office/drawing/2014/main" id="{CD2D664E-6702-6607-A37E-2E996144917C}"/>
+                <a16:creationId xmlns:a16="http://schemas.microsoft.com/office/drawing/2014/main" xmlns="" id="{CD2D664E-6702-6607-A37E-2E996144917C}"/>
               </a:ext>
             </a:extLst>
           </p:cNvPr>
@@ -3541,7 +3543,7 @@
           <p:cNvPr id="13" name="Image 1" descr="preencoded.png">
             <a:extLst>
               <a:ext uri="{FF2B5EF4-FFF2-40B4-BE49-F238E27FC236}">
-                <a16:creationId xmlns:a16="http://schemas.microsoft.com/office/drawing/2014/main" id="{951C5737-DF7E-D671-AC74-9E488335BCA2}"/>
+                <a16:creationId xmlns:a16="http://schemas.microsoft.com/office/drawing/2014/main" xmlns="" id="{951C5737-DF7E-D671-AC74-9E488335BCA2}"/>
               </a:ext>
             </a:extLst>
           </p:cNvPr>
@@ -3557,7 +3559,7 @@
                 <a14:useLocalDpi xmlns:a14="http://schemas.microsoft.com/office/drawing/2010/main"/>
               </a:ext>
               <a:ext uri="{96DAC541-7B7A-43D3-8B79-37D633B846F1}">
-                <asvg:svgBlip xmlns:asvg="http://schemas.microsoft.com/office/drawing/2016/SVG/main" r:embed="rId3"/>
+                <asvg:svgBlip xmlns:asvg="http://schemas.microsoft.com/office/drawing/2016/SVG/main" xmlns="" r:embed="rId3"/>
               </a:ext>
             </a:extLst>
           </a:blip>
@@ -3579,7 +3581,7 @@
           <p:cNvPr id="39" name="Freeform: Shape 38">
             <a:extLst>
               <a:ext uri="{FF2B5EF4-FFF2-40B4-BE49-F238E27FC236}">
-                <a16:creationId xmlns:a16="http://schemas.microsoft.com/office/drawing/2014/main" id="{F232A1E1-DD38-15EA-6CA1-A84950EC43F0}"/>
+                <a16:creationId xmlns:a16="http://schemas.microsoft.com/office/drawing/2014/main" xmlns="" id="{F232A1E1-DD38-15EA-6CA1-A84950EC43F0}"/>
               </a:ext>
             </a:extLst>
           </p:cNvPr>
@@ -4433,7 +4435,7 @@
           <p:cNvPr id="17" name="Image 5" descr="preencoded.png">
             <a:extLst>
               <a:ext uri="{FF2B5EF4-FFF2-40B4-BE49-F238E27FC236}">
-                <a16:creationId xmlns:a16="http://schemas.microsoft.com/office/drawing/2014/main" id="{B9036D42-A06F-E6EE-BB91-8BAF045198BE}"/>
+                <a16:creationId xmlns:a16="http://schemas.microsoft.com/office/drawing/2014/main" xmlns="" id="{B9036D42-A06F-E6EE-BB91-8BAF045198BE}"/>
               </a:ext>
             </a:extLst>
           </p:cNvPr>
@@ -4531,7 +4533,7 @@
           <p:cNvPr id="19" name="Image 6" descr="preencoded.png">
             <a:extLst>
               <a:ext uri="{FF2B5EF4-FFF2-40B4-BE49-F238E27FC236}">
-                <a16:creationId xmlns:a16="http://schemas.microsoft.com/office/drawing/2014/main" id="{86E0540C-3355-A50D-AC61-047B54B70C64}"/>
+                <a16:creationId xmlns:a16="http://schemas.microsoft.com/office/drawing/2014/main" xmlns="" id="{86E0540C-3355-A50D-AC61-047B54B70C64}"/>
               </a:ext>
             </a:extLst>
           </p:cNvPr>
@@ -4547,7 +4549,7 @@
                 <a14:useLocalDpi xmlns:a14="http://schemas.microsoft.com/office/drawing/2010/main"/>
               </a:ext>
               <a:ext uri="{96DAC541-7B7A-43D3-8B79-37D633B846F1}">
-                <asvg:svgBlip xmlns:asvg="http://schemas.microsoft.com/office/drawing/2016/SVG/main" r:embed="rId5"/>
+                <asvg:svgBlip xmlns:asvg="http://schemas.microsoft.com/office/drawing/2016/SVG/main" xmlns="" r:embed="rId5"/>
               </a:ext>
             </a:extLst>
           </a:blip>
@@ -4920,7 +4922,7 @@
           <p:cNvPr id="2" name="Title 1">
             <a:extLst>
               <a:ext uri="{FF2B5EF4-FFF2-40B4-BE49-F238E27FC236}">
-                <a16:creationId xmlns:a16="http://schemas.microsoft.com/office/drawing/2014/main" id="{67445A0A-815D-3414-088B-C041E6742DBE}"/>
+                <a16:creationId xmlns:a16="http://schemas.microsoft.com/office/drawing/2014/main" xmlns="" id="{67445A0A-815D-3414-088B-C041E6742DBE}"/>
               </a:ext>
             </a:extLst>
           </p:cNvPr>
@@ -4963,7 +4965,7 @@
           <p:cNvPr id="4" name="Footer Placeholder 3">
             <a:extLst>
               <a:ext uri="{FF2B5EF4-FFF2-40B4-BE49-F238E27FC236}">
-                <a16:creationId xmlns:a16="http://schemas.microsoft.com/office/drawing/2014/main" id="{317B5E29-6335-83BC-FA01-FAE422D2658B}"/>
+                <a16:creationId xmlns:a16="http://schemas.microsoft.com/office/drawing/2014/main" xmlns="" id="{317B5E29-6335-83BC-FA01-FAE422D2658B}"/>
               </a:ext>
             </a:extLst>
           </p:cNvPr>
@@ -4994,7 +4996,7 @@
           <p:cNvPr id="5" name="Slide Number Placeholder 4">
             <a:extLst>
               <a:ext uri="{FF2B5EF4-FFF2-40B4-BE49-F238E27FC236}">
-                <a16:creationId xmlns:a16="http://schemas.microsoft.com/office/drawing/2014/main" id="{536476D1-B61A-E9FD-E266-768B405CC30B}"/>
+                <a16:creationId xmlns:a16="http://schemas.microsoft.com/office/drawing/2014/main" xmlns="" id="{536476D1-B61A-E9FD-E266-768B405CC30B}"/>
               </a:ext>
             </a:extLst>
           </p:cNvPr>
@@ -5026,7 +5028,7 @@
           <p:cNvPr id="46" name="Text Placeholder 2">
             <a:extLst>
               <a:ext uri="{FF2B5EF4-FFF2-40B4-BE49-F238E27FC236}">
-                <a16:creationId xmlns:a16="http://schemas.microsoft.com/office/drawing/2014/main" id="{C025625F-8274-840F-6DD8-D36687CB8F7E}"/>
+                <a16:creationId xmlns:a16="http://schemas.microsoft.com/office/drawing/2014/main" xmlns="" id="{C025625F-8274-840F-6DD8-D36687CB8F7E}"/>
               </a:ext>
             </a:extLst>
           </p:cNvPr>
@@ -5117,7 +5119,7 @@
           <p:cNvPr id="64" name="Picture Placeholder 62">
             <a:extLst>
               <a:ext uri="{FF2B5EF4-FFF2-40B4-BE49-F238E27FC236}">
-                <a16:creationId xmlns:a16="http://schemas.microsoft.com/office/drawing/2014/main" id="{2F18FBB7-2D21-7954-1324-C7D3BFE5C85D}"/>
+                <a16:creationId xmlns:a16="http://schemas.microsoft.com/office/drawing/2014/main" xmlns="" id="{2F18FBB7-2D21-7954-1324-C7D3BFE5C85D}"/>
               </a:ext>
             </a:extLst>
           </p:cNvPr>
@@ -5164,7 +5166,7 @@
           <p:cNvPr id="52" name="Text Placeholder 51">
             <a:extLst>
               <a:ext uri="{FF2B5EF4-FFF2-40B4-BE49-F238E27FC236}">
-                <a16:creationId xmlns:a16="http://schemas.microsoft.com/office/drawing/2014/main" id="{2EF54C35-5F8E-4E0A-AB4D-97E38121910A}"/>
+                <a16:creationId xmlns:a16="http://schemas.microsoft.com/office/drawing/2014/main" xmlns="" id="{2EF54C35-5F8E-4E0A-AB4D-97E38121910A}"/>
               </a:ext>
             </a:extLst>
           </p:cNvPr>
@@ -5210,7 +5212,7 @@
           <p:cNvPr id="49" name="Text Placeholder 4">
             <a:extLst>
               <a:ext uri="{FF2B5EF4-FFF2-40B4-BE49-F238E27FC236}">
-                <a16:creationId xmlns:a16="http://schemas.microsoft.com/office/drawing/2014/main" id="{084A0326-A0B8-1723-B8BA-B015344F2DCE}"/>
+                <a16:creationId xmlns:a16="http://schemas.microsoft.com/office/drawing/2014/main" xmlns="" id="{084A0326-A0B8-1723-B8BA-B015344F2DCE}"/>
               </a:ext>
             </a:extLst>
           </p:cNvPr>
@@ -5301,7 +5303,7 @@
           <p:cNvPr id="66" name="Picture Placeholder 62">
             <a:extLst>
               <a:ext uri="{FF2B5EF4-FFF2-40B4-BE49-F238E27FC236}">
-                <a16:creationId xmlns:a16="http://schemas.microsoft.com/office/drawing/2014/main" id="{139354A0-F5DF-3AC5-5E8B-A41146C26F3C}"/>
+                <a16:creationId xmlns:a16="http://schemas.microsoft.com/office/drawing/2014/main" xmlns="" id="{139354A0-F5DF-3AC5-5E8B-A41146C26F3C}"/>
               </a:ext>
             </a:extLst>
           </p:cNvPr>
@@ -5348,7 +5350,7 @@
           <p:cNvPr id="60" name="Text Placeholder 51">
             <a:extLst>
               <a:ext uri="{FF2B5EF4-FFF2-40B4-BE49-F238E27FC236}">
-                <a16:creationId xmlns:a16="http://schemas.microsoft.com/office/drawing/2014/main" id="{E9730E82-F317-686A-8777-D81705BCC706}"/>
+                <a16:creationId xmlns:a16="http://schemas.microsoft.com/office/drawing/2014/main" xmlns="" id="{E9730E82-F317-686A-8777-D81705BCC706}"/>
               </a:ext>
             </a:extLst>
           </p:cNvPr>
@@ -5394,7 +5396,7 @@
           <p:cNvPr id="50" name="Text Placeholder 4">
             <a:extLst>
               <a:ext uri="{FF2B5EF4-FFF2-40B4-BE49-F238E27FC236}">
-                <a16:creationId xmlns:a16="http://schemas.microsoft.com/office/drawing/2014/main" id="{0E3B57F3-1903-446F-D989-D6CA342D0861}"/>
+                <a16:creationId xmlns:a16="http://schemas.microsoft.com/office/drawing/2014/main" xmlns="" id="{0E3B57F3-1903-446F-D989-D6CA342D0861}"/>
               </a:ext>
             </a:extLst>
           </p:cNvPr>
@@ -5485,7 +5487,7 @@
           <p:cNvPr id="65" name="Picture Placeholder 62">
             <a:extLst>
               <a:ext uri="{FF2B5EF4-FFF2-40B4-BE49-F238E27FC236}">
-                <a16:creationId xmlns:a16="http://schemas.microsoft.com/office/drawing/2014/main" id="{D5BF3A8A-72F1-392E-855B-5B36E244A7FD}"/>
+                <a16:creationId xmlns:a16="http://schemas.microsoft.com/office/drawing/2014/main" xmlns="" id="{D5BF3A8A-72F1-392E-855B-5B36E244A7FD}"/>
               </a:ext>
             </a:extLst>
           </p:cNvPr>
@@ -5532,7 +5534,7 @@
           <p:cNvPr id="61" name="Text Placeholder 51">
             <a:extLst>
               <a:ext uri="{FF2B5EF4-FFF2-40B4-BE49-F238E27FC236}">
-                <a16:creationId xmlns:a16="http://schemas.microsoft.com/office/drawing/2014/main" id="{2AED5DDC-3165-FA12-0310-E3545223E292}"/>
+                <a16:creationId xmlns:a16="http://schemas.microsoft.com/office/drawing/2014/main" xmlns="" id="{2AED5DDC-3165-FA12-0310-E3545223E292}"/>
               </a:ext>
             </a:extLst>
           </p:cNvPr>
@@ -5608,7 +5610,7 @@
           <p:cNvPr id="24" name="Image 2" descr="preencoded.png">
             <a:extLst>
               <a:ext uri="{FF2B5EF4-FFF2-40B4-BE49-F238E27FC236}">
-                <a16:creationId xmlns:a16="http://schemas.microsoft.com/office/drawing/2014/main" id="{ABC388A2-FFC7-1A87-02FB-C97B50161FD3}"/>
+                <a16:creationId xmlns:a16="http://schemas.microsoft.com/office/drawing/2014/main" xmlns="" id="{ABC388A2-FFC7-1A87-02FB-C97B50161FD3}"/>
               </a:ext>
             </a:extLst>
           </p:cNvPr>
@@ -5690,7 +5692,7 @@
           <p:cNvPr id="25" name="Image 3" descr="preencoded.png">
             <a:extLst>
               <a:ext uri="{FF2B5EF4-FFF2-40B4-BE49-F238E27FC236}">
-                <a16:creationId xmlns:a16="http://schemas.microsoft.com/office/drawing/2014/main" id="{D64C4994-B525-F4C0-B74F-D5E8296DFC43}"/>
+                <a16:creationId xmlns:a16="http://schemas.microsoft.com/office/drawing/2014/main" xmlns="" id="{D64C4994-B525-F4C0-B74F-D5E8296DFC43}"/>
               </a:ext>
             </a:extLst>
           </p:cNvPr>
@@ -5772,7 +5774,7 @@
           <p:cNvPr id="26" name="Image 4" descr="preencoded.png">
             <a:extLst>
               <a:ext uri="{FF2B5EF4-FFF2-40B4-BE49-F238E27FC236}">
-                <a16:creationId xmlns:a16="http://schemas.microsoft.com/office/drawing/2014/main" id="{9019DA73-2516-F3D2-ECDB-620C90483DB3}"/>
+                <a16:creationId xmlns:a16="http://schemas.microsoft.com/office/drawing/2014/main" xmlns="" id="{9019DA73-2516-F3D2-ECDB-620C90483DB3}"/>
               </a:ext>
             </a:extLst>
           </p:cNvPr>
@@ -5854,7 +5856,7 @@
           <p:cNvPr id="53" name="Image 7" descr="preencoded.png">
             <a:extLst>
               <a:ext uri="{FF2B5EF4-FFF2-40B4-BE49-F238E27FC236}">
-                <a16:creationId xmlns:a16="http://schemas.microsoft.com/office/drawing/2014/main" id="{FEA70E9F-C506-413C-11EF-5915A2296643}"/>
+                <a16:creationId xmlns:a16="http://schemas.microsoft.com/office/drawing/2014/main" xmlns="" id="{FEA70E9F-C506-413C-11EF-5915A2296643}"/>
               </a:ext>
             </a:extLst>
           </p:cNvPr>
@@ -5936,7 +5938,7 @@
           <p:cNvPr id="21" name="Image 2" descr="preencoded.png">
             <a:extLst>
               <a:ext uri="{FF2B5EF4-FFF2-40B4-BE49-F238E27FC236}">
-                <a16:creationId xmlns:a16="http://schemas.microsoft.com/office/drawing/2014/main" id="{A8B7F1F1-806C-8D65-7340-220A0C4653C8}"/>
+                <a16:creationId xmlns:a16="http://schemas.microsoft.com/office/drawing/2014/main" xmlns="" id="{A8B7F1F1-806C-8D65-7340-220A0C4653C8}"/>
               </a:ext>
             </a:extLst>
           </p:cNvPr>
@@ -5952,7 +5954,7 @@
                 <a14:useLocalDpi xmlns:a14="http://schemas.microsoft.com/office/drawing/2010/main"/>
               </a:ext>
               <a:ext uri="{96DAC541-7B7A-43D3-8B79-37D633B846F1}">
-                <asvg:svgBlip xmlns:asvg="http://schemas.microsoft.com/office/drawing/2016/SVG/main" r:embed="rId3"/>
+                <asvg:svgBlip xmlns:asvg="http://schemas.microsoft.com/office/drawing/2016/SVG/main" xmlns="" r:embed="rId3"/>
               </a:ext>
             </a:extLst>
           </a:blip>
@@ -5974,7 +5976,7 @@
           <p:cNvPr id="54" name="Image 2" descr="preencoded.png">
             <a:extLst>
               <a:ext uri="{FF2B5EF4-FFF2-40B4-BE49-F238E27FC236}">
-                <a16:creationId xmlns:a16="http://schemas.microsoft.com/office/drawing/2014/main" id="{F19C81EC-0322-58A2-C455-6E2C84D1E6E8}"/>
+                <a16:creationId xmlns:a16="http://schemas.microsoft.com/office/drawing/2014/main" xmlns="" id="{F19C81EC-0322-58A2-C455-6E2C84D1E6E8}"/>
               </a:ext>
             </a:extLst>
           </p:cNvPr>
@@ -6208,7 +6210,7 @@
           <p:cNvPr id="4" name="Footer Placeholder 3">
             <a:extLst>
               <a:ext uri="{FF2B5EF4-FFF2-40B4-BE49-F238E27FC236}">
-                <a16:creationId xmlns:a16="http://schemas.microsoft.com/office/drawing/2014/main" id="{E1F9FD95-086F-282B-820C-8CDAD4A6EEB6}"/>
+                <a16:creationId xmlns:a16="http://schemas.microsoft.com/office/drawing/2014/main" xmlns="" id="{E1F9FD95-086F-282B-820C-8CDAD4A6EEB6}"/>
               </a:ext>
             </a:extLst>
           </p:cNvPr>
@@ -6275,7 +6277,7 @@
           <p:cNvPr id="13" name="Freeform: Shape 12">
             <a:extLst>
               <a:ext uri="{FF2B5EF4-FFF2-40B4-BE49-F238E27FC236}">
-                <a16:creationId xmlns:a16="http://schemas.microsoft.com/office/drawing/2014/main" id="{AEF1F750-031C-BDB7-BD7B-9CBE17406FDB}"/>
+                <a16:creationId xmlns:a16="http://schemas.microsoft.com/office/drawing/2014/main" xmlns="" id="{AEF1F750-031C-BDB7-BD7B-9CBE17406FDB}"/>
               </a:ext>
             </a:extLst>
           </p:cNvPr>
@@ -6393,7 +6395,7 @@
           <p:cNvPr id="19" name="Freeform: Shape 18" descr="preencoded.png">
             <a:extLst>
               <a:ext uri="{FF2B5EF4-FFF2-40B4-BE49-F238E27FC236}">
-                <a16:creationId xmlns:a16="http://schemas.microsoft.com/office/drawing/2014/main" id="{FEB515B5-2D9F-58E1-6E3C-CCBF105D891E}"/>
+                <a16:creationId xmlns:a16="http://schemas.microsoft.com/office/drawing/2014/main" xmlns="" id="{FEB515B5-2D9F-58E1-6E3C-CCBF105D891E}"/>
               </a:ext>
             </a:extLst>
           </p:cNvPr>
@@ -6493,7 +6495,7 @@
           <p:cNvPr id="9" name="Image 2" descr="preencoded.png">
             <a:extLst>
               <a:ext uri="{FF2B5EF4-FFF2-40B4-BE49-F238E27FC236}">
-                <a16:creationId xmlns:a16="http://schemas.microsoft.com/office/drawing/2014/main" id="{5CCFEDF9-5B69-87BA-8A33-35033DA4013F}"/>
+                <a16:creationId xmlns:a16="http://schemas.microsoft.com/office/drawing/2014/main" xmlns="" id="{5CCFEDF9-5B69-87BA-8A33-35033DA4013F}"/>
               </a:ext>
             </a:extLst>
           </p:cNvPr>
@@ -6509,7 +6511,7 @@
                 <a14:useLocalDpi xmlns:a14="http://schemas.microsoft.com/office/drawing/2010/main"/>
               </a:ext>
               <a:ext uri="{96DAC541-7B7A-43D3-8B79-37D633B846F1}">
-                <asvg:svgBlip xmlns:asvg="http://schemas.microsoft.com/office/drawing/2016/SVG/main" r:embed="rId3"/>
+                <asvg:svgBlip xmlns:asvg="http://schemas.microsoft.com/office/drawing/2016/SVG/main" xmlns="" r:embed="rId3"/>
               </a:ext>
             </a:extLst>
           </a:blip>
@@ -6665,7 +6667,7 @@
           <p:cNvPr id="9" name="Image 0" descr="preencoded.png">
             <a:extLst>
               <a:ext uri="{FF2B5EF4-FFF2-40B4-BE49-F238E27FC236}">
-                <a16:creationId xmlns:a16="http://schemas.microsoft.com/office/drawing/2014/main" id="{8D5D10FF-3DE5-39CA-FA9A-29A09DC47BFC}"/>
+                <a16:creationId xmlns:a16="http://schemas.microsoft.com/office/drawing/2014/main" xmlns="" id="{8D5D10FF-3DE5-39CA-FA9A-29A09DC47BFC}"/>
               </a:ext>
             </a:extLst>
           </p:cNvPr>
@@ -6755,7 +6757,7 @@
           <p:cNvPr id="11" name="Image 1" descr="preencoded.png">
             <a:extLst>
               <a:ext uri="{FF2B5EF4-FFF2-40B4-BE49-F238E27FC236}">
-                <a16:creationId xmlns:a16="http://schemas.microsoft.com/office/drawing/2014/main" id="{BFA89E6A-8342-AE30-45E0-BC1DFE3276CC}"/>
+                <a16:creationId xmlns:a16="http://schemas.microsoft.com/office/drawing/2014/main" xmlns="" id="{BFA89E6A-8342-AE30-45E0-BC1DFE3276CC}"/>
               </a:ext>
             </a:extLst>
           </p:cNvPr>
@@ -6771,7 +6773,7 @@
                 <a14:useLocalDpi xmlns:a14="http://schemas.microsoft.com/office/drawing/2010/main"/>
               </a:ext>
               <a:ext uri="{96DAC541-7B7A-43D3-8B79-37D633B846F1}">
-                <asvg:svgBlip xmlns:asvg="http://schemas.microsoft.com/office/drawing/2016/SVG/main" r:embed="rId3"/>
+                <asvg:svgBlip xmlns:asvg="http://schemas.microsoft.com/office/drawing/2016/SVG/main" xmlns="" r:embed="rId3"/>
               </a:ext>
             </a:extLst>
           </a:blip>
@@ -6793,7 +6795,7 @@
           <p:cNvPr id="13" name="Freeform: Shape 12">
             <a:extLst>
               <a:ext uri="{FF2B5EF4-FFF2-40B4-BE49-F238E27FC236}">
-                <a16:creationId xmlns:a16="http://schemas.microsoft.com/office/drawing/2014/main" id="{A08309FA-889A-E2F2-1EDA-F872245F5FDF}"/>
+                <a16:creationId xmlns:a16="http://schemas.microsoft.com/office/drawing/2014/main" xmlns="" id="{A08309FA-889A-E2F2-1EDA-F872245F5FDF}"/>
               </a:ext>
             </a:extLst>
           </p:cNvPr>
@@ -7647,7 +7649,7 @@
           <p:cNvPr id="15" name="Image 5" descr="preencoded.png">
             <a:extLst>
               <a:ext uri="{FF2B5EF4-FFF2-40B4-BE49-F238E27FC236}">
-                <a16:creationId xmlns:a16="http://schemas.microsoft.com/office/drawing/2014/main" id="{D9D7EB49-4BC9-040F-C4CC-5771C5FB312B}"/>
+                <a16:creationId xmlns:a16="http://schemas.microsoft.com/office/drawing/2014/main" xmlns="" id="{D9D7EB49-4BC9-040F-C4CC-5771C5FB312B}"/>
               </a:ext>
             </a:extLst>
           </p:cNvPr>
@@ -7745,7 +7747,7 @@
           <p:cNvPr id="17" name="Image 6" descr="preencoded.png">
             <a:extLst>
               <a:ext uri="{FF2B5EF4-FFF2-40B4-BE49-F238E27FC236}">
-                <a16:creationId xmlns:a16="http://schemas.microsoft.com/office/drawing/2014/main" id="{3CE04498-C285-EFB8-340C-1A064078152B}"/>
+                <a16:creationId xmlns:a16="http://schemas.microsoft.com/office/drawing/2014/main" xmlns="" id="{3CE04498-C285-EFB8-340C-1A064078152B}"/>
               </a:ext>
             </a:extLst>
           </p:cNvPr>
@@ -7761,7 +7763,7 @@
                 <a14:useLocalDpi xmlns:a14="http://schemas.microsoft.com/office/drawing/2010/main"/>
               </a:ext>
               <a:ext uri="{96DAC541-7B7A-43D3-8B79-37D633B846F1}">
-                <asvg:svgBlip xmlns:asvg="http://schemas.microsoft.com/office/drawing/2016/SVG/main" r:embed="rId5"/>
+                <asvg:svgBlip xmlns:asvg="http://schemas.microsoft.com/office/drawing/2016/SVG/main" xmlns="" r:embed="rId5"/>
               </a:ext>
             </a:extLst>
           </a:blip>
@@ -7829,7 +7831,7 @@
           <p:cNvPr id="18" name="Title 19">
             <a:extLst>
               <a:ext uri="{FF2B5EF4-FFF2-40B4-BE49-F238E27FC236}">
-                <a16:creationId xmlns:a16="http://schemas.microsoft.com/office/drawing/2014/main" id="{9CBE0ADC-7FA0-F7E3-96EF-BBACB6A9076E}"/>
+                <a16:creationId xmlns:a16="http://schemas.microsoft.com/office/drawing/2014/main" xmlns="" id="{9CBE0ADC-7FA0-F7E3-96EF-BBACB6A9076E}"/>
               </a:ext>
             </a:extLst>
           </p:cNvPr>
@@ -7872,7 +7874,7 @@
           <p:cNvPr id="19" name="Content Placeholder 3">
             <a:extLst>
               <a:ext uri="{FF2B5EF4-FFF2-40B4-BE49-F238E27FC236}">
-                <a16:creationId xmlns:a16="http://schemas.microsoft.com/office/drawing/2014/main" id="{0F9C0517-D83A-CC55-35B8-B2F990C96D30}"/>
+                <a16:creationId xmlns:a16="http://schemas.microsoft.com/office/drawing/2014/main" xmlns="" id="{0F9C0517-D83A-CC55-35B8-B2F990C96D30}"/>
               </a:ext>
             </a:extLst>
           </p:cNvPr>
@@ -7953,7 +7955,7 @@
           <p:cNvPr id="20" name="Content Placeholder 5">
             <a:extLst>
               <a:ext uri="{FF2B5EF4-FFF2-40B4-BE49-F238E27FC236}">
-                <a16:creationId xmlns:a16="http://schemas.microsoft.com/office/drawing/2014/main" id="{CF8BFBBE-0EAE-B647-2648-A5FB0094BF6B}"/>
+                <a16:creationId xmlns:a16="http://schemas.microsoft.com/office/drawing/2014/main" xmlns="" id="{CF8BFBBE-0EAE-B647-2648-A5FB0094BF6B}"/>
               </a:ext>
             </a:extLst>
           </p:cNvPr>
@@ -8064,7 +8066,7 @@
           <p:cNvPr id="7" name="Freeform: Shape 6">
             <a:extLst>
               <a:ext uri="{FF2B5EF4-FFF2-40B4-BE49-F238E27FC236}">
-                <a16:creationId xmlns:a16="http://schemas.microsoft.com/office/drawing/2014/main" id="{2C6B5F91-ABF5-D0B6-E43F-40CEDC3A6DF8}"/>
+                <a16:creationId xmlns:a16="http://schemas.microsoft.com/office/drawing/2014/main" xmlns="" id="{2C6B5F91-ABF5-D0B6-E43F-40CEDC3A6DF8}"/>
               </a:ext>
             </a:extLst>
           </p:cNvPr>
@@ -9025,7 +9027,7 @@
           <p:cNvPr id="9" name="Freeform: Shape 8">
             <a:extLst>
               <a:ext uri="{FF2B5EF4-FFF2-40B4-BE49-F238E27FC236}">
-                <a16:creationId xmlns:a16="http://schemas.microsoft.com/office/drawing/2014/main" id="{A52D64F1-27B6-A1E5-4F44-A6029FAB307B}"/>
+                <a16:creationId xmlns:a16="http://schemas.microsoft.com/office/drawing/2014/main" xmlns="" id="{A52D64F1-27B6-A1E5-4F44-A6029FAB307B}"/>
               </a:ext>
             </a:extLst>
           </p:cNvPr>
@@ -10085,7 +10087,7 @@
           <p:cNvPr id="6" name="Freeform: Shape 5">
             <a:extLst>
               <a:ext uri="{FF2B5EF4-FFF2-40B4-BE49-F238E27FC236}">
-                <a16:creationId xmlns:a16="http://schemas.microsoft.com/office/drawing/2014/main" id="{A626DE4B-D4E5-B36A-89FA-7C0E87AFC31D}"/>
+                <a16:creationId xmlns:a16="http://schemas.microsoft.com/office/drawing/2014/main" xmlns="" id="{A626DE4B-D4E5-B36A-89FA-7C0E87AFC31D}"/>
               </a:ext>
             </a:extLst>
           </p:cNvPr>
@@ -11046,7 +11048,7 @@
           <p:cNvPr id="8" name="Freeform: Shape 7">
             <a:extLst>
               <a:ext uri="{FF2B5EF4-FFF2-40B4-BE49-F238E27FC236}">
-                <a16:creationId xmlns:a16="http://schemas.microsoft.com/office/drawing/2014/main" id="{95243571-BE64-3777-F992-88FC43A60537}"/>
+                <a16:creationId xmlns:a16="http://schemas.microsoft.com/office/drawing/2014/main" xmlns="" id="{95243571-BE64-3777-F992-88FC43A60537}"/>
               </a:ext>
             </a:extLst>
           </p:cNvPr>
@@ -12083,7 +12085,7 @@
           <p:cNvPr id="11" name="Freeform: Shape 10">
             <a:extLst>
               <a:ext uri="{FF2B5EF4-FFF2-40B4-BE49-F238E27FC236}">
-                <a16:creationId xmlns:a16="http://schemas.microsoft.com/office/drawing/2014/main" id="{ADFAE2CB-0EAD-E788-FCB7-FB12F6939199}"/>
+                <a16:creationId xmlns:a16="http://schemas.microsoft.com/office/drawing/2014/main" xmlns="" id="{ADFAE2CB-0EAD-E788-FCB7-FB12F6939199}"/>
               </a:ext>
             </a:extLst>
           </p:cNvPr>
@@ -13302,7 +13304,7 @@
           <p:cNvPr id="6" name="Group 5">
             <a:extLst>
               <a:ext uri="{FF2B5EF4-FFF2-40B4-BE49-F238E27FC236}">
-                <a16:creationId xmlns:a16="http://schemas.microsoft.com/office/drawing/2014/main" id="{75923D9E-9381-3D11-B31A-1BF5C97F35B0}"/>
+                <a16:creationId xmlns:a16="http://schemas.microsoft.com/office/drawing/2014/main" xmlns="" id="{75923D9E-9381-3D11-B31A-1BF5C97F35B0}"/>
               </a:ext>
             </a:extLst>
           </p:cNvPr>
@@ -13322,7 +13324,7 @@
             <p:cNvPr id="7" name="Freeform 7">
               <a:extLst>
                 <a:ext uri="{FF2B5EF4-FFF2-40B4-BE49-F238E27FC236}">
-                  <a16:creationId xmlns:a16="http://schemas.microsoft.com/office/drawing/2014/main" id="{89E777D0-3240-08CE-6B6C-B33B910B8490}"/>
+                  <a16:creationId xmlns:a16="http://schemas.microsoft.com/office/drawing/2014/main" xmlns="" id="{89E777D0-3240-08CE-6B6C-B33B910B8490}"/>
                 </a:ext>
               </a:extLst>
             </p:cNvPr>
@@ -13407,7 +13409,7 @@
             <p:cNvPr id="8" name="Freeform 6">
               <a:extLst>
                 <a:ext uri="{FF2B5EF4-FFF2-40B4-BE49-F238E27FC236}">
-                  <a16:creationId xmlns:a16="http://schemas.microsoft.com/office/drawing/2014/main" id="{EFEA81A2-6893-518C-6AF3-37C987789C86}"/>
+                  <a16:creationId xmlns:a16="http://schemas.microsoft.com/office/drawing/2014/main" xmlns="" id="{EFEA81A2-6893-518C-6AF3-37C987789C86}"/>
                 </a:ext>
               </a:extLst>
             </p:cNvPr>
@@ -13493,7 +13495,7 @@
           <p:cNvPr id="9" name="Group 8">
             <a:extLst>
               <a:ext uri="{FF2B5EF4-FFF2-40B4-BE49-F238E27FC236}">
-                <a16:creationId xmlns:a16="http://schemas.microsoft.com/office/drawing/2014/main" id="{0F297964-0B81-31DC-6D6D-1414832238B1}"/>
+                <a16:creationId xmlns:a16="http://schemas.microsoft.com/office/drawing/2014/main" xmlns="" id="{0F297964-0B81-31DC-6D6D-1414832238B1}"/>
               </a:ext>
             </a:extLst>
           </p:cNvPr>
@@ -13513,7 +13515,7 @@
             <p:cNvPr id="10" name="Freeform 7">
               <a:extLst>
                 <a:ext uri="{FF2B5EF4-FFF2-40B4-BE49-F238E27FC236}">
-                  <a16:creationId xmlns:a16="http://schemas.microsoft.com/office/drawing/2014/main" id="{CE4FDB43-7466-4B74-330E-836DA9504C90}"/>
+                  <a16:creationId xmlns:a16="http://schemas.microsoft.com/office/drawing/2014/main" xmlns="" id="{CE4FDB43-7466-4B74-330E-836DA9504C90}"/>
                 </a:ext>
               </a:extLst>
             </p:cNvPr>
@@ -13598,7 +13600,7 @@
             <p:cNvPr id="11" name="Freeform 6">
               <a:extLst>
                 <a:ext uri="{FF2B5EF4-FFF2-40B4-BE49-F238E27FC236}">
-                  <a16:creationId xmlns:a16="http://schemas.microsoft.com/office/drawing/2014/main" id="{2EA39DB9-F1B4-F4E9-CF4D-717B0CD747DA}"/>
+                  <a16:creationId xmlns:a16="http://schemas.microsoft.com/office/drawing/2014/main" xmlns="" id="{2EA39DB9-F1B4-F4E9-CF4D-717B0CD747DA}"/>
                 </a:ext>
               </a:extLst>
             </p:cNvPr>
@@ -13684,7 +13686,7 @@
           <p:cNvPr id="14" name="Image 2" descr="preencoded.png">
             <a:extLst>
               <a:ext uri="{FF2B5EF4-FFF2-40B4-BE49-F238E27FC236}">
-                <a16:creationId xmlns:a16="http://schemas.microsoft.com/office/drawing/2014/main" id="{EFFAEAD9-58A9-096B-C6D0-58F7AD08EB20}"/>
+                <a16:creationId xmlns:a16="http://schemas.microsoft.com/office/drawing/2014/main" xmlns="" id="{EFFAEAD9-58A9-096B-C6D0-58F7AD08EB20}"/>
               </a:ext>
             </a:extLst>
           </p:cNvPr>
@@ -13782,7 +13784,7 @@
           <p:cNvPr id="2" name="Title 1">
             <a:extLst>
               <a:ext uri="{FF2B5EF4-FFF2-40B4-BE49-F238E27FC236}">
-                <a16:creationId xmlns:a16="http://schemas.microsoft.com/office/drawing/2014/main" id="{9A1CFBBA-B680-A6A7-3C4B-5FEAC4253283}"/>
+                <a16:creationId xmlns:a16="http://schemas.microsoft.com/office/drawing/2014/main" xmlns="" id="{9A1CFBBA-B680-A6A7-3C4B-5FEAC4253283}"/>
               </a:ext>
             </a:extLst>
           </p:cNvPr>
@@ -13825,7 +13827,7 @@
           <p:cNvPr id="13" name="Content Placeholder 2">
             <a:extLst>
               <a:ext uri="{FF2B5EF4-FFF2-40B4-BE49-F238E27FC236}">
-                <a16:creationId xmlns:a16="http://schemas.microsoft.com/office/drawing/2014/main" id="{72386C43-DD10-E892-08AD-D6F4AE9617DD}"/>
+                <a16:creationId xmlns:a16="http://schemas.microsoft.com/office/drawing/2014/main" xmlns="" id="{72386C43-DD10-E892-08AD-D6F4AE9617DD}"/>
               </a:ext>
             </a:extLst>
           </p:cNvPr>
@@ -13934,7 +13936,7 @@
           <p:cNvPr id="11" name="Freeform: Shape 10">
             <a:extLst>
               <a:ext uri="{FF2B5EF4-FFF2-40B4-BE49-F238E27FC236}">
-                <a16:creationId xmlns:a16="http://schemas.microsoft.com/office/drawing/2014/main" id="{CAA6B609-D718-DB49-892F-7E49376CC913}"/>
+                <a16:creationId xmlns:a16="http://schemas.microsoft.com/office/drawing/2014/main" xmlns="" id="{CAA6B609-D718-DB49-892F-7E49376CC913}"/>
               </a:ext>
             </a:extLst>
           </p:cNvPr>
@@ -15133,7 +15135,7 @@
           <p:cNvPr id="23" name="Freeform: Shape 22">
             <a:extLst>
               <a:ext uri="{FF2B5EF4-FFF2-40B4-BE49-F238E27FC236}">
-                <a16:creationId xmlns:a16="http://schemas.microsoft.com/office/drawing/2014/main" id="{C35EFB42-020B-1DF4-3D42-26092CE45F08}"/>
+                <a16:creationId xmlns:a16="http://schemas.microsoft.com/office/drawing/2014/main" xmlns="" id="{C35EFB42-020B-1DF4-3D42-26092CE45F08}"/>
               </a:ext>
             </a:extLst>
           </p:cNvPr>
@@ -15221,7 +15223,7 @@
           <p:cNvPr id="20" name="Freeform: Shape 19">
             <a:extLst>
               <a:ext uri="{FF2B5EF4-FFF2-40B4-BE49-F238E27FC236}">
-                <a16:creationId xmlns:a16="http://schemas.microsoft.com/office/drawing/2014/main" id="{AB4DD322-D1E0-74CB-BBFF-057426E58EBC}"/>
+                <a16:creationId xmlns:a16="http://schemas.microsoft.com/office/drawing/2014/main" xmlns="" id="{AB4DD322-D1E0-74CB-BBFF-057426E58EBC}"/>
               </a:ext>
             </a:extLst>
           </p:cNvPr>
@@ -15309,7 +15311,7 @@
           <p:cNvPr id="14" name="Freeform: Shape 13">
             <a:extLst>
               <a:ext uri="{FF2B5EF4-FFF2-40B4-BE49-F238E27FC236}">
-                <a16:creationId xmlns:a16="http://schemas.microsoft.com/office/drawing/2014/main" id="{C11D3FCE-EC92-8558-A3E5-04DB12477A3B}"/>
+                <a16:creationId xmlns:a16="http://schemas.microsoft.com/office/drawing/2014/main" xmlns="" id="{C11D3FCE-EC92-8558-A3E5-04DB12477A3B}"/>
               </a:ext>
             </a:extLst>
           </p:cNvPr>
@@ -15565,7 +15567,7 @@
           <p:cNvPr id="17" name="Freeform: Shape 16">
             <a:extLst>
               <a:ext uri="{FF2B5EF4-FFF2-40B4-BE49-F238E27FC236}">
-                <a16:creationId xmlns:a16="http://schemas.microsoft.com/office/drawing/2014/main" id="{217CBC9E-B934-828F-2AE5-211CEF5B1D25}"/>
+                <a16:creationId xmlns:a16="http://schemas.microsoft.com/office/drawing/2014/main" xmlns="" id="{217CBC9E-B934-828F-2AE5-211CEF5B1D25}"/>
               </a:ext>
             </a:extLst>
           </p:cNvPr>
@@ -15675,7 +15677,7 @@
           <p:cNvPr id="34" name="Freeform: Shape 33">
             <a:extLst>
               <a:ext uri="{FF2B5EF4-FFF2-40B4-BE49-F238E27FC236}">
-                <a16:creationId xmlns:a16="http://schemas.microsoft.com/office/drawing/2014/main" id="{3D352B04-96E6-839B-9D92-EE98385C4D49}"/>
+                <a16:creationId xmlns:a16="http://schemas.microsoft.com/office/drawing/2014/main" xmlns="" id="{3D352B04-96E6-839B-9D92-EE98385C4D49}"/>
               </a:ext>
             </a:extLst>
           </p:cNvPr>
@@ -15789,7 +15791,7 @@
           <p:cNvPr id="46" name="Freeform: Shape 45">
             <a:extLst>
               <a:ext uri="{FF2B5EF4-FFF2-40B4-BE49-F238E27FC236}">
-                <a16:creationId xmlns:a16="http://schemas.microsoft.com/office/drawing/2014/main" id="{723D98FB-5EB7-A8DF-8470-B23A80D669E4}"/>
+                <a16:creationId xmlns:a16="http://schemas.microsoft.com/office/drawing/2014/main" xmlns="" id="{723D98FB-5EB7-A8DF-8470-B23A80D669E4}"/>
               </a:ext>
             </a:extLst>
           </p:cNvPr>
@@ -15905,7 +15907,7 @@
           <p:cNvPr id="43" name="Freeform: Shape 42">
             <a:extLst>
               <a:ext uri="{FF2B5EF4-FFF2-40B4-BE49-F238E27FC236}">
-                <a16:creationId xmlns:a16="http://schemas.microsoft.com/office/drawing/2014/main" id="{4550F3CE-BAE9-3916-42CA-F4D906FA5173}"/>
+                <a16:creationId xmlns:a16="http://schemas.microsoft.com/office/drawing/2014/main" xmlns="" id="{4550F3CE-BAE9-3916-42CA-F4D906FA5173}"/>
               </a:ext>
             </a:extLst>
           </p:cNvPr>
@@ -16101,7 +16103,7 @@
           <p:cNvPr id="49" name="Freeform: Shape 48">
             <a:extLst>
               <a:ext uri="{FF2B5EF4-FFF2-40B4-BE49-F238E27FC236}">
-                <a16:creationId xmlns:a16="http://schemas.microsoft.com/office/drawing/2014/main" id="{D83F65A0-0C52-48AD-DC5D-B5D3BF3CC188}"/>
+                <a16:creationId xmlns:a16="http://schemas.microsoft.com/office/drawing/2014/main" xmlns="" id="{D83F65A0-0C52-48AD-DC5D-B5D3BF3CC188}"/>
               </a:ext>
             </a:extLst>
           </p:cNvPr>
@@ -16245,7 +16247,7 @@
           <p:cNvPr id="40" name="Freeform: Shape 39">
             <a:extLst>
               <a:ext uri="{FF2B5EF4-FFF2-40B4-BE49-F238E27FC236}">
-                <a16:creationId xmlns:a16="http://schemas.microsoft.com/office/drawing/2014/main" id="{F8FA7F58-C470-6376-9DB1-DE7034C491E8}"/>
+                <a16:creationId xmlns:a16="http://schemas.microsoft.com/office/drawing/2014/main" xmlns="" id="{F8FA7F58-C470-6376-9DB1-DE7034C491E8}"/>
               </a:ext>
             </a:extLst>
           </p:cNvPr>
@@ -16327,7 +16329,7 @@
           <p:cNvPr id="37" name="Freeform: Shape 36">
             <a:extLst>
               <a:ext uri="{FF2B5EF4-FFF2-40B4-BE49-F238E27FC236}">
-                <a16:creationId xmlns:a16="http://schemas.microsoft.com/office/drawing/2014/main" id="{B27C9E57-563E-7980-7B3C-45FAD9C386F4}"/>
+                <a16:creationId xmlns:a16="http://schemas.microsoft.com/office/drawing/2014/main" xmlns="" id="{B27C9E57-563E-7980-7B3C-45FAD9C386F4}"/>
               </a:ext>
             </a:extLst>
           </p:cNvPr>
@@ -16613,7 +16615,7 @@
           <p:cNvPr id="30" name="Freeform: Shape 29">
             <a:extLst>
               <a:ext uri="{FF2B5EF4-FFF2-40B4-BE49-F238E27FC236}">
-                <a16:creationId xmlns:a16="http://schemas.microsoft.com/office/drawing/2014/main" id="{2459EA3C-8B88-5F1F-531E-7DA7DE55710B}"/>
+                <a16:creationId xmlns:a16="http://schemas.microsoft.com/office/drawing/2014/main" xmlns="" id="{2459EA3C-8B88-5F1F-531E-7DA7DE55710B}"/>
               </a:ext>
             </a:extLst>
           </p:cNvPr>
@@ -17761,7 +17763,7 @@
           <p:cNvPr id="28" name="Freeform: Shape 27">
             <a:extLst>
               <a:ext uri="{FF2B5EF4-FFF2-40B4-BE49-F238E27FC236}">
-                <a16:creationId xmlns:a16="http://schemas.microsoft.com/office/drawing/2014/main" id="{B0C0F070-237F-C60F-3458-4D4D9BA0A222}"/>
+                <a16:creationId xmlns:a16="http://schemas.microsoft.com/office/drawing/2014/main" xmlns="" id="{B0C0F070-237F-C60F-3458-4D4D9BA0A222}"/>
               </a:ext>
             </a:extLst>
           </p:cNvPr>
@@ -19218,7 +19220,7 @@
           <p:cNvPr id="57" name="Text Placeholder 54">
             <a:extLst>
               <a:ext uri="{FF2B5EF4-FFF2-40B4-BE49-F238E27FC236}">
-                <a16:creationId xmlns:a16="http://schemas.microsoft.com/office/drawing/2014/main" id="{A493C80D-2813-9E70-8901-D4B9EA4DD7EA}"/>
+                <a16:creationId xmlns:a16="http://schemas.microsoft.com/office/drawing/2014/main" xmlns="" id="{A493C80D-2813-9E70-8901-D4B9EA4DD7EA}"/>
               </a:ext>
             </a:extLst>
           </p:cNvPr>
@@ -19259,7 +19261,7 @@
           <p:cNvPr id="55" name="Text Placeholder 54">
             <a:extLst>
               <a:ext uri="{FF2B5EF4-FFF2-40B4-BE49-F238E27FC236}">
-                <a16:creationId xmlns:a16="http://schemas.microsoft.com/office/drawing/2014/main" id="{A2733C45-7C53-2BC5-3F62-D069650A79C9}"/>
+                <a16:creationId xmlns:a16="http://schemas.microsoft.com/office/drawing/2014/main" xmlns="" id="{A2733C45-7C53-2BC5-3F62-D069650A79C9}"/>
               </a:ext>
             </a:extLst>
           </p:cNvPr>
@@ -19300,7 +19302,7 @@
           <p:cNvPr id="56" name="Text Placeholder 54">
             <a:extLst>
               <a:ext uri="{FF2B5EF4-FFF2-40B4-BE49-F238E27FC236}">
-                <a16:creationId xmlns:a16="http://schemas.microsoft.com/office/drawing/2014/main" id="{B1D62231-87CB-21EC-CF8C-46276AD1F951}"/>
+                <a16:creationId xmlns:a16="http://schemas.microsoft.com/office/drawing/2014/main" xmlns="" id="{B1D62231-87CB-21EC-CF8C-46276AD1F951}"/>
               </a:ext>
             </a:extLst>
           </p:cNvPr>
@@ -19341,7 +19343,7 @@
           <p:cNvPr id="32" name="Image 1" descr="preencoded.png">
             <a:extLst>
               <a:ext uri="{FF2B5EF4-FFF2-40B4-BE49-F238E27FC236}">
-                <a16:creationId xmlns:a16="http://schemas.microsoft.com/office/drawing/2014/main" id="{2A3EC91E-4089-D366-06D3-3E66F93DFAF3}"/>
+                <a16:creationId xmlns:a16="http://schemas.microsoft.com/office/drawing/2014/main" xmlns="" id="{2A3EC91E-4089-D366-06D3-3E66F93DFAF3}"/>
               </a:ext>
             </a:extLst>
           </p:cNvPr>
@@ -19431,7 +19433,7 @@
           <p:cNvPr id="53" name="Freeform: Shape 52">
             <a:extLst>
               <a:ext uri="{FF2B5EF4-FFF2-40B4-BE49-F238E27FC236}">
-                <a16:creationId xmlns:a16="http://schemas.microsoft.com/office/drawing/2014/main" id="{70F595E1-C910-3710-90E9-AF5FFCE05861}"/>
+                <a16:creationId xmlns:a16="http://schemas.microsoft.com/office/drawing/2014/main" xmlns="" id="{70F595E1-C910-3710-90E9-AF5FFCE05861}"/>
               </a:ext>
             </a:extLst>
           </p:cNvPr>
@@ -20285,7 +20287,7 @@
           <p:cNvPr id="33" name="Image 4" descr="preencoded.png">
             <a:extLst>
               <a:ext uri="{FF2B5EF4-FFF2-40B4-BE49-F238E27FC236}">
-                <a16:creationId xmlns:a16="http://schemas.microsoft.com/office/drawing/2014/main" id="{EC46DC71-C12A-96C8-3FE2-AA95AB58B349}"/>
+                <a16:creationId xmlns:a16="http://schemas.microsoft.com/office/drawing/2014/main" xmlns="" id="{EC46DC71-C12A-96C8-3FE2-AA95AB58B349}"/>
               </a:ext>
             </a:extLst>
           </p:cNvPr>
@@ -20369,7 +20371,7 @@
           <p:cNvPr id="29" name="Freeform 70">
             <a:extLst>
               <a:ext uri="{FF2B5EF4-FFF2-40B4-BE49-F238E27FC236}">
-                <a16:creationId xmlns:a16="http://schemas.microsoft.com/office/drawing/2014/main" id="{AA39EF58-54F1-4AC9-1D83-2E7DEEAAEA6A}"/>
+                <a16:creationId xmlns:a16="http://schemas.microsoft.com/office/drawing/2014/main" xmlns="" id="{AA39EF58-54F1-4AC9-1D83-2E7DEEAAEA6A}"/>
               </a:ext>
             </a:extLst>
           </p:cNvPr>
@@ -20454,7 +20456,7 @@
           <p:cNvPr id="31" name="Freeform 70">
             <a:extLst>
               <a:ext uri="{FF2B5EF4-FFF2-40B4-BE49-F238E27FC236}">
-                <a16:creationId xmlns:a16="http://schemas.microsoft.com/office/drawing/2014/main" id="{0C320934-59CC-4123-C7C1-FEEE89F3045F}"/>
+                <a16:creationId xmlns:a16="http://schemas.microsoft.com/office/drawing/2014/main" xmlns="" id="{0C320934-59CC-4123-C7C1-FEEE89F3045F}"/>
               </a:ext>
             </a:extLst>
           </p:cNvPr>
@@ -20594,7 +20596,7 @@
           <p:cNvPr id="7" name="Rectangle 6">
             <a:extLst>
               <a:ext uri="{FF2B5EF4-FFF2-40B4-BE49-F238E27FC236}">
-                <a16:creationId xmlns:a16="http://schemas.microsoft.com/office/drawing/2014/main" id="{FCC43996-DAC9-130F-CB05-4A8A90381D37}"/>
+                <a16:creationId xmlns:a16="http://schemas.microsoft.com/office/drawing/2014/main" xmlns="" id="{FCC43996-DAC9-130F-CB05-4A8A90381D37}"/>
               </a:ext>
             </a:extLst>
           </p:cNvPr>
@@ -20648,7 +20650,7 @@
           <p:cNvPr id="2" name="Title 1">
             <a:extLst>
               <a:ext uri="{FF2B5EF4-FFF2-40B4-BE49-F238E27FC236}">
-                <a16:creationId xmlns:a16="http://schemas.microsoft.com/office/drawing/2014/main" id="{EA04E8AF-9DFE-7077-DB36-941F6490BAD8}"/>
+                <a16:creationId xmlns:a16="http://schemas.microsoft.com/office/drawing/2014/main" xmlns="" id="{EA04E8AF-9DFE-7077-DB36-941F6490BAD8}"/>
               </a:ext>
             </a:extLst>
           </p:cNvPr>
@@ -20686,7 +20688,7 @@
           <p:cNvPr id="4" name="Footer Placeholder 3">
             <a:extLst>
               <a:ext uri="{FF2B5EF4-FFF2-40B4-BE49-F238E27FC236}">
-                <a16:creationId xmlns:a16="http://schemas.microsoft.com/office/drawing/2014/main" id="{43B58B80-D2DB-A0A1-0362-1157E9087574}"/>
+                <a16:creationId xmlns:a16="http://schemas.microsoft.com/office/drawing/2014/main" xmlns="" id="{43B58B80-D2DB-A0A1-0362-1157E9087574}"/>
               </a:ext>
             </a:extLst>
           </p:cNvPr>
@@ -20717,7 +20719,7 @@
           <p:cNvPr id="5" name="Slide Number Placeholder 4">
             <a:extLst>
               <a:ext uri="{FF2B5EF4-FFF2-40B4-BE49-F238E27FC236}">
-                <a16:creationId xmlns:a16="http://schemas.microsoft.com/office/drawing/2014/main" id="{B62C22E6-000A-05BA-5872-EF37F029AB00}"/>
+                <a16:creationId xmlns:a16="http://schemas.microsoft.com/office/drawing/2014/main" xmlns="" id="{B62C22E6-000A-05BA-5872-EF37F029AB00}"/>
               </a:ext>
             </a:extLst>
           </p:cNvPr>
@@ -20749,7 +20751,7 @@
           <p:cNvPr id="17" name="Picture Placeholder 16">
             <a:extLst>
               <a:ext uri="{FF2B5EF4-FFF2-40B4-BE49-F238E27FC236}">
-                <a16:creationId xmlns:a16="http://schemas.microsoft.com/office/drawing/2014/main" id="{6AAAFB85-16C0-836A-1D0D-E65277CC341D}"/>
+                <a16:creationId xmlns:a16="http://schemas.microsoft.com/office/drawing/2014/main" xmlns="" id="{6AAAFB85-16C0-836A-1D0D-E65277CC341D}"/>
               </a:ext>
             </a:extLst>
           </p:cNvPr>
@@ -20799,7 +20801,7 @@
           <p:cNvPr id="19" name="Text Placeholder 18">
             <a:extLst>
               <a:ext uri="{FF2B5EF4-FFF2-40B4-BE49-F238E27FC236}">
-                <a16:creationId xmlns:a16="http://schemas.microsoft.com/office/drawing/2014/main" id="{FB04BFFD-8D76-D31F-232F-38A7065ACAF3}"/>
+                <a16:creationId xmlns:a16="http://schemas.microsoft.com/office/drawing/2014/main" xmlns="" id="{FB04BFFD-8D76-D31F-232F-38A7065ACAF3}"/>
               </a:ext>
             </a:extLst>
           </p:cNvPr>
@@ -20852,7 +20854,7 @@
           <p:cNvPr id="21" name="Text Placeholder 20">
             <a:extLst>
               <a:ext uri="{FF2B5EF4-FFF2-40B4-BE49-F238E27FC236}">
-                <a16:creationId xmlns:a16="http://schemas.microsoft.com/office/drawing/2014/main" id="{75A2E03A-AFB4-3868-FAB5-A24228FA8A04}"/>
+                <a16:creationId xmlns:a16="http://schemas.microsoft.com/office/drawing/2014/main" xmlns="" id="{75A2E03A-AFB4-3868-FAB5-A24228FA8A04}"/>
               </a:ext>
             </a:extLst>
           </p:cNvPr>
@@ -20893,7 +20895,7 @@
           <p:cNvPr id="23" name="Picture Placeholder 16">
             <a:extLst>
               <a:ext uri="{FF2B5EF4-FFF2-40B4-BE49-F238E27FC236}">
-                <a16:creationId xmlns:a16="http://schemas.microsoft.com/office/drawing/2014/main" id="{FBADCD1B-D9E0-EA12-0DD5-22E5C60E5D6B}"/>
+                <a16:creationId xmlns:a16="http://schemas.microsoft.com/office/drawing/2014/main" xmlns="" id="{FBADCD1B-D9E0-EA12-0DD5-22E5C60E5D6B}"/>
               </a:ext>
             </a:extLst>
           </p:cNvPr>
@@ -20943,7 +20945,7 @@
           <p:cNvPr id="22" name="Text Placeholder 18">
             <a:extLst>
               <a:ext uri="{FF2B5EF4-FFF2-40B4-BE49-F238E27FC236}">
-                <a16:creationId xmlns:a16="http://schemas.microsoft.com/office/drawing/2014/main" id="{AD33972D-9092-4B3C-A699-07849068AF1D}"/>
+                <a16:creationId xmlns:a16="http://schemas.microsoft.com/office/drawing/2014/main" xmlns="" id="{AD33972D-9092-4B3C-A699-07849068AF1D}"/>
               </a:ext>
             </a:extLst>
           </p:cNvPr>
@@ -20996,7 +20998,7 @@
           <p:cNvPr id="24" name="Text Placeholder 20">
             <a:extLst>
               <a:ext uri="{FF2B5EF4-FFF2-40B4-BE49-F238E27FC236}">
-                <a16:creationId xmlns:a16="http://schemas.microsoft.com/office/drawing/2014/main" id="{B54F15B1-EAC3-0113-6737-C64480876C5F}"/>
+                <a16:creationId xmlns:a16="http://schemas.microsoft.com/office/drawing/2014/main" xmlns="" id="{B54F15B1-EAC3-0113-6737-C64480876C5F}"/>
               </a:ext>
             </a:extLst>
           </p:cNvPr>
@@ -21037,7 +21039,7 @@
           <p:cNvPr id="26" name="Picture Placeholder 16">
             <a:extLst>
               <a:ext uri="{FF2B5EF4-FFF2-40B4-BE49-F238E27FC236}">
-                <a16:creationId xmlns:a16="http://schemas.microsoft.com/office/drawing/2014/main" id="{FCEED0A5-9A71-D54A-91FC-264BD71DDED3}"/>
+                <a16:creationId xmlns:a16="http://schemas.microsoft.com/office/drawing/2014/main" xmlns="" id="{FCEED0A5-9A71-D54A-91FC-264BD71DDED3}"/>
               </a:ext>
             </a:extLst>
           </p:cNvPr>
@@ -21087,7 +21089,7 @@
           <p:cNvPr id="25" name="Text Placeholder 18">
             <a:extLst>
               <a:ext uri="{FF2B5EF4-FFF2-40B4-BE49-F238E27FC236}">
-                <a16:creationId xmlns:a16="http://schemas.microsoft.com/office/drawing/2014/main" id="{F44A0C74-A714-A8C2-69D2-74CAD68037A5}"/>
+                <a16:creationId xmlns:a16="http://schemas.microsoft.com/office/drawing/2014/main" xmlns="" id="{F44A0C74-A714-A8C2-69D2-74CAD68037A5}"/>
               </a:ext>
             </a:extLst>
           </p:cNvPr>
@@ -21140,7 +21142,7 @@
           <p:cNvPr id="27" name="Text Placeholder 20">
             <a:extLst>
               <a:ext uri="{FF2B5EF4-FFF2-40B4-BE49-F238E27FC236}">
-                <a16:creationId xmlns:a16="http://schemas.microsoft.com/office/drawing/2014/main" id="{552F4682-3F02-2A70-A285-FB2D1822A4D6}"/>
+                <a16:creationId xmlns:a16="http://schemas.microsoft.com/office/drawing/2014/main" xmlns="" id="{552F4682-3F02-2A70-A285-FB2D1822A4D6}"/>
               </a:ext>
             </a:extLst>
           </p:cNvPr>
@@ -21181,7 +21183,7 @@
           <p:cNvPr id="29" name="Picture Placeholder 16">
             <a:extLst>
               <a:ext uri="{FF2B5EF4-FFF2-40B4-BE49-F238E27FC236}">
-                <a16:creationId xmlns:a16="http://schemas.microsoft.com/office/drawing/2014/main" id="{4F0F5D16-7316-B120-F378-E3D492FEEB9C}"/>
+                <a16:creationId xmlns:a16="http://schemas.microsoft.com/office/drawing/2014/main" xmlns="" id="{4F0F5D16-7316-B120-F378-E3D492FEEB9C}"/>
               </a:ext>
             </a:extLst>
           </p:cNvPr>
@@ -21231,7 +21233,7 @@
           <p:cNvPr id="28" name="Text Placeholder 18">
             <a:extLst>
               <a:ext uri="{FF2B5EF4-FFF2-40B4-BE49-F238E27FC236}">
-                <a16:creationId xmlns:a16="http://schemas.microsoft.com/office/drawing/2014/main" id="{47AC9724-9FC2-62FA-0DE7-3F9FE9B67A34}"/>
+                <a16:creationId xmlns:a16="http://schemas.microsoft.com/office/drawing/2014/main" xmlns="" id="{47AC9724-9FC2-62FA-0DE7-3F9FE9B67A34}"/>
               </a:ext>
             </a:extLst>
           </p:cNvPr>
@@ -21284,7 +21286,7 @@
           <p:cNvPr id="30" name="Text Placeholder 20">
             <a:extLst>
               <a:ext uri="{FF2B5EF4-FFF2-40B4-BE49-F238E27FC236}">
-                <a16:creationId xmlns:a16="http://schemas.microsoft.com/office/drawing/2014/main" id="{114EE337-FC29-F325-E528-A3F809B28B5B}"/>
+                <a16:creationId xmlns:a16="http://schemas.microsoft.com/office/drawing/2014/main" xmlns="" id="{114EE337-FC29-F325-E528-A3F809B28B5B}"/>
               </a:ext>
             </a:extLst>
           </p:cNvPr>
@@ -21355,7 +21357,7 @@
           <p:cNvPr id="2" name="Title 1">
             <a:extLst>
               <a:ext uri="{FF2B5EF4-FFF2-40B4-BE49-F238E27FC236}">
-                <a16:creationId xmlns:a16="http://schemas.microsoft.com/office/drawing/2014/main" id="{EA04E8AF-9DFE-7077-DB36-941F6490BAD8}"/>
+                <a16:creationId xmlns:a16="http://schemas.microsoft.com/office/drawing/2014/main" xmlns="" id="{EA04E8AF-9DFE-7077-DB36-941F6490BAD8}"/>
               </a:ext>
             </a:extLst>
           </p:cNvPr>
@@ -21398,7 +21400,7 @@
           <p:cNvPr id="4" name="Footer Placeholder 3">
             <a:extLst>
               <a:ext uri="{FF2B5EF4-FFF2-40B4-BE49-F238E27FC236}">
-                <a16:creationId xmlns:a16="http://schemas.microsoft.com/office/drawing/2014/main" id="{43B58B80-D2DB-A0A1-0362-1157E9087574}"/>
+                <a16:creationId xmlns:a16="http://schemas.microsoft.com/office/drawing/2014/main" xmlns="" id="{43B58B80-D2DB-A0A1-0362-1157E9087574}"/>
               </a:ext>
             </a:extLst>
           </p:cNvPr>
@@ -21429,7 +21431,7 @@
           <p:cNvPr id="5" name="Slide Number Placeholder 4">
             <a:extLst>
               <a:ext uri="{FF2B5EF4-FFF2-40B4-BE49-F238E27FC236}">
-                <a16:creationId xmlns:a16="http://schemas.microsoft.com/office/drawing/2014/main" id="{B62C22E6-000A-05BA-5872-EF37F029AB00}"/>
+                <a16:creationId xmlns:a16="http://schemas.microsoft.com/office/drawing/2014/main" xmlns="" id="{B62C22E6-000A-05BA-5872-EF37F029AB00}"/>
               </a:ext>
             </a:extLst>
           </p:cNvPr>
@@ -21466,7 +21468,7 @@
           <p:cNvPr id="17" name="Picture Placeholder 16">
             <a:extLst>
               <a:ext uri="{FF2B5EF4-FFF2-40B4-BE49-F238E27FC236}">
-                <a16:creationId xmlns:a16="http://schemas.microsoft.com/office/drawing/2014/main" id="{6AAAFB85-16C0-836A-1D0D-E65277CC341D}"/>
+                <a16:creationId xmlns:a16="http://schemas.microsoft.com/office/drawing/2014/main" xmlns="" id="{6AAAFB85-16C0-836A-1D0D-E65277CC341D}"/>
               </a:ext>
             </a:extLst>
           </p:cNvPr>
@@ -21516,7 +21518,7 @@
           <p:cNvPr id="19" name="Text Placeholder 18">
             <a:extLst>
               <a:ext uri="{FF2B5EF4-FFF2-40B4-BE49-F238E27FC236}">
-                <a16:creationId xmlns:a16="http://schemas.microsoft.com/office/drawing/2014/main" id="{FB04BFFD-8D76-D31F-232F-38A7065ACAF3}"/>
+                <a16:creationId xmlns:a16="http://schemas.microsoft.com/office/drawing/2014/main" xmlns="" id="{FB04BFFD-8D76-D31F-232F-38A7065ACAF3}"/>
               </a:ext>
             </a:extLst>
           </p:cNvPr>
@@ -21569,7 +21571,7 @@
           <p:cNvPr id="21" name="Text Placeholder 20">
             <a:extLst>
               <a:ext uri="{FF2B5EF4-FFF2-40B4-BE49-F238E27FC236}">
-                <a16:creationId xmlns:a16="http://schemas.microsoft.com/office/drawing/2014/main" id="{75A2E03A-AFB4-3868-FAB5-A24228FA8A04}"/>
+                <a16:creationId xmlns:a16="http://schemas.microsoft.com/office/drawing/2014/main" xmlns="" id="{75A2E03A-AFB4-3868-FAB5-A24228FA8A04}"/>
               </a:ext>
             </a:extLst>
           </p:cNvPr>
@@ -21610,7 +21612,7 @@
           <p:cNvPr id="10" name="Picture Placeholder 16">
             <a:extLst>
               <a:ext uri="{FF2B5EF4-FFF2-40B4-BE49-F238E27FC236}">
-                <a16:creationId xmlns:a16="http://schemas.microsoft.com/office/drawing/2014/main" id="{BB749B9A-080F-37C0-08E6-909A5DA554D4}"/>
+                <a16:creationId xmlns:a16="http://schemas.microsoft.com/office/drawing/2014/main" xmlns="" id="{BB749B9A-080F-37C0-08E6-909A5DA554D4}"/>
               </a:ext>
             </a:extLst>
           </p:cNvPr>
@@ -21660,7 +21662,7 @@
           <p:cNvPr id="14" name="Text Placeholder 18">
             <a:extLst>
               <a:ext uri="{FF2B5EF4-FFF2-40B4-BE49-F238E27FC236}">
-                <a16:creationId xmlns:a16="http://schemas.microsoft.com/office/drawing/2014/main" id="{C4C7516E-0853-87BE-108B-697DD8E0DA75}"/>
+                <a16:creationId xmlns:a16="http://schemas.microsoft.com/office/drawing/2014/main" xmlns="" id="{C4C7516E-0853-87BE-108B-697DD8E0DA75}"/>
               </a:ext>
             </a:extLst>
           </p:cNvPr>
@@ -21713,7 +21715,7 @@
           <p:cNvPr id="15" name="Text Placeholder 20">
             <a:extLst>
               <a:ext uri="{FF2B5EF4-FFF2-40B4-BE49-F238E27FC236}">
-                <a16:creationId xmlns:a16="http://schemas.microsoft.com/office/drawing/2014/main" id="{FB1A74E1-7CEB-F501-F998-7361A20F7349}"/>
+                <a16:creationId xmlns:a16="http://schemas.microsoft.com/office/drawing/2014/main" xmlns="" id="{FB1A74E1-7CEB-F501-F998-7361A20F7349}"/>
               </a:ext>
             </a:extLst>
           </p:cNvPr>
@@ -21754,7 +21756,7 @@
           <p:cNvPr id="23" name="Picture Placeholder 16">
             <a:extLst>
               <a:ext uri="{FF2B5EF4-FFF2-40B4-BE49-F238E27FC236}">
-                <a16:creationId xmlns:a16="http://schemas.microsoft.com/office/drawing/2014/main" id="{FBADCD1B-D9E0-EA12-0DD5-22E5C60E5D6B}"/>
+                <a16:creationId xmlns:a16="http://schemas.microsoft.com/office/drawing/2014/main" xmlns="" id="{FBADCD1B-D9E0-EA12-0DD5-22E5C60E5D6B}"/>
               </a:ext>
             </a:extLst>
           </p:cNvPr>
@@ -21804,7 +21806,7 @@
           <p:cNvPr id="22" name="Text Placeholder 18">
             <a:extLst>
               <a:ext uri="{FF2B5EF4-FFF2-40B4-BE49-F238E27FC236}">
-                <a16:creationId xmlns:a16="http://schemas.microsoft.com/office/drawing/2014/main" id="{AD33972D-9092-4B3C-A699-07849068AF1D}"/>
+                <a16:creationId xmlns:a16="http://schemas.microsoft.com/office/drawing/2014/main" xmlns="" id="{AD33972D-9092-4B3C-A699-07849068AF1D}"/>
               </a:ext>
             </a:extLst>
           </p:cNvPr>
@@ -21857,7 +21859,7 @@
           <p:cNvPr id="24" name="Text Placeholder 20">
             <a:extLst>
               <a:ext uri="{FF2B5EF4-FFF2-40B4-BE49-F238E27FC236}">
-                <a16:creationId xmlns:a16="http://schemas.microsoft.com/office/drawing/2014/main" id="{B54F15B1-EAC3-0113-6737-C64480876C5F}"/>
+                <a16:creationId xmlns:a16="http://schemas.microsoft.com/office/drawing/2014/main" xmlns="" id="{B54F15B1-EAC3-0113-6737-C64480876C5F}"/>
               </a:ext>
             </a:extLst>
           </p:cNvPr>
@@ -21898,7 +21900,7 @@
           <p:cNvPr id="11" name="Picture Placeholder 16">
             <a:extLst>
               <a:ext uri="{FF2B5EF4-FFF2-40B4-BE49-F238E27FC236}">
-                <a16:creationId xmlns:a16="http://schemas.microsoft.com/office/drawing/2014/main" id="{B5D5100A-3D51-45DB-3A84-9E7FB85261E3}"/>
+                <a16:creationId xmlns:a16="http://schemas.microsoft.com/office/drawing/2014/main" xmlns="" id="{B5D5100A-3D51-45DB-3A84-9E7FB85261E3}"/>
               </a:ext>
             </a:extLst>
           </p:cNvPr>
@@ -21948,7 +21950,7 @@
           <p:cNvPr id="16" name="Text Placeholder 18">
             <a:extLst>
               <a:ext uri="{FF2B5EF4-FFF2-40B4-BE49-F238E27FC236}">
-                <a16:creationId xmlns:a16="http://schemas.microsoft.com/office/drawing/2014/main" id="{B775B771-678A-D917-7FE0-5DA7A23CCE25}"/>
+                <a16:creationId xmlns:a16="http://schemas.microsoft.com/office/drawing/2014/main" xmlns="" id="{B775B771-678A-D917-7FE0-5DA7A23CCE25}"/>
               </a:ext>
             </a:extLst>
           </p:cNvPr>
@@ -22001,7 +22003,7 @@
           <p:cNvPr id="18" name="Text Placeholder 20">
             <a:extLst>
               <a:ext uri="{FF2B5EF4-FFF2-40B4-BE49-F238E27FC236}">
-                <a16:creationId xmlns:a16="http://schemas.microsoft.com/office/drawing/2014/main" id="{AA2B9540-B92A-AD9C-C01A-B08A98BF8455}"/>
+                <a16:creationId xmlns:a16="http://schemas.microsoft.com/office/drawing/2014/main" xmlns="" id="{AA2B9540-B92A-AD9C-C01A-B08A98BF8455}"/>
               </a:ext>
             </a:extLst>
           </p:cNvPr>
@@ -22042,7 +22044,7 @@
           <p:cNvPr id="26" name="Picture Placeholder 16">
             <a:extLst>
               <a:ext uri="{FF2B5EF4-FFF2-40B4-BE49-F238E27FC236}">
-                <a16:creationId xmlns:a16="http://schemas.microsoft.com/office/drawing/2014/main" id="{FCEED0A5-9A71-D54A-91FC-264BD71DDED3}"/>
+                <a16:creationId xmlns:a16="http://schemas.microsoft.com/office/drawing/2014/main" xmlns="" id="{FCEED0A5-9A71-D54A-91FC-264BD71DDED3}"/>
               </a:ext>
             </a:extLst>
           </p:cNvPr>
@@ -22092,7 +22094,7 @@
           <p:cNvPr id="25" name="Text Placeholder 18">
             <a:extLst>
               <a:ext uri="{FF2B5EF4-FFF2-40B4-BE49-F238E27FC236}">
-                <a16:creationId xmlns:a16="http://schemas.microsoft.com/office/drawing/2014/main" id="{F44A0C74-A714-A8C2-69D2-74CAD68037A5}"/>
+                <a16:creationId xmlns:a16="http://schemas.microsoft.com/office/drawing/2014/main" xmlns="" id="{F44A0C74-A714-A8C2-69D2-74CAD68037A5}"/>
               </a:ext>
             </a:extLst>
           </p:cNvPr>
@@ -22145,7 +22147,7 @@
           <p:cNvPr id="27" name="Text Placeholder 20">
             <a:extLst>
               <a:ext uri="{FF2B5EF4-FFF2-40B4-BE49-F238E27FC236}">
-                <a16:creationId xmlns:a16="http://schemas.microsoft.com/office/drawing/2014/main" id="{552F4682-3F02-2A70-A285-FB2D1822A4D6}"/>
+                <a16:creationId xmlns:a16="http://schemas.microsoft.com/office/drawing/2014/main" xmlns="" id="{552F4682-3F02-2A70-A285-FB2D1822A4D6}"/>
               </a:ext>
             </a:extLst>
           </p:cNvPr>
@@ -22186,7 +22188,7 @@
           <p:cNvPr id="12" name="Picture Placeholder 16">
             <a:extLst>
               <a:ext uri="{FF2B5EF4-FFF2-40B4-BE49-F238E27FC236}">
-                <a16:creationId xmlns:a16="http://schemas.microsoft.com/office/drawing/2014/main" id="{3D2AAC25-9404-1F6F-200C-5660F4995858}"/>
+                <a16:creationId xmlns:a16="http://schemas.microsoft.com/office/drawing/2014/main" xmlns="" id="{3D2AAC25-9404-1F6F-200C-5660F4995858}"/>
               </a:ext>
             </a:extLst>
           </p:cNvPr>
@@ -22236,7 +22238,7 @@
           <p:cNvPr id="20" name="Text Placeholder 18">
             <a:extLst>
               <a:ext uri="{FF2B5EF4-FFF2-40B4-BE49-F238E27FC236}">
-                <a16:creationId xmlns:a16="http://schemas.microsoft.com/office/drawing/2014/main" id="{AE4677E1-AC1B-AB9C-5E0C-794903DD1CEB}"/>
+                <a16:creationId xmlns:a16="http://schemas.microsoft.com/office/drawing/2014/main" xmlns="" id="{AE4677E1-AC1B-AB9C-5E0C-794903DD1CEB}"/>
               </a:ext>
             </a:extLst>
           </p:cNvPr>
@@ -22289,7 +22291,7 @@
           <p:cNvPr id="31" name="Text Placeholder 20">
             <a:extLst>
               <a:ext uri="{FF2B5EF4-FFF2-40B4-BE49-F238E27FC236}">
-                <a16:creationId xmlns:a16="http://schemas.microsoft.com/office/drawing/2014/main" id="{826BBF6C-7198-3C15-CDCB-E72B08709C1F}"/>
+                <a16:creationId xmlns:a16="http://schemas.microsoft.com/office/drawing/2014/main" xmlns="" id="{826BBF6C-7198-3C15-CDCB-E72B08709C1F}"/>
               </a:ext>
             </a:extLst>
           </p:cNvPr>
@@ -22330,7 +22332,7 @@
           <p:cNvPr id="29" name="Picture Placeholder 16">
             <a:extLst>
               <a:ext uri="{FF2B5EF4-FFF2-40B4-BE49-F238E27FC236}">
-                <a16:creationId xmlns:a16="http://schemas.microsoft.com/office/drawing/2014/main" id="{4F0F5D16-7316-B120-F378-E3D492FEEB9C}"/>
+                <a16:creationId xmlns:a16="http://schemas.microsoft.com/office/drawing/2014/main" xmlns="" id="{4F0F5D16-7316-B120-F378-E3D492FEEB9C}"/>
               </a:ext>
             </a:extLst>
           </p:cNvPr>
@@ -22380,7 +22382,7 @@
           <p:cNvPr id="28" name="Text Placeholder 18">
             <a:extLst>
               <a:ext uri="{FF2B5EF4-FFF2-40B4-BE49-F238E27FC236}">
-                <a16:creationId xmlns:a16="http://schemas.microsoft.com/office/drawing/2014/main" id="{47AC9724-9FC2-62FA-0DE7-3F9FE9B67A34}"/>
+                <a16:creationId xmlns:a16="http://schemas.microsoft.com/office/drawing/2014/main" xmlns="" id="{47AC9724-9FC2-62FA-0DE7-3F9FE9B67A34}"/>
               </a:ext>
             </a:extLst>
           </p:cNvPr>
@@ -22433,7 +22435,7 @@
           <p:cNvPr id="30" name="Text Placeholder 20">
             <a:extLst>
               <a:ext uri="{FF2B5EF4-FFF2-40B4-BE49-F238E27FC236}">
-                <a16:creationId xmlns:a16="http://schemas.microsoft.com/office/drawing/2014/main" id="{114EE337-FC29-F325-E528-A3F809B28B5B}"/>
+                <a16:creationId xmlns:a16="http://schemas.microsoft.com/office/drawing/2014/main" xmlns="" id="{114EE337-FC29-F325-E528-A3F809B28B5B}"/>
               </a:ext>
             </a:extLst>
           </p:cNvPr>
@@ -22474,7 +22476,7 @@
           <p:cNvPr id="13" name="Picture Placeholder 16">
             <a:extLst>
               <a:ext uri="{FF2B5EF4-FFF2-40B4-BE49-F238E27FC236}">
-                <a16:creationId xmlns:a16="http://schemas.microsoft.com/office/drawing/2014/main" id="{90CBAA5D-3D9B-0CB5-E527-996433638BE3}"/>
+                <a16:creationId xmlns:a16="http://schemas.microsoft.com/office/drawing/2014/main" xmlns="" id="{90CBAA5D-3D9B-0CB5-E527-996433638BE3}"/>
               </a:ext>
             </a:extLst>
           </p:cNvPr>
@@ -22524,7 +22526,7 @@
           <p:cNvPr id="32" name="Text Placeholder 18">
             <a:extLst>
               <a:ext uri="{FF2B5EF4-FFF2-40B4-BE49-F238E27FC236}">
-                <a16:creationId xmlns:a16="http://schemas.microsoft.com/office/drawing/2014/main" id="{5B47333C-2F5E-FA7D-5DD1-191E0F421B61}"/>
+                <a16:creationId xmlns:a16="http://schemas.microsoft.com/office/drawing/2014/main" xmlns="" id="{5B47333C-2F5E-FA7D-5DD1-191E0F421B61}"/>
               </a:ext>
             </a:extLst>
           </p:cNvPr>
@@ -22577,7 +22579,7 @@
           <p:cNvPr id="33" name="Text Placeholder 20">
             <a:extLst>
               <a:ext uri="{FF2B5EF4-FFF2-40B4-BE49-F238E27FC236}">
-                <a16:creationId xmlns:a16="http://schemas.microsoft.com/office/drawing/2014/main" id="{D0AA2AE2-5A11-76D4-4D9C-B6B24D1419D0}"/>
+                <a16:creationId xmlns:a16="http://schemas.microsoft.com/office/drawing/2014/main" xmlns="" id="{D0AA2AE2-5A11-76D4-4D9C-B6B24D1419D0}"/>
               </a:ext>
             </a:extLst>
           </p:cNvPr>
@@ -23162,7 +23164,7 @@
           <p:cNvPr id="2" name="Title 1">
             <a:extLst>
               <a:ext uri="{FF2B5EF4-FFF2-40B4-BE49-F238E27FC236}">
-                <a16:creationId xmlns:a16="http://schemas.microsoft.com/office/drawing/2014/main" id="{516860D9-9D47-C0BB-B2B4-4B6F2B36CFCC}"/>
+                <a16:creationId xmlns:a16="http://schemas.microsoft.com/office/drawing/2014/main" xmlns="" id="{516860D9-9D47-C0BB-B2B4-4B6F2B36CFCC}"/>
               </a:ext>
             </a:extLst>
           </p:cNvPr>
@@ -23195,7 +23197,7 @@
           <p:cNvPr id="4" name="Subtitle 2">
             <a:extLst>
               <a:ext uri="{FF2B5EF4-FFF2-40B4-BE49-F238E27FC236}">
-                <a16:creationId xmlns:a16="http://schemas.microsoft.com/office/drawing/2014/main" id="{D56AFFB2-1678-4B6D-9069-17B529D90302}"/>
+                <a16:creationId xmlns:a16="http://schemas.microsoft.com/office/drawing/2014/main" xmlns="" id="{D56AFFB2-1678-4B6D-9069-17B529D90302}"/>
               </a:ext>
             </a:extLst>
           </p:cNvPr>
@@ -23427,7 +23429,7 @@
           <p:cNvPr id="5" name="Rectangle 4">
             <a:extLst>
               <a:ext uri="{FF2B5EF4-FFF2-40B4-BE49-F238E27FC236}">
-                <a16:creationId xmlns:a16="http://schemas.microsoft.com/office/drawing/2014/main" id="{6B34FE15-7A9A-4313-8042-58E6875BBAFD}"/>
+                <a16:creationId xmlns:a16="http://schemas.microsoft.com/office/drawing/2014/main" xmlns="" id="{6B34FE15-7A9A-4313-8042-58E6875BBAFD}"/>
               </a:ext>
             </a:extLst>
           </p:cNvPr>
@@ -23470,7 +23472,7 @@
           <p:cNvPr id="7" name="Subtitle 2">
             <a:extLst>
               <a:ext uri="{FF2B5EF4-FFF2-40B4-BE49-F238E27FC236}">
-                <a16:creationId xmlns:a16="http://schemas.microsoft.com/office/drawing/2014/main" id="{5E02C102-F660-46C6-A26C-9A66E8BE4C2B}"/>
+                <a16:creationId xmlns:a16="http://schemas.microsoft.com/office/drawing/2014/main" xmlns="" id="{5E02C102-F660-46C6-A26C-9A66E8BE4C2B}"/>
               </a:ext>
             </a:extLst>
           </p:cNvPr>
@@ -23681,7 +23683,7 @@
           <p:cNvPr id="8" name="Subtitle 2">
             <a:extLst>
               <a:ext uri="{FF2B5EF4-FFF2-40B4-BE49-F238E27FC236}">
-                <a16:creationId xmlns:a16="http://schemas.microsoft.com/office/drawing/2014/main" id="{D890C425-CDD0-407E-9D37-77DB5F42EA31}"/>
+                <a16:creationId xmlns:a16="http://schemas.microsoft.com/office/drawing/2014/main" xmlns="" id="{D890C425-CDD0-407E-9D37-77DB5F42EA31}"/>
               </a:ext>
             </a:extLst>
           </p:cNvPr>
@@ -23692,7 +23694,7 @@
         </p:nvSpPr>
         <p:spPr>
           <a:xfrm>
-            <a:off x="3748457" y="2303881"/>
+            <a:off x="3829139" y="2303881"/>
             <a:ext cx="4533721" cy="375082"/>
           </a:xfrm>
           <a:prstGeom prst="rect">
@@ -23892,7 +23894,7 @@
           <p:cNvPr id="9" name="Subtitle 2">
             <a:extLst>
               <a:ext uri="{FF2B5EF4-FFF2-40B4-BE49-F238E27FC236}">
-                <a16:creationId xmlns:a16="http://schemas.microsoft.com/office/drawing/2014/main" id="{89F3D97F-3B9A-4B45-95EE-D286C138D050}"/>
+                <a16:creationId xmlns:a16="http://schemas.microsoft.com/office/drawing/2014/main" xmlns="" id="{89F3D97F-3B9A-4B45-95EE-D286C138D050}"/>
               </a:ext>
             </a:extLst>
           </p:cNvPr>
@@ -24103,7 +24105,7 @@
           <p:cNvPr id="12" name="Picture 3">
             <a:extLst>
               <a:ext uri="{FF2B5EF4-FFF2-40B4-BE49-F238E27FC236}">
-                <a16:creationId xmlns:a16="http://schemas.microsoft.com/office/drawing/2014/main" id="{9E2D430D-8068-4754-AF24-A1DB142D4E31}"/>
+                <a16:creationId xmlns:a16="http://schemas.microsoft.com/office/drawing/2014/main" xmlns="" id="{9E2D430D-8068-4754-AF24-A1DB142D4E31}"/>
               </a:ext>
             </a:extLst>
           </p:cNvPr>
@@ -24193,7 +24195,7 @@
           <p:cNvPr id="2" name="Title 1">
             <a:extLst>
               <a:ext uri="{FF2B5EF4-FFF2-40B4-BE49-F238E27FC236}">
-                <a16:creationId xmlns:a16="http://schemas.microsoft.com/office/drawing/2014/main" id="{9FFA8061-3566-A864-C499-8EF8443A1666}"/>
+                <a16:creationId xmlns:a16="http://schemas.microsoft.com/office/drawing/2014/main" xmlns="" id="{884B311B-3177-0658-3585-6639F26A9BF6}"/>
               </a:ext>
             </a:extLst>
           </p:cNvPr>
@@ -24206,8 +24208,8 @@
         </p:nvSpPr>
         <p:spPr>
           <a:xfrm>
-            <a:off x="729010" y="594360"/>
-            <a:ext cx="10710134" cy="1051919"/>
+            <a:off x="765302" y="731520"/>
+            <a:ext cx="10494369" cy="768096"/>
           </a:xfrm>
         </p:spPr>
         <p:txBody>
@@ -24215,149 +24217,28 @@
           <a:lstStyle/>
           <a:p>
             <a:r>
-              <a:rPr lang="en-IN" sz="4000" dirty="0"/>
-              <a:t>User roles and responsibilities</a:t>
-            </a:r>
+              <a:rPr lang="en-US" dirty="0">
+                <a:latin typeface="Arial Black" panose="020B0604020202020204" pitchFamily="34" charset="0"/>
+                <a:cs typeface="Arial Black" panose="020B0604020202020204" pitchFamily="34" charset="0"/>
+              </a:rPr>
+              <a:t>Technology platform used </a:t>
+            </a:r>
+            <a:endParaRPr lang="en-US" sz="4400" b="1" dirty="0">
+              <a:solidFill>
+                <a:schemeClr val="accent6"/>
+              </a:solidFill>
+              <a:latin typeface="Arial Black" panose="020B0604020202020204" pitchFamily="34" charset="0"/>
+              <a:cs typeface="Arial Black" panose="020B0604020202020204" pitchFamily="34" charset="0"/>
+            </a:endParaRPr>
           </a:p>
         </p:txBody>
       </p:sp>
       <p:sp>
         <p:nvSpPr>
-          <p:cNvPr id="3" name="Content Placeholder 2">
+          <p:cNvPr id="8" name="Slide Number Placeholder 7">
             <a:extLst>
               <a:ext uri="{FF2B5EF4-FFF2-40B4-BE49-F238E27FC236}">
-                <a16:creationId xmlns:a16="http://schemas.microsoft.com/office/drawing/2014/main" id="{B2995CE5-F0A8-6D8A-E475-E8E72DA2E252}"/>
-              </a:ext>
-            </a:extLst>
-          </p:cNvPr>
-          <p:cNvSpPr>
-            <a:spLocks noGrp="1"/>
-          </p:cNvSpPr>
-          <p:nvPr>
-            <p:ph sz="half" idx="1"/>
-          </p:nvPr>
-        </p:nvSpPr>
-        <p:spPr>
-          <a:xfrm>
-            <a:off x="430306" y="2008094"/>
-            <a:ext cx="11574332" cy="5244981"/>
-          </a:xfrm>
-        </p:spPr>
-        <p:txBody>
-          <a:bodyPr>
-            <a:normAutofit/>
-          </a:bodyPr>
-          <a:lstStyle/>
-          <a:p>
-            <a:r>
-              <a:rPr lang="en-IN" dirty="0"/>
-              <a:t>User Roles :</a:t>
-            </a:r>
-          </a:p>
-          <a:p>
-            <a:pPr marL="0" indent="0">
-              <a:buNone/>
-            </a:pPr>
-            <a:r>
-              <a:rPr lang="en-IN" dirty="0"/>
-              <a:t>            There are four most important roles assigned to users. Like Admin User, Artist User, Customer User, and Corporate User.</a:t>
-            </a:r>
-          </a:p>
-          <a:p>
-            <a:pPr marL="0" indent="0">
-              <a:buNone/>
-            </a:pPr>
-            <a:endParaRPr lang="en-IN" dirty="0"/>
-          </a:p>
-          <a:p>
-            <a:pPr marL="0" indent="0">
-              <a:buNone/>
-            </a:pPr>
-            <a:r>
-              <a:rPr lang="en-IN" dirty="0"/>
-              <a:t>Admin    :  User creation, permissions, reports generations, and management etc.</a:t>
-            </a:r>
-          </a:p>
-          <a:p>
-            <a:pPr marL="0" indent="0">
-              <a:buNone/>
-            </a:pPr>
-            <a:r>
-              <a:rPr lang="en-IN" dirty="0"/>
-              <a:t>Teacher   :  Will add course related information and like assignments daily schedule and upload online test.</a:t>
-            </a:r>
-          </a:p>
-          <a:p>
-            <a:pPr marL="0" indent="0">
-              <a:buNone/>
-            </a:pPr>
-            <a:r>
-              <a:rPr lang="en-IN" dirty="0"/>
-              <a:t>Student   :  Will be able to see the assignments, performance and result. </a:t>
-            </a:r>
-          </a:p>
-          <a:p>
-            <a:r>
-              <a:rPr lang="en-IN" dirty="0"/>
-              <a:t>User Case According to roles :</a:t>
-            </a:r>
-          </a:p>
-          <a:p>
-            <a:pPr marL="0" indent="0">
-              <a:buNone/>
-            </a:pPr>
-            <a:r>
-              <a:rPr lang="en-IN" dirty="0"/>
-              <a:t>               Admin    :  Allowing access to user, track reports etc.</a:t>
-            </a:r>
-          </a:p>
-          <a:p>
-            <a:pPr marL="0" indent="0">
-              <a:buNone/>
-            </a:pPr>
-            <a:r>
-              <a:rPr lang="en-IN" dirty="0"/>
-              <a:t>               Teacher   :  Upload daily schedule and course material.</a:t>
-            </a:r>
-          </a:p>
-          <a:p>
-            <a:pPr marL="0" indent="0">
-              <a:buNone/>
-            </a:pPr>
-            <a:r>
-              <a:rPr lang="en-IN" dirty="0"/>
-              <a:t>               Student   :  Can see all the course material and daily schedule.</a:t>
-            </a:r>
-          </a:p>
-          <a:p>
-            <a:pPr marL="0" indent="0">
-              <a:buNone/>
-            </a:pPr>
-            <a:r>
-              <a:rPr lang="en-IN" dirty="0"/>
-              <a:t>               </a:t>
-            </a:r>
-          </a:p>
-          <a:p>
-            <a:pPr marL="0" indent="0">
-              <a:buNone/>
-            </a:pPr>
-            <a:endParaRPr lang="en-IN" dirty="0"/>
-          </a:p>
-          <a:p>
-            <a:pPr marL="0" indent="0">
-              <a:buNone/>
-            </a:pPr>
-            <a:endParaRPr lang="en-IN" dirty="0"/>
-          </a:p>
-        </p:txBody>
-      </p:sp>
-      <p:sp>
-        <p:nvSpPr>
-          <p:cNvPr id="5" name="Slide Number Placeholder 4">
-            <a:extLst>
-              <a:ext uri="{FF2B5EF4-FFF2-40B4-BE49-F238E27FC236}">
-                <a16:creationId xmlns:a16="http://schemas.microsoft.com/office/drawing/2014/main" id="{3AFA9F83-E96A-591E-D930-DB6933C7A2CA}"/>
+                <a16:creationId xmlns:a16="http://schemas.microsoft.com/office/drawing/2014/main" xmlns="" id="{AECF22D2-2B16-C40D-AA90-609B5CD08B3D}"/>
               </a:ext>
             </a:extLst>
           </p:cNvPr>
@@ -24381,10 +24262,96 @@
           </a:p>
         </p:txBody>
       </p:sp>
+      <p:sp>
+        <p:nvSpPr>
+          <p:cNvPr id="4" name="Content Placeholder 3">
+            <a:extLst>
+              <a:ext uri="{FF2B5EF4-FFF2-40B4-BE49-F238E27FC236}">
+                <a16:creationId xmlns:a16="http://schemas.microsoft.com/office/drawing/2014/main" xmlns="" id="{5BCBFD5F-9247-485C-2171-C27843299D8B}"/>
+              </a:ext>
+            </a:extLst>
+          </p:cNvPr>
+          <p:cNvSpPr>
+            <a:spLocks noGrp="1"/>
+          </p:cNvSpPr>
+          <p:nvPr>
+            <p:ph sz="half" idx="1"/>
+          </p:nvPr>
+        </p:nvSpPr>
+        <p:spPr>
+          <a:xfrm>
+            <a:off x="765302" y="2177347"/>
+            <a:ext cx="10680192" cy="4492393"/>
+          </a:xfrm>
+        </p:spPr>
+        <p:txBody>
+          <a:bodyPr/>
+          <a:lstStyle/>
+          <a:p>
+            <a:r>
+              <a:rPr lang="en-IN" sz="2000" b="1" dirty="0" smtClean="0"/>
+              <a:t>HTML: (Hypertext </a:t>
+            </a:r>
+            <a:r>
+              <a:rPr lang="en-IN" sz="2000" b="1" dirty="0" err="1" smtClean="0"/>
+              <a:t>Markup</a:t>
+            </a:r>
+            <a:r>
+              <a:rPr lang="en-IN" sz="2000" b="1" dirty="0" smtClean="0"/>
+              <a:t> Language) </a:t>
+            </a:r>
+          </a:p>
+          <a:p>
+            <a:pPr marL="0" indent="0">
+              <a:buNone/>
+            </a:pPr>
+            <a:endParaRPr lang="en-IN" sz="2000" dirty="0"/>
+          </a:p>
+          <a:p>
+            <a:pPr>
+              <a:buFont typeface="Wingdings" panose="05000000000000000000" pitchFamily="2" charset="2"/>
+              <a:buChar char="Ø"/>
+            </a:pPr>
+            <a:r>
+              <a:rPr lang="en-IN" sz="2000" dirty="0"/>
+              <a:t>Reason :</a:t>
+            </a:r>
+          </a:p>
+          <a:p>
+            <a:r>
+              <a:rPr lang="en-IN" sz="2000" dirty="0"/>
+              <a:t>                   </a:t>
+            </a:r>
+            <a:r>
+              <a:rPr lang="en-IN" sz="2000" dirty="0" smtClean="0"/>
+              <a:t>HTML,CSS </a:t>
+            </a:r>
+            <a:r>
+              <a:rPr lang="en-IN" sz="2000" dirty="0"/>
+              <a:t>and JavaScript are used for frontend part for static web pages.</a:t>
+            </a:r>
+          </a:p>
+          <a:p>
+            <a:r>
+              <a:rPr lang="en-IN" sz="2000" dirty="0"/>
+              <a:t>                  React JS is used for rendering the dynamic web pages and to create a single page application where only particular part of web page is rendered without altering complete web page. </a:t>
+            </a:r>
+          </a:p>
+          <a:p>
+            <a:r>
+              <a:rPr lang="en-IN" sz="2000" dirty="0"/>
+              <a:t>                  Spring boot is used for server side processing wherein in connection with database is established from server and required data is manipulated and sent to client side.</a:t>
+            </a:r>
+          </a:p>
+          <a:p>
+            <a:endParaRPr lang="en-IN" dirty="0"/>
+          </a:p>
+        </p:txBody>
+      </p:sp>
     </p:spTree>
     <p:extLst>
       <p:ext uri="{BB962C8B-B14F-4D97-AF65-F5344CB8AC3E}">
-        <p14:creationId xmlns:p14="http://schemas.microsoft.com/office/powerpoint/2010/main" val="1992517009"/>
+        <p14:creationId xmlns:p14="http://schemas.microsoft.com/office/powerpoint/2010/main" val="2534383020"/>
       </p:ext>
     </p:extLst>
   </p:cSld>
@@ -24416,7 +24383,7 @@
           <p:cNvPr id="2" name="Title 1">
             <a:extLst>
               <a:ext uri="{FF2B5EF4-FFF2-40B4-BE49-F238E27FC236}">
-                <a16:creationId xmlns:a16="http://schemas.microsoft.com/office/drawing/2014/main" id="{52134F88-4755-0014-AC00-AAF655B26533}"/>
+                <a16:creationId xmlns:a16="http://schemas.microsoft.com/office/drawing/2014/main" xmlns="" id="{9FFA8061-3566-A864-C499-8EF8443A1666}"/>
               </a:ext>
             </a:extLst>
           </p:cNvPr>
@@ -24429,8 +24396,8 @@
         </p:nvSpPr>
         <p:spPr>
           <a:xfrm>
-            <a:off x="765048" y="913772"/>
-            <a:ext cx="10889070" cy="1219828"/>
+            <a:off x="729010" y="594360"/>
+            <a:ext cx="10710134" cy="1051919"/>
           </a:xfrm>
         </p:spPr>
         <p:txBody>
@@ -24438,8 +24405,8 @@
           <a:lstStyle/>
           <a:p>
             <a:r>
-              <a:rPr lang="en-IN" sz="3200" dirty="0"/>
-              <a:t>Details of contribution from each team member</a:t>
+              <a:rPr lang="en-IN" sz="4000" dirty="0"/>
+              <a:t>User roles and responsibilities</a:t>
             </a:r>
           </a:p>
         </p:txBody>
@@ -24449,7 +24416,7 @@
           <p:cNvPr id="3" name="Content Placeholder 2">
             <a:extLst>
               <a:ext uri="{FF2B5EF4-FFF2-40B4-BE49-F238E27FC236}">
-                <a16:creationId xmlns:a16="http://schemas.microsoft.com/office/drawing/2014/main" id="{441B6727-7306-AC67-212D-4568F953AAD6}"/>
+                <a16:creationId xmlns:a16="http://schemas.microsoft.com/office/drawing/2014/main" xmlns="" id="{B2995CE5-F0A8-6D8A-E475-E8E72DA2E252}"/>
               </a:ext>
             </a:extLst>
           </p:cNvPr>
@@ -24462,8 +24429,8 @@
         </p:nvSpPr>
         <p:spPr>
           <a:xfrm>
-            <a:off x="869487" y="2623073"/>
-            <a:ext cx="10680192" cy="3774141"/>
+            <a:off x="430306" y="1783439"/>
+            <a:ext cx="11574332" cy="5244981"/>
           </a:xfrm>
         </p:spPr>
         <p:txBody>
@@ -24473,26 +24440,8 @@
           <a:lstStyle/>
           <a:p>
             <a:r>
-              <a:rPr lang="en-IN" sz="2000" dirty="0"/>
-              <a:t>Shantanu Mundhe: Implemented the Admin use case, Frontend Design.</a:t>
-            </a:r>
-          </a:p>
-          <a:p>
-            <a:r>
-              <a:rPr lang="en-IN" sz="2000" dirty="0"/>
-              <a:t>Sushil Chaudhari : Implemented the Teacher use case, Frontend Design.</a:t>
-            </a:r>
-          </a:p>
-          <a:p>
-            <a:r>
-              <a:rPr lang="en-IN" sz="2000" dirty="0"/>
-              <a:t>Shailesh Agarmore : Implemented Student use case, Frontend Design.</a:t>
-            </a:r>
-          </a:p>
-          <a:p>
-            <a:r>
-              <a:rPr lang="en-IN" sz="2000" dirty="0"/>
-              <a:t>Pranav Chirame : Implemented UI part and Database.</a:t>
+              <a:rPr lang="en-IN" dirty="0"/>
+              <a:t>User Roles :</a:t>
             </a:r>
           </a:p>
           <a:p>
@@ -24500,26 +24449,27 @@
               <a:buNone/>
             </a:pPr>
             <a:r>
-              <a:rPr lang="en-IN" sz="2000" dirty="0"/>
-              <a:t>           </a:t>
+              <a:rPr lang="en-IN" dirty="0"/>
+              <a:t>            There are four most important roles assigned to users. Like Admin User, Artist User, Customer User, and Corporate User</a:t>
+            </a:r>
+            <a:r>
+              <a:rPr lang="en-IN" dirty="0" smtClean="0"/>
+              <a:t>.</a:t>
             </a:r>
           </a:p>
           <a:p>
             <a:pPr marL="0" indent="0">
               <a:buNone/>
             </a:pPr>
-            <a:r>
-              <a:rPr lang="en-IN" sz="2000" dirty="0"/>
-              <a:t>        Stages at which Coordination was needed </a:t>
-            </a:r>
+            <a:endParaRPr lang="en-IN" dirty="0"/>
           </a:p>
           <a:p>
             <a:pPr marL="0" indent="0">
               <a:buNone/>
             </a:pPr>
             <a:r>
-              <a:rPr lang="en-IN" sz="2000" dirty="0"/>
-              <a:t>                         Most of the coordination was needed when complete UI needed to be rendered using React,</a:t>
+              <a:rPr lang="en-IN" dirty="0"/>
+              <a:t>Admin    :  User creation, permissions, reports generations, and management etc.</a:t>
             </a:r>
           </a:p>
           <a:p>
@@ -24527,9 +24477,79 @@
               <a:buNone/>
             </a:pPr>
             <a:r>
-              <a:rPr lang="en-IN" sz="2000" dirty="0"/>
-              <a:t>                         Every one worked together for designing the database  </a:t>
-            </a:r>
+              <a:rPr lang="en-IN" dirty="0"/>
+              <a:t>Teacher   :  Will add course related information and like assignments daily schedule and upload online test.</a:t>
+            </a:r>
+          </a:p>
+          <a:p>
+            <a:pPr marL="0" indent="0">
+              <a:buNone/>
+            </a:pPr>
+            <a:r>
+              <a:rPr lang="en-IN" dirty="0"/>
+              <a:t>Student   :  Will be able to see the assignments, performance and result. </a:t>
+            </a:r>
+            <a:endParaRPr lang="en-IN" dirty="0" smtClean="0"/>
+          </a:p>
+          <a:p>
+            <a:pPr marL="0" indent="0">
+              <a:buNone/>
+            </a:pPr>
+            <a:endParaRPr lang="en-IN" dirty="0"/>
+          </a:p>
+          <a:p>
+            <a:r>
+              <a:rPr lang="en-IN" dirty="0"/>
+              <a:t>User Case According to roles :</a:t>
+            </a:r>
+          </a:p>
+          <a:p>
+            <a:pPr marL="0" indent="0">
+              <a:buNone/>
+            </a:pPr>
+            <a:r>
+              <a:rPr lang="en-IN" dirty="0"/>
+              <a:t>               Admin    :  Allowing access to user, track reports etc.</a:t>
+            </a:r>
+          </a:p>
+          <a:p>
+            <a:pPr marL="0" indent="0">
+              <a:buNone/>
+            </a:pPr>
+            <a:r>
+              <a:rPr lang="en-IN" dirty="0"/>
+              <a:t>               Teacher   :  Upload daily schedule and course material.</a:t>
+            </a:r>
+          </a:p>
+          <a:p>
+            <a:pPr marL="0" indent="0">
+              <a:buNone/>
+            </a:pPr>
+            <a:r>
+              <a:rPr lang="en-IN" dirty="0"/>
+              <a:t>               Student   :  Can see all the course material and daily schedule.</a:t>
+            </a:r>
+          </a:p>
+          <a:p>
+            <a:pPr marL="0" indent="0">
+              <a:buNone/>
+            </a:pPr>
+            <a:r>
+              <a:rPr lang="en-IN" dirty="0"/>
+              <a:t>               </a:t>
+            </a:r>
+          </a:p>
+          <a:p>
+            <a:pPr marL="0" indent="0">
+              <a:buNone/>
+            </a:pPr>
+            <a:endParaRPr lang="en-IN" dirty="0"/>
+          </a:p>
+          <a:p>
+            <a:pPr marL="0" indent="0">
+              <a:buNone/>
+            </a:pPr>
+            <a:endParaRPr lang="en-IN" dirty="0"/>
           </a:p>
         </p:txBody>
       </p:sp>
@@ -24538,7 +24558,7 @@
           <p:cNvPr id="5" name="Slide Number Placeholder 4">
             <a:extLst>
               <a:ext uri="{FF2B5EF4-FFF2-40B4-BE49-F238E27FC236}">
-                <a16:creationId xmlns:a16="http://schemas.microsoft.com/office/drawing/2014/main" id="{72ED7542-7CDF-5B0C-10CB-FE4E644A8DA2}"/>
+                <a16:creationId xmlns:a16="http://schemas.microsoft.com/office/drawing/2014/main" xmlns="" id="{3AFA9F83-E96A-591E-D930-DB6933C7A2CA}"/>
               </a:ext>
             </a:extLst>
           </p:cNvPr>
@@ -24565,7 +24585,7 @@
     </p:spTree>
     <p:extLst>
       <p:ext uri="{BB962C8B-B14F-4D97-AF65-F5344CB8AC3E}">
-        <p14:creationId xmlns:p14="http://schemas.microsoft.com/office/powerpoint/2010/main" val="334186003"/>
+        <p14:creationId xmlns:p14="http://schemas.microsoft.com/office/powerpoint/2010/main" val="1992517009"/>
       </p:ext>
     </p:extLst>
   </p:cSld>
@@ -24597,7 +24617,312 @@
           <p:cNvPr id="2" name="Title 1">
             <a:extLst>
               <a:ext uri="{FF2B5EF4-FFF2-40B4-BE49-F238E27FC236}">
-                <a16:creationId xmlns:a16="http://schemas.microsoft.com/office/drawing/2014/main" id="{4A940BC6-9DA0-FB4D-8879-DC8B3958C07C}"/>
+                <a16:creationId xmlns:a16="http://schemas.microsoft.com/office/drawing/2014/main" xmlns="" id="{52134F88-4755-0014-AC00-AAF655B26533}"/>
+              </a:ext>
+            </a:extLst>
+          </p:cNvPr>
+          <p:cNvSpPr>
+            <a:spLocks noGrp="1"/>
+          </p:cNvSpPr>
+          <p:nvPr>
+            <p:ph type="title"/>
+          </p:nvPr>
+        </p:nvSpPr>
+        <p:spPr>
+          <a:xfrm>
+            <a:off x="765048" y="913772"/>
+            <a:ext cx="10889070" cy="1219828"/>
+          </a:xfrm>
+        </p:spPr>
+        <p:txBody>
+          <a:bodyPr/>
+          <a:lstStyle/>
+          <a:p>
+            <a:r>
+              <a:rPr lang="en-IN" sz="3200" dirty="0"/>
+              <a:t>Details of contribution from each team member</a:t>
+            </a:r>
+          </a:p>
+        </p:txBody>
+      </p:sp>
+      <p:sp>
+        <p:nvSpPr>
+          <p:cNvPr id="3" name="Content Placeholder 2">
+            <a:extLst>
+              <a:ext uri="{FF2B5EF4-FFF2-40B4-BE49-F238E27FC236}">
+                <a16:creationId xmlns:a16="http://schemas.microsoft.com/office/drawing/2014/main" xmlns="" id="{441B6727-7306-AC67-212D-4568F953AAD6}"/>
+              </a:ext>
+            </a:extLst>
+          </p:cNvPr>
+          <p:cNvSpPr>
+            <a:spLocks noGrp="1"/>
+          </p:cNvSpPr>
+          <p:nvPr>
+            <p:ph sz="half" idx="1"/>
+          </p:nvPr>
+        </p:nvSpPr>
+        <p:spPr>
+          <a:xfrm>
+            <a:off x="869487" y="2217632"/>
+            <a:ext cx="10680192" cy="3774141"/>
+          </a:xfrm>
+        </p:spPr>
+        <p:txBody>
+          <a:bodyPr>
+            <a:normAutofit lnSpcReduction="10000"/>
+          </a:bodyPr>
+          <a:lstStyle/>
+          <a:p>
+            <a:pPr marL="457200" indent="-457200">
+              <a:buFont typeface="+mj-lt"/>
+              <a:buAutoNum type="arabicPeriod"/>
+            </a:pPr>
+            <a:r>
+              <a:rPr lang="en-IN" sz="2000" dirty="0" err="1"/>
+              <a:t>Shantanu</a:t>
+            </a:r>
+            <a:r>
+              <a:rPr lang="en-IN" sz="2000" dirty="0"/>
+              <a:t> </a:t>
+            </a:r>
+            <a:r>
+              <a:rPr lang="en-IN" sz="2000" dirty="0" err="1" smtClean="0"/>
+              <a:t>Mundhe</a:t>
+            </a:r>
+            <a:r>
+              <a:rPr lang="en-IN" sz="2000" dirty="0" smtClean="0"/>
+              <a:t> :- </a:t>
+            </a:r>
+            <a:r>
+              <a:rPr lang="en-IN" sz="2000" dirty="0"/>
+              <a:t>Implemented the Admin use case</a:t>
+            </a:r>
+            <a:r>
+              <a:rPr lang="en-IN" sz="2000" dirty="0" smtClean="0"/>
+              <a:t>, Login / Logout </a:t>
+            </a:r>
+            <a:r>
+              <a:rPr lang="en-IN" sz="2000" dirty="0"/>
+              <a:t>Frontend </a:t>
+            </a:r>
+            <a:r>
+              <a:rPr lang="en-IN" sz="2000" dirty="0" smtClean="0"/>
+              <a:t>Design and Backend.</a:t>
+            </a:r>
+            <a:endParaRPr lang="en-IN" sz="2000" dirty="0"/>
+          </a:p>
+          <a:p>
+            <a:pPr marL="457200" indent="-457200">
+              <a:buFont typeface="+mj-lt"/>
+              <a:buAutoNum type="arabicPeriod"/>
+            </a:pPr>
+            <a:r>
+              <a:rPr lang="en-IN" sz="2000" dirty="0"/>
+              <a:t>Sushil </a:t>
+            </a:r>
+            <a:r>
+              <a:rPr lang="en-IN" sz="2000" dirty="0" err="1"/>
+              <a:t>Chaudhari</a:t>
+            </a:r>
+            <a:r>
+              <a:rPr lang="en-IN" sz="2000" dirty="0"/>
+              <a:t> </a:t>
+            </a:r>
+            <a:r>
+              <a:rPr lang="en-IN" sz="2000" dirty="0" smtClean="0"/>
+              <a:t>:- </a:t>
+            </a:r>
+            <a:r>
+              <a:rPr lang="en-IN" sz="2000" dirty="0"/>
+              <a:t>Implemented the Teacher use case</a:t>
+            </a:r>
+            <a:r>
+              <a:rPr lang="en-IN" sz="2000" dirty="0" smtClean="0"/>
+              <a:t>, Student use case , Signup / Registration and Bootstrap Styling for Home UI </a:t>
+            </a:r>
+            <a:r>
+              <a:rPr lang="en-IN" sz="2000" dirty="0"/>
+              <a:t>Frontend </a:t>
+            </a:r>
+            <a:r>
+              <a:rPr lang="en-IN" sz="2000" dirty="0" smtClean="0"/>
+              <a:t>Design and Backend .</a:t>
+            </a:r>
+            <a:endParaRPr lang="en-IN" sz="2000" dirty="0"/>
+          </a:p>
+          <a:p>
+            <a:pPr marL="457200" indent="-457200">
+              <a:buFont typeface="+mj-lt"/>
+              <a:buAutoNum type="arabicPeriod"/>
+            </a:pPr>
+            <a:r>
+              <a:rPr lang="en-IN" sz="2000" dirty="0"/>
+              <a:t>Shailesh </a:t>
+            </a:r>
+            <a:r>
+              <a:rPr lang="en-IN" sz="2000" dirty="0" err="1"/>
+              <a:t>Agarmore</a:t>
+            </a:r>
+            <a:r>
+              <a:rPr lang="en-IN" sz="2000" dirty="0"/>
+              <a:t> </a:t>
+            </a:r>
+            <a:r>
+              <a:rPr lang="en-IN" sz="2000" dirty="0" smtClean="0"/>
+              <a:t>:- </a:t>
+            </a:r>
+            <a:r>
+              <a:rPr lang="en-IN" sz="2000" dirty="0"/>
+              <a:t>Implemented Student use </a:t>
+            </a:r>
+            <a:r>
+              <a:rPr lang="en-IN" sz="2000" dirty="0" smtClean="0"/>
+              <a:t>case , Database and Documentation.</a:t>
+            </a:r>
+            <a:endParaRPr lang="en-IN" sz="2000" dirty="0"/>
+          </a:p>
+          <a:p>
+            <a:pPr marL="457200" indent="-457200">
+              <a:buFont typeface="+mj-lt"/>
+              <a:buAutoNum type="arabicPeriod"/>
+            </a:pPr>
+            <a:r>
+              <a:rPr lang="en-IN" sz="2000" dirty="0"/>
+              <a:t>Pranav </a:t>
+            </a:r>
+            <a:r>
+              <a:rPr lang="en-IN" sz="2000" dirty="0" err="1"/>
+              <a:t>Chirame</a:t>
+            </a:r>
+            <a:r>
+              <a:rPr lang="en-IN" sz="2000" dirty="0"/>
+              <a:t> </a:t>
+            </a:r>
+            <a:r>
+              <a:rPr lang="en-IN" sz="2000" dirty="0" smtClean="0"/>
+              <a:t>:- </a:t>
+            </a:r>
+            <a:r>
+              <a:rPr lang="en-IN" sz="2000" dirty="0"/>
+              <a:t>Implemented </a:t>
+            </a:r>
+            <a:r>
+              <a:rPr lang="en-IN" sz="2000" dirty="0" smtClean="0"/>
+              <a:t>Database Design and Project Report.</a:t>
+            </a:r>
+            <a:endParaRPr lang="en-IN" sz="2000" dirty="0"/>
+          </a:p>
+          <a:p>
+            <a:pPr marL="0" indent="0">
+              <a:buNone/>
+            </a:pPr>
+            <a:r>
+              <a:rPr lang="en-IN" sz="2000" dirty="0"/>
+              <a:t>           </a:t>
+            </a:r>
+          </a:p>
+          <a:p>
+            <a:pPr>
+              <a:buFont typeface="Wingdings" panose="05000000000000000000" pitchFamily="2" charset="2"/>
+              <a:buChar char="Ø"/>
+            </a:pPr>
+            <a:r>
+              <a:rPr lang="en-IN" sz="2000" dirty="0"/>
+              <a:t>        Stages at which Coordination was </a:t>
+            </a:r>
+            <a:r>
+              <a:rPr lang="en-IN" sz="2000" dirty="0" smtClean="0"/>
+              <a:t>needed</a:t>
+            </a:r>
+            <a:endParaRPr lang="en-IN" sz="2000" dirty="0"/>
+          </a:p>
+          <a:p>
+            <a:r>
+              <a:rPr lang="en-IN" sz="2000" dirty="0"/>
+              <a:t>                         Most of the coordination was needed when complete UI needed to be </a:t>
+            </a:r>
+            <a:r>
+              <a:rPr lang="en-IN" sz="2000" dirty="0" smtClean="0"/>
+              <a:t>				rendered </a:t>
+            </a:r>
+            <a:r>
+              <a:rPr lang="en-IN" sz="2000" dirty="0"/>
+              <a:t>using React,</a:t>
+            </a:r>
+          </a:p>
+          <a:p>
+            <a:r>
+              <a:rPr lang="en-IN" sz="2000" dirty="0"/>
+              <a:t>                         Every one worked together for designing the database  </a:t>
+            </a:r>
+          </a:p>
+        </p:txBody>
+      </p:sp>
+      <p:sp>
+        <p:nvSpPr>
+          <p:cNvPr id="5" name="Slide Number Placeholder 4">
+            <a:extLst>
+              <a:ext uri="{FF2B5EF4-FFF2-40B4-BE49-F238E27FC236}">
+                <a16:creationId xmlns:a16="http://schemas.microsoft.com/office/drawing/2014/main" xmlns="" id="{72ED7542-7CDF-5B0C-10CB-FE4E644A8DA2}"/>
+              </a:ext>
+            </a:extLst>
+          </p:cNvPr>
+          <p:cNvSpPr>
+            <a:spLocks noGrp="1"/>
+          </p:cNvSpPr>
+          <p:nvPr>
+            <p:ph type="sldNum" sz="quarter" idx="12"/>
+          </p:nvPr>
+        </p:nvSpPr>
+        <p:spPr/>
+        <p:txBody>
+          <a:bodyPr/>
+          <a:lstStyle/>
+          <a:p>
+            <a:fld id="{48F63A3B-78C7-47BE-AE5E-E10140E04643}" type="slidenum">
+              <a:rPr lang="en-US" smtClean="0"/>
+              <a:t>12</a:t>
+            </a:fld>
+            <a:endParaRPr lang="en-US" dirty="0"/>
+          </a:p>
+        </p:txBody>
+      </p:sp>
+    </p:spTree>
+    <p:extLst>
+      <p:ext uri="{BB962C8B-B14F-4D97-AF65-F5344CB8AC3E}">
+        <p14:creationId xmlns:p14="http://schemas.microsoft.com/office/powerpoint/2010/main" val="334186003"/>
+      </p:ext>
+    </p:extLst>
+  </p:cSld>
+  <p:clrMapOvr>
+    <a:masterClrMapping/>
+  </p:clrMapOvr>
+</p:sld>
+</file>
+
+<file path=ppt/slides/slide13.xml><?xml version="1.0" encoding="utf-8"?>
+<p:sld xmlns:a="http://schemas.openxmlformats.org/drawingml/2006/main" xmlns:r="http://schemas.openxmlformats.org/officeDocument/2006/relationships" xmlns:p="http://schemas.openxmlformats.org/presentationml/2006/main">
+  <p:cSld>
+    <p:spTree>
+      <p:nvGrpSpPr>
+        <p:cNvPr id="1" name=""/>
+        <p:cNvGrpSpPr/>
+        <p:nvPr/>
+      </p:nvGrpSpPr>
+      <p:grpSpPr>
+        <a:xfrm>
+          <a:off x="0" y="0"/>
+          <a:ext cx="0" cy="0"/>
+          <a:chOff x="0" y="0"/>
+          <a:chExt cx="0" cy="0"/>
+        </a:xfrm>
+      </p:grpSpPr>
+      <p:sp>
+        <p:nvSpPr>
+          <p:cNvPr id="2" name="Title 1">
+            <a:extLst>
+              <a:ext uri="{FF2B5EF4-FFF2-40B4-BE49-F238E27FC236}">
+                <a16:creationId xmlns:a16="http://schemas.microsoft.com/office/drawing/2014/main" xmlns="" id="{4A940BC6-9DA0-FB4D-8879-DC8B3958C07C}"/>
               </a:ext>
             </a:extLst>
           </p:cNvPr>
@@ -24631,7 +24956,7 @@
           <p:cNvPr id="3" name="Content Placeholder 2">
             <a:extLst>
               <a:ext uri="{FF2B5EF4-FFF2-40B4-BE49-F238E27FC236}">
-                <a16:creationId xmlns:a16="http://schemas.microsoft.com/office/drawing/2014/main" id="{1E0B8C4B-3A3C-9FD1-59FB-1666C1F09376}"/>
+                <a16:creationId xmlns:a16="http://schemas.microsoft.com/office/drawing/2014/main" xmlns="" id="{1E0B8C4B-3A3C-9FD1-59FB-1666C1F09376}"/>
               </a:ext>
             </a:extLst>
           </p:cNvPr>
@@ -24656,14 +24981,12 @@
           <a:p>
             <a:r>
               <a:rPr lang="en-IN" u="sng" dirty="0"/>
-              <a:t>https://github.com/Sushil9731/Myproject.git</a:t>
-            </a:r>
-            <a:r>
-              <a:rPr lang="en-US" sz="1600" u="sng" dirty="0"/>
-              <a:t>.</a:t>
-            </a:r>
-          </a:p>
-          <a:p>
+              <a:t>https://</a:t>
+            </a:r>
+            <a:r>
+              <a:rPr lang="en-IN" u="sng" dirty="0" smtClean="0"/>
+              <a:t>github.com/Sushil9731/Myproject.git</a:t>
+            </a:r>
             <a:endParaRPr lang="en-US" sz="1600" dirty="0"/>
           </a:p>
           <a:p>
@@ -24676,7 +24999,7 @@
           <p:cNvPr id="15" name="Slide Number Placeholder 14">
             <a:extLst>
               <a:ext uri="{FF2B5EF4-FFF2-40B4-BE49-F238E27FC236}">
-                <a16:creationId xmlns:a16="http://schemas.microsoft.com/office/drawing/2014/main" id="{7FC3FD3F-45EE-74E3-AD64-441303B83EF3}"/>
+                <a16:creationId xmlns:a16="http://schemas.microsoft.com/office/drawing/2014/main" xmlns="" id="{7FC3FD3F-45EE-74E3-AD64-441303B83EF3}"/>
               </a:ext>
             </a:extLst>
           </p:cNvPr>
@@ -24694,7 +25017,7 @@
           <a:p>
             <a:fld id="{48F63A3B-78C7-47BE-AE5E-E10140E04643}" type="slidenum">
               <a:rPr lang="en-US" smtClean="0"/>
-              <a:t>12</a:t>
+              <a:t>13</a:t>
             </a:fld>
             <a:endParaRPr lang="en-US" dirty="0"/>
           </a:p>
@@ -24705,7 +25028,7 @@
           <p:cNvPr id="6" name="Content Placeholder 2">
             <a:extLst>
               <a:ext uri="{FF2B5EF4-FFF2-40B4-BE49-F238E27FC236}">
-                <a16:creationId xmlns:a16="http://schemas.microsoft.com/office/drawing/2014/main" id="{95E5B2DD-0916-4419-BFCC-2BFBCC66F541}"/>
+                <a16:creationId xmlns:a16="http://schemas.microsoft.com/office/drawing/2014/main" xmlns="" id="{95E5B2DD-0916-4419-BFCC-2BFBCC66F541}"/>
               </a:ext>
             </a:extLst>
           </p:cNvPr>
@@ -24908,28 +25231,28 @@
       </p:sp>
       <p:pic>
         <p:nvPicPr>
-          <p:cNvPr id="7" name="Picture 6">
-            <a:extLst>
-              <a:ext uri="{FF2B5EF4-FFF2-40B4-BE49-F238E27FC236}">
-                <a16:creationId xmlns:a16="http://schemas.microsoft.com/office/drawing/2014/main" id="{4F3C5A5C-886C-42F9-A31A-E9D2DF07B9EE}"/>
-              </a:ext>
-            </a:extLst>
-          </p:cNvPr>
+          <p:cNvPr id="4" name="Picture 3"/>
           <p:cNvPicPr>
             <a:picLocks noChangeAspect="1"/>
           </p:cNvPicPr>
           <p:nvPr/>
         </p:nvPicPr>
         <p:blipFill>
-          <a:blip r:embed="rId2"/>
+          <a:blip r:embed="rId2">
+            <a:extLst>
+              <a:ext uri="{28A0092B-C50C-407E-A947-70E740481C1C}">
+                <a14:useLocalDpi xmlns:a14="http://schemas.microsoft.com/office/drawing/2010/main" val="0"/>
+              </a:ext>
+            </a:extLst>
+          </a:blip>
           <a:stretch>
             <a:fillRect/>
           </a:stretch>
         </p:blipFill>
         <p:spPr>
           <a:xfrm>
-            <a:off x="3442447" y="1884030"/>
-            <a:ext cx="8749553" cy="4351294"/>
+            <a:off x="3416060" y="1884029"/>
+            <a:ext cx="8775939" cy="4896333"/>
           </a:xfrm>
           <a:prstGeom prst="rect">
             <a:avLst/>
@@ -24940,182 +25263,6 @@
     <p:extLst>
       <p:ext uri="{BB962C8B-B14F-4D97-AF65-F5344CB8AC3E}">
         <p14:creationId xmlns:p14="http://schemas.microsoft.com/office/powerpoint/2010/main" val="1852045850"/>
-      </p:ext>
-    </p:extLst>
-  </p:cSld>
-  <p:clrMapOvr>
-    <a:masterClrMapping/>
-  </p:clrMapOvr>
-</p:sld>
-</file>
-
-<file path=ppt/slides/slide13.xml><?xml version="1.0" encoding="utf-8"?>
-<p:sld xmlns:a="http://schemas.openxmlformats.org/drawingml/2006/main" xmlns:r="http://schemas.openxmlformats.org/officeDocument/2006/relationships" xmlns:p="http://schemas.openxmlformats.org/presentationml/2006/main">
-  <p:cSld>
-    <p:spTree>
-      <p:nvGrpSpPr>
-        <p:cNvPr id="1" name=""/>
-        <p:cNvGrpSpPr/>
-        <p:nvPr/>
-      </p:nvGrpSpPr>
-      <p:grpSpPr>
-        <a:xfrm>
-          <a:off x="0" y="0"/>
-          <a:ext cx="0" cy="0"/>
-          <a:chOff x="0" y="0"/>
-          <a:chExt cx="0" cy="0"/>
-        </a:xfrm>
-      </p:grpSpPr>
-      <p:sp>
-        <p:nvSpPr>
-          <p:cNvPr id="2" name="Title 1">
-            <a:extLst>
-              <a:ext uri="{FF2B5EF4-FFF2-40B4-BE49-F238E27FC236}">
-                <a16:creationId xmlns:a16="http://schemas.microsoft.com/office/drawing/2014/main" id="{E7DF8C77-F38E-A77B-1A6C-40E5AF8398ED}"/>
-              </a:ext>
-            </a:extLst>
-          </p:cNvPr>
-          <p:cNvSpPr>
-            <a:spLocks noGrp="1"/>
-          </p:cNvSpPr>
-          <p:nvPr>
-            <p:ph type="title"/>
-          </p:nvPr>
-        </p:nvSpPr>
-        <p:spPr>
-          <a:xfrm>
-            <a:off x="755904" y="832104"/>
-            <a:ext cx="10671048" cy="768096"/>
-          </a:xfrm>
-        </p:spPr>
-        <p:txBody>
-          <a:bodyPr/>
-          <a:lstStyle/>
-          <a:p>
-            <a:r>
-              <a:rPr lang="en-IN" dirty="0"/>
-              <a:t>Conclusion </a:t>
-            </a:r>
-          </a:p>
-        </p:txBody>
-      </p:sp>
-      <p:sp>
-        <p:nvSpPr>
-          <p:cNvPr id="3" name="Content Placeholder 2">
-            <a:extLst>
-              <a:ext uri="{FF2B5EF4-FFF2-40B4-BE49-F238E27FC236}">
-                <a16:creationId xmlns:a16="http://schemas.microsoft.com/office/drawing/2014/main" id="{D3F35BBE-C0B4-8D1A-0945-B79522CE4402}"/>
-              </a:ext>
-            </a:extLst>
-          </p:cNvPr>
-          <p:cNvSpPr>
-            <a:spLocks noGrp="1"/>
-          </p:cNvSpPr>
-          <p:nvPr>
-            <p:ph sz="half" idx="1"/>
-          </p:nvPr>
-        </p:nvSpPr>
-        <p:spPr>
-          <a:xfrm>
-            <a:off x="755904" y="1700784"/>
-            <a:ext cx="10680192" cy="3959352"/>
-          </a:xfrm>
-        </p:spPr>
-        <p:txBody>
-          <a:bodyPr/>
-          <a:lstStyle/>
-          <a:p>
-            <a:r>
-              <a:rPr lang="en-IN" dirty="0"/>
-              <a:t>Challenges you faced :</a:t>
-            </a:r>
-          </a:p>
-          <a:p>
-            <a:pPr marL="0" indent="0">
-              <a:buNone/>
-            </a:pPr>
-            <a:r>
-              <a:rPr lang="en-IN" dirty="0"/>
-              <a:t>                       There were many challenges that we faced like finding a write path to start with, exploring the technologies beyond the horizon of our course and UI part Etc.</a:t>
-            </a:r>
-          </a:p>
-          <a:p>
-            <a:pPr marL="0" indent="0">
-              <a:buNone/>
-            </a:pPr>
-            <a:endParaRPr lang="en-IN" dirty="0"/>
-          </a:p>
-          <a:p>
-            <a:r>
-              <a:rPr lang="en-IN" dirty="0"/>
-              <a:t>Things Learnt :</a:t>
-            </a:r>
-          </a:p>
-          <a:p>
-            <a:pPr marL="0" indent="0">
-              <a:buNone/>
-            </a:pPr>
-            <a:r>
-              <a:rPr lang="en-IN" dirty="0"/>
-              <a:t>                   We have learnt to efficiently distribute the task within the team. We have learnt to combine all the dynamic stack of technologies together to create a fully functional software.</a:t>
-            </a:r>
-          </a:p>
-          <a:p>
-            <a:pPr marL="0" indent="0">
-              <a:buNone/>
-            </a:pPr>
-            <a:endParaRPr lang="en-IN" dirty="0"/>
-          </a:p>
-          <a:p>
-            <a:r>
-              <a:rPr lang="en-IN" dirty="0"/>
-              <a:t>Overall Experience :</a:t>
-            </a:r>
-          </a:p>
-          <a:p>
-            <a:pPr marL="0" indent="0">
-              <a:buNone/>
-            </a:pPr>
-            <a:r>
-              <a:rPr lang="en-IN" dirty="0"/>
-              <a:t>                   Overall experience was very practical oriented and highly knowledgeable and definitely it will helps a lot in future point view.</a:t>
-            </a:r>
-          </a:p>
-        </p:txBody>
-      </p:sp>
-      <p:sp>
-        <p:nvSpPr>
-          <p:cNvPr id="5" name="Slide Number Placeholder 4">
-            <a:extLst>
-              <a:ext uri="{FF2B5EF4-FFF2-40B4-BE49-F238E27FC236}">
-                <a16:creationId xmlns:a16="http://schemas.microsoft.com/office/drawing/2014/main" id="{480EA536-F9E3-7A99-9ED7-8C161AA86429}"/>
-              </a:ext>
-            </a:extLst>
-          </p:cNvPr>
-          <p:cNvSpPr>
-            <a:spLocks noGrp="1"/>
-          </p:cNvSpPr>
-          <p:nvPr>
-            <p:ph type="sldNum" sz="quarter" idx="12"/>
-          </p:nvPr>
-        </p:nvSpPr>
-        <p:spPr/>
-        <p:txBody>
-          <a:bodyPr/>
-          <a:lstStyle/>
-          <a:p>
-            <a:fld id="{48F63A3B-78C7-47BE-AE5E-E10140E04643}" type="slidenum">
-              <a:rPr lang="en-US" smtClean="0"/>
-              <a:t>13</a:t>
-            </a:fld>
-            <a:endParaRPr lang="en-US" dirty="0"/>
-          </a:p>
-        </p:txBody>
-      </p:sp>
-    </p:spTree>
-    <p:extLst>
-      <p:ext uri="{BB962C8B-B14F-4D97-AF65-F5344CB8AC3E}">
-        <p14:creationId xmlns:p14="http://schemas.microsoft.com/office/powerpoint/2010/main" val="1215167136"/>
       </p:ext>
     </p:extLst>
   </p:cSld>
@@ -25147,7 +25294,467 @@
           <p:cNvPr id="2" name="Title 1">
             <a:extLst>
               <a:ext uri="{FF2B5EF4-FFF2-40B4-BE49-F238E27FC236}">
-                <a16:creationId xmlns:a16="http://schemas.microsoft.com/office/drawing/2014/main" id="{800AB426-5B7C-607E-D413-5D2C9495CC0A}"/>
+                <a16:creationId xmlns:a16="http://schemas.microsoft.com/office/drawing/2014/main" xmlns="" id="{884B311B-3177-0658-3585-6639F26A9BF6}"/>
+              </a:ext>
+            </a:extLst>
+          </p:cNvPr>
+          <p:cNvSpPr>
+            <a:spLocks noGrp="1"/>
+          </p:cNvSpPr>
+          <p:nvPr>
+            <p:ph type="title"/>
+          </p:nvPr>
+        </p:nvSpPr>
+        <p:spPr>
+          <a:xfrm>
+            <a:off x="584147" y="210312"/>
+            <a:ext cx="10494369" cy="768096"/>
+          </a:xfrm>
+        </p:spPr>
+        <p:txBody>
+          <a:bodyPr/>
+          <a:lstStyle/>
+          <a:p>
+            <a:r>
+              <a:rPr lang="en-US" dirty="0" smtClean="0">
+                <a:latin typeface="Arial Black" panose="020B0604020202020204" pitchFamily="34" charset="0"/>
+                <a:cs typeface="Arial Black" panose="020B0604020202020204" pitchFamily="34" charset="0"/>
+              </a:rPr>
+              <a:t>future scope </a:t>
+            </a:r>
+            <a:endParaRPr lang="en-US" sz="4400" b="1" dirty="0">
+              <a:solidFill>
+                <a:schemeClr val="accent6"/>
+              </a:solidFill>
+              <a:latin typeface="Arial Black" panose="020B0604020202020204" pitchFamily="34" charset="0"/>
+              <a:cs typeface="Arial Black" panose="020B0604020202020204" pitchFamily="34" charset="0"/>
+            </a:endParaRPr>
+          </a:p>
+        </p:txBody>
+      </p:sp>
+      <p:sp>
+        <p:nvSpPr>
+          <p:cNvPr id="8" name="Slide Number Placeholder 7">
+            <a:extLst>
+              <a:ext uri="{FF2B5EF4-FFF2-40B4-BE49-F238E27FC236}">
+                <a16:creationId xmlns:a16="http://schemas.microsoft.com/office/drawing/2014/main" xmlns="" id="{AECF22D2-2B16-C40D-AA90-609B5CD08B3D}"/>
+              </a:ext>
+            </a:extLst>
+          </p:cNvPr>
+          <p:cNvSpPr>
+            <a:spLocks noGrp="1"/>
+          </p:cNvSpPr>
+          <p:nvPr>
+            <p:ph type="sldNum" sz="quarter" idx="12"/>
+          </p:nvPr>
+        </p:nvSpPr>
+        <p:spPr/>
+        <p:txBody>
+          <a:bodyPr/>
+          <a:lstStyle/>
+          <a:p>
+            <a:fld id="{48F63A3B-78C7-47BE-AE5E-E10140E04643}" type="slidenum">
+              <a:rPr lang="en-US" smtClean="0"/>
+              <a:t>14</a:t>
+            </a:fld>
+            <a:endParaRPr lang="en-US" dirty="0"/>
+          </a:p>
+        </p:txBody>
+      </p:sp>
+      <p:sp>
+        <p:nvSpPr>
+          <p:cNvPr id="4" name="Content Placeholder 3">
+            <a:extLst>
+              <a:ext uri="{FF2B5EF4-FFF2-40B4-BE49-F238E27FC236}">
+                <a16:creationId xmlns:a16="http://schemas.microsoft.com/office/drawing/2014/main" xmlns="" id="{5BCBFD5F-9247-485C-2171-C27843299D8B}"/>
+              </a:ext>
+            </a:extLst>
+          </p:cNvPr>
+          <p:cNvSpPr>
+            <a:spLocks noGrp="1"/>
+          </p:cNvSpPr>
+          <p:nvPr>
+            <p:ph sz="half" idx="1"/>
+          </p:nvPr>
+        </p:nvSpPr>
+        <p:spPr>
+          <a:xfrm>
+            <a:off x="758952" y="987418"/>
+            <a:ext cx="10680192" cy="5870581"/>
+          </a:xfrm>
+        </p:spPr>
+        <p:txBody>
+          <a:bodyPr/>
+          <a:lstStyle/>
+          <a:p>
+            <a:pPr>
+              <a:buFont typeface="Wingdings" panose="05000000000000000000" pitchFamily="2" charset="2"/>
+              <a:buChar char="Ø"/>
+            </a:pPr>
+            <a:r>
+              <a:rPr lang="en-US" sz="2000" b="1" dirty="0">
+                <a:latin typeface="Times New Roman" pitchFamily="18" charset="0"/>
+                <a:cs typeface="Times New Roman" pitchFamily="18" charset="0"/>
+              </a:rPr>
+              <a:t>Future Scope:</a:t>
+            </a:r>
+            <a:r>
+              <a:rPr lang="en-US" sz="2000" dirty="0">
+                <a:latin typeface="Times New Roman" pitchFamily="18" charset="0"/>
+                <a:cs typeface="Times New Roman" pitchFamily="18" charset="0"/>
+              </a:rPr>
+              <a:t> </a:t>
+            </a:r>
+            <a:endParaRPr lang="en-US" sz="2000" dirty="0" smtClean="0">
+              <a:latin typeface="Times New Roman" pitchFamily="18" charset="0"/>
+              <a:cs typeface="Times New Roman" pitchFamily="18" charset="0"/>
+            </a:endParaRPr>
+          </a:p>
+          <a:p>
+            <a:pPr lvl="1"/>
+            <a:r>
+              <a:rPr lang="en-US" sz="2000" dirty="0" smtClean="0">
+                <a:latin typeface="Times New Roman" pitchFamily="18" charset="0"/>
+                <a:cs typeface="Times New Roman" pitchFamily="18" charset="0"/>
+              </a:rPr>
+              <a:t>In </a:t>
+            </a:r>
+            <a:r>
+              <a:rPr lang="en-US" sz="2000" dirty="0">
+                <a:latin typeface="Times New Roman" pitchFamily="18" charset="0"/>
+                <a:cs typeface="Times New Roman" pitchFamily="18" charset="0"/>
+              </a:rPr>
+              <a:t>the future, we can make our project even better by using React JS and Bootstrap together. This will help us improve how the project looks and how users interact with it. We can make the project more attractive and easier to use by enhancing the designs and adding interactive elements.</a:t>
+            </a:r>
+          </a:p>
+          <a:p>
+            <a:pPr lvl="1"/>
+            <a:r>
+              <a:rPr lang="en-US" sz="2000" dirty="0">
+                <a:latin typeface="Times New Roman" pitchFamily="18" charset="0"/>
+                <a:cs typeface="Times New Roman" pitchFamily="18" charset="0"/>
+              </a:rPr>
+              <a:t>Also, we can work on the important parts of the project to make them work even smarter. By using Spring Boot and React more, we can add advanced features that help us make better decisions and do things more efficiently. This might include things like predicting future trends, watching how things are doing </a:t>
+            </a:r>
+            <a:r>
+              <a:rPr lang="en-US" sz="2000" dirty="0" smtClean="0">
+                <a:latin typeface="Times New Roman" pitchFamily="18" charset="0"/>
+                <a:cs typeface="Times New Roman" pitchFamily="18" charset="0"/>
+              </a:rPr>
+              <a:t>in real-time.</a:t>
+            </a:r>
+            <a:endParaRPr lang="en-US" sz="2000" dirty="0">
+              <a:latin typeface="Times New Roman" pitchFamily="18" charset="0"/>
+              <a:cs typeface="Times New Roman" pitchFamily="18" charset="0"/>
+            </a:endParaRPr>
+          </a:p>
+          <a:p>
+            <a:pPr lvl="1"/>
+            <a:r>
+              <a:rPr lang="en-US" sz="2000" dirty="0">
+                <a:latin typeface="Times New Roman" pitchFamily="18" charset="0"/>
+                <a:cs typeface="Times New Roman" pitchFamily="18" charset="0"/>
+              </a:rPr>
+              <a:t>So, in the end, the future of our project is about using React JS, Spring Boot, and MySQL to make things look and work better. And by focusing on the important parts, we can use technology to make our project not only handle what it does now but also help us do things even better in the future.</a:t>
+            </a:r>
+          </a:p>
+          <a:p>
+            <a:endParaRPr lang="en-IN" dirty="0"/>
+          </a:p>
+        </p:txBody>
+      </p:sp>
+    </p:spTree>
+    <p:extLst>
+      <p:ext uri="{BB962C8B-B14F-4D97-AF65-F5344CB8AC3E}">
+        <p14:creationId xmlns:p14="http://schemas.microsoft.com/office/powerpoint/2010/main" val="2478856014"/>
+      </p:ext>
+    </p:extLst>
+  </p:cSld>
+  <p:clrMapOvr>
+    <a:masterClrMapping/>
+  </p:clrMapOvr>
+</p:sld>
+</file>
+
+<file path=ppt/slides/slide15.xml><?xml version="1.0" encoding="utf-8"?>
+<p:sld xmlns:a="http://schemas.openxmlformats.org/drawingml/2006/main" xmlns:r="http://schemas.openxmlformats.org/officeDocument/2006/relationships" xmlns:p="http://schemas.openxmlformats.org/presentationml/2006/main">
+  <p:cSld>
+    <p:spTree>
+      <p:nvGrpSpPr>
+        <p:cNvPr id="1" name=""/>
+        <p:cNvGrpSpPr/>
+        <p:nvPr/>
+      </p:nvGrpSpPr>
+      <p:grpSpPr>
+        <a:xfrm>
+          <a:off x="0" y="0"/>
+          <a:ext cx="0" cy="0"/>
+          <a:chOff x="0" y="0"/>
+          <a:chExt cx="0" cy="0"/>
+        </a:xfrm>
+      </p:grpSpPr>
+      <p:sp>
+        <p:nvSpPr>
+          <p:cNvPr id="2" name="Title 1">
+            <a:extLst>
+              <a:ext uri="{FF2B5EF4-FFF2-40B4-BE49-F238E27FC236}">
+                <a16:creationId xmlns:a16="http://schemas.microsoft.com/office/drawing/2014/main" xmlns="" id="{E7DF8C77-F38E-A77B-1A6C-40E5AF8398ED}"/>
+              </a:ext>
+            </a:extLst>
+          </p:cNvPr>
+          <p:cNvSpPr>
+            <a:spLocks noGrp="1"/>
+          </p:cNvSpPr>
+          <p:nvPr>
+            <p:ph type="title"/>
+          </p:nvPr>
+        </p:nvSpPr>
+        <p:spPr>
+          <a:xfrm>
+            <a:off x="755904" y="832104"/>
+            <a:ext cx="10671048" cy="768096"/>
+          </a:xfrm>
+        </p:spPr>
+        <p:txBody>
+          <a:bodyPr/>
+          <a:lstStyle/>
+          <a:p>
+            <a:r>
+              <a:rPr lang="en-IN" dirty="0"/>
+              <a:t>Conclusion </a:t>
+            </a:r>
+          </a:p>
+        </p:txBody>
+      </p:sp>
+      <p:sp>
+        <p:nvSpPr>
+          <p:cNvPr id="3" name="Content Placeholder 2">
+            <a:extLst>
+              <a:ext uri="{FF2B5EF4-FFF2-40B4-BE49-F238E27FC236}">
+                <a16:creationId xmlns:a16="http://schemas.microsoft.com/office/drawing/2014/main" xmlns="" id="{D3F35BBE-C0B4-8D1A-0945-B79522CE4402}"/>
+              </a:ext>
+            </a:extLst>
+          </p:cNvPr>
+          <p:cNvSpPr>
+            <a:spLocks noGrp="1"/>
+          </p:cNvSpPr>
+          <p:nvPr>
+            <p:ph sz="half" idx="1"/>
+          </p:nvPr>
+        </p:nvSpPr>
+        <p:spPr>
+          <a:xfrm>
+            <a:off x="621101" y="1768415"/>
+            <a:ext cx="10823621" cy="4124634"/>
+          </a:xfrm>
+        </p:spPr>
+        <p:txBody>
+          <a:bodyPr>
+            <a:normAutofit fontScale="92500" lnSpcReduction="20000"/>
+          </a:bodyPr>
+          <a:lstStyle/>
+          <a:p>
+            <a:pPr>
+              <a:buFont typeface="+mj-lt"/>
+              <a:buAutoNum type="arabicPeriod"/>
+            </a:pPr>
+            <a:r>
+              <a:rPr lang="en-IN" dirty="0"/>
+              <a:t>Challenges you faced :</a:t>
+            </a:r>
+          </a:p>
+          <a:p>
+            <a:r>
+              <a:rPr lang="en-IN" dirty="0"/>
+              <a:t>	</a:t>
+            </a:r>
+            <a:r>
+              <a:rPr lang="en-IN" dirty="0" smtClean="0"/>
+              <a:t>There </a:t>
+            </a:r>
+            <a:r>
+              <a:rPr lang="en-IN" dirty="0"/>
+              <a:t>were many challenges that we faced like finding a write path to start with, exploring the </a:t>
+            </a:r>
+            <a:r>
+              <a:rPr lang="en-IN" dirty="0" smtClean="0"/>
+              <a:t>			technologies </a:t>
+            </a:r>
+            <a:r>
+              <a:rPr lang="en-IN" dirty="0"/>
+              <a:t>beyond the horizon of our course and UI part </a:t>
+            </a:r>
+            <a:r>
+              <a:rPr lang="en-IN" dirty="0" smtClean="0"/>
+              <a:t>Etc.</a:t>
+            </a:r>
+          </a:p>
+          <a:p>
+            <a:r>
+              <a:rPr lang="en-IN" dirty="0"/>
+              <a:t>	</a:t>
+            </a:r>
+            <a:r>
+              <a:rPr lang="en-IN" dirty="0" smtClean="0"/>
+              <a:t>Finalizing Database Design.</a:t>
+            </a:r>
+          </a:p>
+          <a:p>
+            <a:r>
+              <a:rPr lang="en-IN" dirty="0"/>
+              <a:t>	</a:t>
+            </a:r>
+            <a:r>
+              <a:rPr lang="en-IN" dirty="0" smtClean="0"/>
+              <a:t>Implementing Functionality of Admin and Teacher.</a:t>
+            </a:r>
+          </a:p>
+          <a:p>
+            <a:r>
+              <a:rPr lang="en-IN" dirty="0"/>
+              <a:t>	</a:t>
+            </a:r>
+            <a:r>
+              <a:rPr lang="en-IN" dirty="0" smtClean="0"/>
+              <a:t>Consensus of all members on styling and UI of Frontend.</a:t>
+            </a:r>
+          </a:p>
+          <a:p>
+            <a:r>
+              <a:rPr lang="en-IN" dirty="0"/>
+              <a:t>	</a:t>
+            </a:r>
+            <a:r>
+              <a:rPr lang="en-IN" dirty="0" smtClean="0"/>
+              <a:t>Merging and collaborating the team work.</a:t>
+            </a:r>
+            <a:endParaRPr lang="en-IN" dirty="0" smtClean="0"/>
+          </a:p>
+          <a:p>
+            <a:pPr marL="342900" indent="-342900">
+              <a:buFont typeface="+mj-lt"/>
+              <a:buAutoNum type="arabicPeriod"/>
+            </a:pPr>
+            <a:endParaRPr lang="en-IN" dirty="0"/>
+          </a:p>
+          <a:p>
+            <a:pPr marL="0" indent="0">
+              <a:buNone/>
+            </a:pPr>
+            <a:r>
+              <a:rPr lang="en-IN" dirty="0" smtClean="0"/>
+              <a:t>2.   Things </a:t>
+            </a:r>
+            <a:r>
+              <a:rPr lang="en-IN" dirty="0"/>
+              <a:t>Learnt :</a:t>
+            </a:r>
+          </a:p>
+          <a:p>
+            <a:pPr marL="0" indent="0">
+              <a:buNone/>
+            </a:pPr>
+            <a:r>
+              <a:rPr lang="en-IN" dirty="0"/>
+              <a:t>                   We have learnt to efficiently distribute the task within the team. We have learnt to combine all the dynamic stack of technologies together to create a fully functional software.</a:t>
+            </a:r>
+          </a:p>
+          <a:p>
+            <a:pPr marL="342900" indent="-342900">
+              <a:buFont typeface="+mj-lt"/>
+              <a:buAutoNum type="arabicPeriod"/>
+            </a:pPr>
+            <a:endParaRPr lang="en-IN" dirty="0"/>
+          </a:p>
+          <a:p>
+            <a:pPr marL="0" indent="0">
+              <a:buNone/>
+            </a:pPr>
+            <a:r>
+              <a:rPr lang="en-IN" dirty="0" smtClean="0"/>
+              <a:t>3.   Overall </a:t>
+            </a:r>
+            <a:r>
+              <a:rPr lang="en-IN" dirty="0"/>
+              <a:t>Experience :</a:t>
+            </a:r>
+          </a:p>
+          <a:p>
+            <a:pPr marL="0" indent="0">
+              <a:buNone/>
+            </a:pPr>
+            <a:r>
+              <a:rPr lang="en-IN" dirty="0"/>
+              <a:t>                   Overall experience was very practical oriented and highly knowledgeable and definitely it will helps a lot in future point view.</a:t>
+            </a:r>
+          </a:p>
+        </p:txBody>
+      </p:sp>
+      <p:sp>
+        <p:nvSpPr>
+          <p:cNvPr id="5" name="Slide Number Placeholder 4">
+            <a:extLst>
+              <a:ext uri="{FF2B5EF4-FFF2-40B4-BE49-F238E27FC236}">
+                <a16:creationId xmlns:a16="http://schemas.microsoft.com/office/drawing/2014/main" xmlns="" id="{480EA536-F9E3-7A99-9ED7-8C161AA86429}"/>
+              </a:ext>
+            </a:extLst>
+          </p:cNvPr>
+          <p:cNvSpPr>
+            <a:spLocks noGrp="1"/>
+          </p:cNvSpPr>
+          <p:nvPr>
+            <p:ph type="sldNum" sz="quarter" idx="12"/>
+          </p:nvPr>
+        </p:nvSpPr>
+        <p:spPr/>
+        <p:txBody>
+          <a:bodyPr/>
+          <a:lstStyle/>
+          <a:p>
+            <a:fld id="{48F63A3B-78C7-47BE-AE5E-E10140E04643}" type="slidenum">
+              <a:rPr lang="en-US" smtClean="0"/>
+              <a:t>15</a:t>
+            </a:fld>
+            <a:endParaRPr lang="en-US" dirty="0"/>
+          </a:p>
+        </p:txBody>
+      </p:sp>
+    </p:spTree>
+    <p:extLst>
+      <p:ext uri="{BB962C8B-B14F-4D97-AF65-F5344CB8AC3E}">
+        <p14:creationId xmlns:p14="http://schemas.microsoft.com/office/powerpoint/2010/main" val="1215167136"/>
+      </p:ext>
+    </p:extLst>
+  </p:cSld>
+  <p:clrMapOvr>
+    <a:masterClrMapping/>
+  </p:clrMapOvr>
+</p:sld>
+</file>
+
+<file path=ppt/slides/slide16.xml><?xml version="1.0" encoding="utf-8"?>
+<p:sld xmlns:a="http://schemas.openxmlformats.org/drawingml/2006/main" xmlns:r="http://schemas.openxmlformats.org/officeDocument/2006/relationships" xmlns:p="http://schemas.openxmlformats.org/presentationml/2006/main">
+  <p:cSld>
+    <p:spTree>
+      <p:nvGrpSpPr>
+        <p:cNvPr id="1" name=""/>
+        <p:cNvGrpSpPr/>
+        <p:nvPr/>
+      </p:nvGrpSpPr>
+      <p:grpSpPr>
+        <a:xfrm>
+          <a:off x="0" y="0"/>
+          <a:ext cx="0" cy="0"/>
+          <a:chOff x="0" y="0"/>
+          <a:chExt cx="0" cy="0"/>
+        </a:xfrm>
+      </p:grpSpPr>
+      <p:sp>
+        <p:nvSpPr>
+          <p:cNvPr id="2" name="Title 1">
+            <a:extLst>
+              <a:ext uri="{FF2B5EF4-FFF2-40B4-BE49-F238E27FC236}">
+                <a16:creationId xmlns:a16="http://schemas.microsoft.com/office/drawing/2014/main" xmlns="" id="{800AB426-5B7C-607E-D413-5D2C9495CC0A}"/>
               </a:ext>
             </a:extLst>
           </p:cNvPr>
@@ -25210,7 +25817,7 @@
           <p:cNvPr id="2" name="Title 1">
             <a:extLst>
               <a:ext uri="{FF2B5EF4-FFF2-40B4-BE49-F238E27FC236}">
-                <a16:creationId xmlns:a16="http://schemas.microsoft.com/office/drawing/2014/main" id="{85C565E9-D88A-55D3-9D42-BD1C24B6DE9F}"/>
+                <a16:creationId xmlns:a16="http://schemas.microsoft.com/office/drawing/2014/main" xmlns="" id="{85C565E9-D88A-55D3-9D42-BD1C24B6DE9F}"/>
               </a:ext>
             </a:extLst>
           </p:cNvPr>
@@ -25257,7 +25864,7 @@
           <p:cNvPr id="3" name="Content Placeholder 2">
             <a:extLst>
               <a:ext uri="{FF2B5EF4-FFF2-40B4-BE49-F238E27FC236}">
-                <a16:creationId xmlns:a16="http://schemas.microsoft.com/office/drawing/2014/main" id="{4D1F66E5-D2D7-172B-46BA-FEBFE092CC7F}"/>
+                <a16:creationId xmlns:a16="http://schemas.microsoft.com/office/drawing/2014/main" xmlns="" id="{4D1F66E5-D2D7-172B-46BA-FEBFE092CC7F}"/>
               </a:ext>
             </a:extLst>
           </p:cNvPr>
@@ -25271,12 +25878,12 @@
         <p:spPr>
           <a:xfrm>
             <a:off x="1499615" y="1465790"/>
-            <a:ext cx="6308643" cy="4809505"/>
+            <a:ext cx="6308643" cy="5323199"/>
           </a:xfrm>
         </p:spPr>
         <p:txBody>
           <a:bodyPr>
-            <a:normAutofit lnSpcReduction="10000"/>
+            <a:normAutofit fontScale="92500"/>
           </a:bodyPr>
           <a:lstStyle/>
           <a:p>
@@ -25324,14 +25931,29 @@
           <a:p>
             <a:r>
               <a:rPr lang="en-US" dirty="0"/>
-              <a:t>Use of GitHub</a:t>
-            </a:r>
-          </a:p>
-          <a:p>
-            <a:r>
-              <a:rPr lang="en-US" dirty="0"/>
+              <a:t>Use of </a:t>
+            </a:r>
+            <a:r>
+              <a:rPr lang="en-US" dirty="0" err="1" smtClean="0"/>
+              <a:t>GitHub</a:t>
+            </a:r>
+            <a:endParaRPr lang="en-US" dirty="0" smtClean="0"/>
+          </a:p>
+          <a:p>
+            <a:r>
+              <a:rPr lang="en-US" dirty="0" smtClean="0"/>
+              <a:t>Future Scope</a:t>
+            </a:r>
+            <a:endParaRPr lang="en-US" dirty="0"/>
+          </a:p>
+          <a:p>
+            <a:r>
+              <a:rPr lang="en-US" dirty="0" smtClean="0"/>
               <a:t>Conclusion</a:t>
             </a:r>
+          </a:p>
+          <a:p>
+            <a:endParaRPr lang="en-US" dirty="0"/>
           </a:p>
           <a:p>
             <a:endParaRPr lang="en-US" dirty="0"/>
@@ -25376,7 +25998,7 @@
           <p:cNvPr id="2" name="Title 1">
             <a:extLst>
               <a:ext uri="{FF2B5EF4-FFF2-40B4-BE49-F238E27FC236}">
-                <a16:creationId xmlns:a16="http://schemas.microsoft.com/office/drawing/2014/main" id="{4A940BC6-9DA0-FB4D-8879-DC8B3958C07C}"/>
+                <a16:creationId xmlns:a16="http://schemas.microsoft.com/office/drawing/2014/main" xmlns="" id="{4A940BC6-9DA0-FB4D-8879-DC8B3958C07C}"/>
               </a:ext>
             </a:extLst>
           </p:cNvPr>
@@ -25410,7 +26032,7 @@
           <p:cNvPr id="3" name="Content Placeholder 2">
             <a:extLst>
               <a:ext uri="{FF2B5EF4-FFF2-40B4-BE49-F238E27FC236}">
-                <a16:creationId xmlns:a16="http://schemas.microsoft.com/office/drawing/2014/main" id="{1E0B8C4B-3A3C-9FD1-59FB-1666C1F09376}"/>
+                <a16:creationId xmlns:a16="http://schemas.microsoft.com/office/drawing/2014/main" xmlns="" id="{1E0B8C4B-3A3C-9FD1-59FB-1666C1F09376}"/>
               </a:ext>
             </a:extLst>
           </p:cNvPr>
@@ -25482,7 +26104,7 @@
           <p:cNvPr id="15" name="Slide Number Placeholder 14">
             <a:extLst>
               <a:ext uri="{FF2B5EF4-FFF2-40B4-BE49-F238E27FC236}">
-                <a16:creationId xmlns:a16="http://schemas.microsoft.com/office/drawing/2014/main" id="{7FC3FD3F-45EE-74E3-AD64-441303B83EF3}"/>
+                <a16:creationId xmlns:a16="http://schemas.microsoft.com/office/drawing/2014/main" xmlns="" id="{7FC3FD3F-45EE-74E3-AD64-441303B83EF3}"/>
               </a:ext>
             </a:extLst>
           </p:cNvPr>
@@ -25541,7 +26163,7 @@
           <p:cNvPr id="2" name="Title 1">
             <a:extLst>
               <a:ext uri="{FF2B5EF4-FFF2-40B4-BE49-F238E27FC236}">
-                <a16:creationId xmlns:a16="http://schemas.microsoft.com/office/drawing/2014/main" id="{69125542-D540-B766-0FA1-10DE2ED0495C}"/>
+                <a16:creationId xmlns:a16="http://schemas.microsoft.com/office/drawing/2014/main" xmlns="" id="{69125542-D540-B766-0FA1-10DE2ED0495C}"/>
               </a:ext>
             </a:extLst>
           </p:cNvPr>
@@ -25584,7 +26206,7 @@
           <p:cNvPr id="7" name="Slide Number Placeholder 6">
             <a:extLst>
               <a:ext uri="{FF2B5EF4-FFF2-40B4-BE49-F238E27FC236}">
-                <a16:creationId xmlns:a16="http://schemas.microsoft.com/office/drawing/2014/main" id="{712D1D31-1A67-703B-DF69-CA8142BF6A2D}"/>
+                <a16:creationId xmlns:a16="http://schemas.microsoft.com/office/drawing/2014/main" xmlns="" id="{712D1D31-1A67-703B-DF69-CA8142BF6A2D}"/>
               </a:ext>
             </a:extLst>
           </p:cNvPr>
@@ -25613,7 +26235,7 @@
           <p:cNvPr id="8" name="TextBox 7">
             <a:extLst>
               <a:ext uri="{FF2B5EF4-FFF2-40B4-BE49-F238E27FC236}">
-                <a16:creationId xmlns:a16="http://schemas.microsoft.com/office/drawing/2014/main" id="{BA01CA8E-AABB-1FF7-5160-8A034DFC4C18}"/>
+                <a16:creationId xmlns:a16="http://schemas.microsoft.com/office/drawing/2014/main" xmlns="" id="{BA01CA8E-AABB-1FF7-5160-8A034DFC4C18}"/>
               </a:ext>
             </a:extLst>
           </p:cNvPr>
@@ -25675,7 +26297,7 @@
           <p:cNvPr id="9" name="Rectangle: Rounded Corners 8">
             <a:extLst>
               <a:ext uri="{FF2B5EF4-FFF2-40B4-BE49-F238E27FC236}">
-                <a16:creationId xmlns:a16="http://schemas.microsoft.com/office/drawing/2014/main" id="{65EED766-1BE6-2B2A-03C3-E97E9A49D669}"/>
+                <a16:creationId xmlns:a16="http://schemas.microsoft.com/office/drawing/2014/main" xmlns="" id="{65EED766-1BE6-2B2A-03C3-E97E9A49D669}"/>
               </a:ext>
             </a:extLst>
           </p:cNvPr>
@@ -25747,7 +26369,7 @@
           <p:cNvPr id="10" name="TextBox 9">
             <a:extLst>
               <a:ext uri="{FF2B5EF4-FFF2-40B4-BE49-F238E27FC236}">
-                <a16:creationId xmlns:a16="http://schemas.microsoft.com/office/drawing/2014/main" id="{308CFF5D-1CA1-B09E-A0E2-A3AC0F206535}"/>
+                <a16:creationId xmlns:a16="http://schemas.microsoft.com/office/drawing/2014/main" xmlns="" id="{308CFF5D-1CA1-B09E-A0E2-A3AC0F206535}"/>
               </a:ext>
             </a:extLst>
           </p:cNvPr>
@@ -25782,7 +26404,7 @@
           <p:cNvPr id="11" name="TextBox 10">
             <a:extLst>
               <a:ext uri="{FF2B5EF4-FFF2-40B4-BE49-F238E27FC236}">
-                <a16:creationId xmlns:a16="http://schemas.microsoft.com/office/drawing/2014/main" id="{1E7F942B-A75F-40D8-2FC2-915C3BEFEE9B}"/>
+                <a16:creationId xmlns:a16="http://schemas.microsoft.com/office/drawing/2014/main" xmlns="" id="{1E7F942B-A75F-40D8-2FC2-915C3BEFEE9B}"/>
               </a:ext>
             </a:extLst>
           </p:cNvPr>
@@ -25864,7 +26486,7 @@
           <p:cNvPr id="12" name="TextBox 11">
             <a:extLst>
               <a:ext uri="{FF2B5EF4-FFF2-40B4-BE49-F238E27FC236}">
-                <a16:creationId xmlns:a16="http://schemas.microsoft.com/office/drawing/2014/main" id="{B616B208-D3CF-7E07-4502-C24E5DF73FCE}"/>
+                <a16:creationId xmlns:a16="http://schemas.microsoft.com/office/drawing/2014/main" xmlns="" id="{B616B208-D3CF-7E07-4502-C24E5DF73FCE}"/>
               </a:ext>
             </a:extLst>
           </p:cNvPr>
@@ -25939,7 +26561,7 @@
           <p:cNvPr id="13" name="Rectangle: Rounded Corners 12">
             <a:extLst>
               <a:ext uri="{FF2B5EF4-FFF2-40B4-BE49-F238E27FC236}">
-                <a16:creationId xmlns:a16="http://schemas.microsoft.com/office/drawing/2014/main" id="{C0DC5233-D426-1315-1D25-15BDEE5C2F49}"/>
+                <a16:creationId xmlns:a16="http://schemas.microsoft.com/office/drawing/2014/main" xmlns="" id="{C0DC5233-D426-1315-1D25-15BDEE5C2F49}"/>
               </a:ext>
             </a:extLst>
           </p:cNvPr>
@@ -26011,7 +26633,7 @@
           <p:cNvPr id="14" name="TextBox 13">
             <a:extLst>
               <a:ext uri="{FF2B5EF4-FFF2-40B4-BE49-F238E27FC236}">
-                <a16:creationId xmlns:a16="http://schemas.microsoft.com/office/drawing/2014/main" id="{DD66C642-4A87-B6F9-2918-AA8EA94649E7}"/>
+                <a16:creationId xmlns:a16="http://schemas.microsoft.com/office/drawing/2014/main" xmlns="" id="{DD66C642-4A87-B6F9-2918-AA8EA94649E7}"/>
               </a:ext>
             </a:extLst>
           </p:cNvPr>
@@ -26073,7 +26695,7 @@
           <p:cNvPr id="15" name="TextBox 14">
             <a:extLst>
               <a:ext uri="{FF2B5EF4-FFF2-40B4-BE49-F238E27FC236}">
-                <a16:creationId xmlns:a16="http://schemas.microsoft.com/office/drawing/2014/main" id="{D22B5150-6C59-DBC3-098F-E9D4DE644367}"/>
+                <a16:creationId xmlns:a16="http://schemas.microsoft.com/office/drawing/2014/main" xmlns="" id="{D22B5150-6C59-DBC3-098F-E9D4DE644367}"/>
               </a:ext>
             </a:extLst>
           </p:cNvPr>
@@ -26141,7 +26763,7 @@
           <p:cNvPr id="17" name="TextBox 16">
             <a:extLst>
               <a:ext uri="{FF2B5EF4-FFF2-40B4-BE49-F238E27FC236}">
-                <a16:creationId xmlns:a16="http://schemas.microsoft.com/office/drawing/2014/main" id="{69643EC3-D68E-ACF2-F9EE-CD7DA1D28F84}"/>
+                <a16:creationId xmlns:a16="http://schemas.microsoft.com/office/drawing/2014/main" xmlns="" id="{69643EC3-D68E-ACF2-F9EE-CD7DA1D28F84}"/>
               </a:ext>
             </a:extLst>
           </p:cNvPr>
@@ -26150,7 +26772,7 @@
         </p:nvSpPr>
         <p:spPr>
           <a:xfrm>
-            <a:off x="8961837" y="5477470"/>
+            <a:off x="8961837" y="5604047"/>
             <a:ext cx="2793761" cy="923330"/>
           </a:xfrm>
           <a:prstGeom prst="rect">
@@ -26193,7 +26815,7 @@
           <p:cNvPr id="21" name="TextBox 20">
             <a:extLst>
               <a:ext uri="{FF2B5EF4-FFF2-40B4-BE49-F238E27FC236}">
-                <a16:creationId xmlns:a16="http://schemas.microsoft.com/office/drawing/2014/main" id="{EC55177C-EEDD-AD4E-86B4-65FF229E5FA7}"/>
+                <a16:creationId xmlns:a16="http://schemas.microsoft.com/office/drawing/2014/main" xmlns="" id="{EC55177C-EEDD-AD4E-86B4-65FF229E5FA7}"/>
               </a:ext>
             </a:extLst>
           </p:cNvPr>
@@ -26228,7 +26850,7 @@
           <p:cNvPr id="22" name="Flowchart: Magnetic Disk 21">
             <a:extLst>
               <a:ext uri="{FF2B5EF4-FFF2-40B4-BE49-F238E27FC236}">
-                <a16:creationId xmlns:a16="http://schemas.microsoft.com/office/drawing/2014/main" id="{9C51B9A0-820B-2AAD-F71D-1B885A0D9470}"/>
+                <a16:creationId xmlns:a16="http://schemas.microsoft.com/office/drawing/2014/main" xmlns="" id="{9C51B9A0-820B-2AAD-F71D-1B885A0D9470}"/>
               </a:ext>
             </a:extLst>
           </p:cNvPr>
@@ -26237,7 +26859,7 @@
         </p:nvSpPr>
         <p:spPr>
           <a:xfrm>
-            <a:off x="8875059" y="3912861"/>
+            <a:off x="8875059" y="4261083"/>
             <a:ext cx="2495057" cy="1322547"/>
           </a:xfrm>
           <a:prstGeom prst="flowChartMagneticDisk">
@@ -26298,7 +26920,7 @@
           <p:cNvPr id="23" name="TextBox 22">
             <a:extLst>
               <a:ext uri="{FF2B5EF4-FFF2-40B4-BE49-F238E27FC236}">
-                <a16:creationId xmlns:a16="http://schemas.microsoft.com/office/drawing/2014/main" id="{4525F7CD-91F0-EC33-8890-FF592253459A}"/>
+                <a16:creationId xmlns:a16="http://schemas.microsoft.com/office/drawing/2014/main" xmlns="" id="{4525F7CD-91F0-EC33-8890-FF592253459A}"/>
               </a:ext>
             </a:extLst>
           </p:cNvPr>
@@ -26307,7 +26929,7 @@
         </p:nvSpPr>
         <p:spPr>
           <a:xfrm flipH="1">
-            <a:off x="9253638" y="4479881"/>
+            <a:off x="9480623" y="4737691"/>
             <a:ext cx="1756187" cy="369332"/>
           </a:xfrm>
           <a:prstGeom prst="rect">
@@ -26333,7 +26955,7 @@
           <p:cNvPr id="25" name="Connector: Elbow 24">
             <a:extLst>
               <a:ext uri="{FF2B5EF4-FFF2-40B4-BE49-F238E27FC236}">
-                <a16:creationId xmlns:a16="http://schemas.microsoft.com/office/drawing/2014/main" id="{EB867942-6059-6FC6-7716-3C5DDF23BC87}"/>
+                <a16:creationId xmlns:a16="http://schemas.microsoft.com/office/drawing/2014/main" xmlns="" id="{EB867942-6059-6FC6-7716-3C5DDF23BC87}"/>
               </a:ext>
             </a:extLst>
           </p:cNvPr>
@@ -26375,7 +26997,7 @@
           <p:cNvPr id="27" name="Connector: Elbow 26">
             <a:extLst>
               <a:ext uri="{FF2B5EF4-FFF2-40B4-BE49-F238E27FC236}">
-                <a16:creationId xmlns:a16="http://schemas.microsoft.com/office/drawing/2014/main" id="{B5FD50D2-65F9-6D29-94CC-D05E6C7F4575}"/>
+                <a16:creationId xmlns:a16="http://schemas.microsoft.com/office/drawing/2014/main" xmlns="" id="{B5FD50D2-65F9-6D29-94CC-D05E6C7F4575}"/>
               </a:ext>
             </a:extLst>
           </p:cNvPr>
@@ -26388,11 +27010,11 @@
         <p:spPr>
           <a:xfrm>
             <a:off x="7189693" y="4213831"/>
-            <a:ext cx="1685366" cy="360304"/>
+            <a:ext cx="1685366" cy="708526"/>
           </a:xfrm>
           <a:prstGeom prst="bentConnector3">
             <a:avLst>
-              <a:gd name="adj1" fmla="val 46277"/>
+              <a:gd name="adj1" fmla="val 50000"/>
             </a:avLst>
           </a:prstGeom>
           <a:ln>
@@ -26449,7 +27071,7 @@
           <p:cNvPr id="8" name="Slide Number Placeholder 7">
             <a:extLst>
               <a:ext uri="{FF2B5EF4-FFF2-40B4-BE49-F238E27FC236}">
-                <a16:creationId xmlns:a16="http://schemas.microsoft.com/office/drawing/2014/main" id="{AECF22D2-2B16-C40D-AA90-609B5CD08B3D}"/>
+                <a16:creationId xmlns:a16="http://schemas.microsoft.com/office/drawing/2014/main" xmlns="" id="{AECF22D2-2B16-C40D-AA90-609B5CD08B3D}"/>
               </a:ext>
             </a:extLst>
           </p:cNvPr>
@@ -26478,7 +27100,7 @@
           <p:cNvPr id="3" name="Picture 2">
             <a:extLst>
               <a:ext uri="{FF2B5EF4-FFF2-40B4-BE49-F238E27FC236}">
-                <a16:creationId xmlns:a16="http://schemas.microsoft.com/office/drawing/2014/main" id="{2DDD6CE2-64EA-48A2-9EB1-937582FAFCC6}"/>
+                <a16:creationId xmlns:a16="http://schemas.microsoft.com/office/drawing/2014/main" xmlns="" id="{2DDD6CE2-64EA-48A2-9EB1-937582FAFCC6}"/>
               </a:ext>
             </a:extLst>
           </p:cNvPr>
@@ -26538,7 +27160,7 @@
           <p:cNvPr id="2" name="Title 1">
             <a:extLst>
               <a:ext uri="{FF2B5EF4-FFF2-40B4-BE49-F238E27FC236}">
-                <a16:creationId xmlns:a16="http://schemas.microsoft.com/office/drawing/2014/main" id="{884B311B-3177-0658-3585-6639F26A9BF6}"/>
+                <a16:creationId xmlns:a16="http://schemas.microsoft.com/office/drawing/2014/main" xmlns="" id="{884B311B-3177-0658-3585-6639F26A9BF6}"/>
               </a:ext>
             </a:extLst>
           </p:cNvPr>
@@ -26581,7 +27203,7 @@
           <p:cNvPr id="8" name="Slide Number Placeholder 7">
             <a:extLst>
               <a:ext uri="{FF2B5EF4-FFF2-40B4-BE49-F238E27FC236}">
-                <a16:creationId xmlns:a16="http://schemas.microsoft.com/office/drawing/2014/main" id="{AECF22D2-2B16-C40D-AA90-609B5CD08B3D}"/>
+                <a16:creationId xmlns:a16="http://schemas.microsoft.com/office/drawing/2014/main" xmlns="" id="{AECF22D2-2B16-C40D-AA90-609B5CD08B3D}"/>
               </a:ext>
             </a:extLst>
           </p:cNvPr>
@@ -26610,7 +27232,7 @@
           <p:cNvPr id="12" name="Picture 11">
             <a:extLst>
               <a:ext uri="{FF2B5EF4-FFF2-40B4-BE49-F238E27FC236}">
-                <a16:creationId xmlns:a16="http://schemas.microsoft.com/office/drawing/2014/main" id="{51024304-BEF7-46A9-B0BD-546B6BE7D391}"/>
+                <a16:creationId xmlns:a16="http://schemas.microsoft.com/office/drawing/2014/main" xmlns="" id="{51024304-BEF7-46A9-B0BD-546B6BE7D391}"/>
               </a:ext>
             </a:extLst>
           </p:cNvPr>
@@ -26670,7 +27292,7 @@
           <p:cNvPr id="8" name="Slide Number Placeholder 7">
             <a:extLst>
               <a:ext uri="{FF2B5EF4-FFF2-40B4-BE49-F238E27FC236}">
-                <a16:creationId xmlns:a16="http://schemas.microsoft.com/office/drawing/2014/main" id="{AECF22D2-2B16-C40D-AA90-609B5CD08B3D}"/>
+                <a16:creationId xmlns:a16="http://schemas.microsoft.com/office/drawing/2014/main" xmlns="" id="{AECF22D2-2B16-C40D-AA90-609B5CD08B3D}"/>
               </a:ext>
             </a:extLst>
           </p:cNvPr>
@@ -26699,7 +27321,7 @@
           <p:cNvPr id="9" name="Picture 8">
             <a:extLst>
               <a:ext uri="{FF2B5EF4-FFF2-40B4-BE49-F238E27FC236}">
-                <a16:creationId xmlns:a16="http://schemas.microsoft.com/office/drawing/2014/main" id="{5D606791-B8AE-4DD1-95DE-9709F31A2129}"/>
+                <a16:creationId xmlns:a16="http://schemas.microsoft.com/office/drawing/2014/main" xmlns="" id="{5D606791-B8AE-4DD1-95DE-9709F31A2129}"/>
               </a:ext>
             </a:extLst>
           </p:cNvPr>
@@ -26759,7 +27381,7 @@
           <p:cNvPr id="8" name="Slide Number Placeholder 7">
             <a:extLst>
               <a:ext uri="{FF2B5EF4-FFF2-40B4-BE49-F238E27FC236}">
-                <a16:creationId xmlns:a16="http://schemas.microsoft.com/office/drawing/2014/main" id="{AECF22D2-2B16-C40D-AA90-609B5CD08B3D}"/>
+                <a16:creationId xmlns:a16="http://schemas.microsoft.com/office/drawing/2014/main" xmlns="" id="{AECF22D2-2B16-C40D-AA90-609B5CD08B3D}"/>
               </a:ext>
             </a:extLst>
           </p:cNvPr>
@@ -26788,7 +27410,7 @@
           <p:cNvPr id="6" name="Picture 5">
             <a:extLst>
               <a:ext uri="{FF2B5EF4-FFF2-40B4-BE49-F238E27FC236}">
-                <a16:creationId xmlns:a16="http://schemas.microsoft.com/office/drawing/2014/main" id="{4E4EA039-5041-4C6A-9921-B4C8EBA2D76F}"/>
+                <a16:creationId xmlns:a16="http://schemas.microsoft.com/office/drawing/2014/main" xmlns="" id="{4E4EA039-5041-4C6A-9921-B4C8EBA2D76F}"/>
               </a:ext>
             </a:extLst>
           </p:cNvPr>
@@ -26848,7 +27470,7 @@
           <p:cNvPr id="2" name="Title 1">
             <a:extLst>
               <a:ext uri="{FF2B5EF4-FFF2-40B4-BE49-F238E27FC236}">
-                <a16:creationId xmlns:a16="http://schemas.microsoft.com/office/drawing/2014/main" id="{884B311B-3177-0658-3585-6639F26A9BF6}"/>
+                <a16:creationId xmlns:a16="http://schemas.microsoft.com/office/drawing/2014/main" xmlns="" id="{884B311B-3177-0658-3585-6639F26A9BF6}"/>
               </a:ext>
             </a:extLst>
           </p:cNvPr>
@@ -26861,7 +27483,7 @@
         </p:nvSpPr>
         <p:spPr>
           <a:xfrm>
-            <a:off x="765302" y="731520"/>
+            <a:off x="765302" y="457200"/>
             <a:ext cx="10494369" cy="768096"/>
           </a:xfrm>
         </p:spPr>
@@ -26891,7 +27513,7 @@
           <p:cNvPr id="8" name="Slide Number Placeholder 7">
             <a:extLst>
               <a:ext uri="{FF2B5EF4-FFF2-40B4-BE49-F238E27FC236}">
-                <a16:creationId xmlns:a16="http://schemas.microsoft.com/office/drawing/2014/main" id="{AECF22D2-2B16-C40D-AA90-609B5CD08B3D}"/>
+                <a16:creationId xmlns:a16="http://schemas.microsoft.com/office/drawing/2014/main" xmlns="" id="{AECF22D2-2B16-C40D-AA90-609B5CD08B3D}"/>
               </a:ext>
             </a:extLst>
           </p:cNvPr>
@@ -26920,7 +27542,7 @@
           <p:cNvPr id="4" name="Content Placeholder 3">
             <a:extLst>
               <a:ext uri="{FF2B5EF4-FFF2-40B4-BE49-F238E27FC236}">
-                <a16:creationId xmlns:a16="http://schemas.microsoft.com/office/drawing/2014/main" id="{5BCBFD5F-9247-485C-2171-C27843299D8B}"/>
+                <a16:creationId xmlns:a16="http://schemas.microsoft.com/office/drawing/2014/main" xmlns="" id="{5BCBFD5F-9247-485C-2171-C27843299D8B}"/>
               </a:ext>
             </a:extLst>
           </p:cNvPr>
@@ -26933,36 +27555,87 @@
         </p:nvSpPr>
         <p:spPr>
           <a:xfrm>
-            <a:off x="765302" y="2177347"/>
-            <a:ext cx="10680192" cy="4492393"/>
+            <a:off x="319177" y="1394374"/>
+            <a:ext cx="11613743" cy="5463626"/>
           </a:xfrm>
         </p:spPr>
         <p:txBody>
-          <a:bodyPr/>
+          <a:bodyPr>
+            <a:normAutofit fontScale="70000" lnSpcReduction="20000"/>
+          </a:bodyPr>
           <a:lstStyle/>
           <a:p>
-            <a:r>
-              <a:rPr lang="en-IN" sz="2000" dirty="0"/>
-              <a:t>Technologies used :</a:t>
-            </a:r>
-          </a:p>
-          <a:p>
             <a:pPr marL="0" indent="0">
               <a:buNone/>
             </a:pPr>
-            <a:r>
-              <a:rPr lang="en-IN" sz="2000" dirty="0"/>
-              <a:t>                        HTML, CSS, JavaScript, jQuery, ReactJS, JSON, Spring boot, Hibernate, MySQL</a:t>
-            </a:r>
-          </a:p>
-          <a:p>
-            <a:pPr marL="285750" indent="-285750">
-              <a:buFont typeface="Arial" panose="020B0604020202020204" pitchFamily="34" charset="0"/>
-              <a:buChar char="•"/>
+            <a:endParaRPr lang="en-IN" sz="2000" dirty="0" smtClean="0"/>
+          </a:p>
+          <a:p>
+            <a:r>
+              <a:rPr lang="en-IN" sz="2600" b="1" dirty="0"/>
+              <a:t>Spring Boot Maven</a:t>
+            </a:r>
+            <a:r>
+              <a:rPr lang="en-IN" sz="2600" dirty="0"/>
+              <a:t>: </a:t>
+            </a:r>
+          </a:p>
+          <a:p>
+            <a:pPr lvl="1"/>
+            <a:r>
+              <a:rPr lang="en-IN" sz="2400" dirty="0" smtClean="0"/>
+              <a:t>Java-based </a:t>
+            </a:r>
+            <a:r>
+              <a:rPr lang="en-IN" sz="2400" dirty="0"/>
+              <a:t>framework for fast application development with built-in tools. </a:t>
+            </a:r>
+            <a:r>
+              <a:rPr lang="en-IN" sz="2400" dirty="0" smtClean="0"/>
+              <a:t>Build </a:t>
+            </a:r>
+            <a:r>
+              <a:rPr lang="en-IN" sz="2400" dirty="0"/>
+              <a:t>tool that automates tasks like compilation and dependency management.</a:t>
+            </a:r>
+          </a:p>
+          <a:p>
+            <a:endParaRPr lang="en-IN" sz="2600" dirty="0"/>
+          </a:p>
+          <a:p>
+            <a:r>
+              <a:rPr lang="en-IN" sz="2600" b="1" dirty="0"/>
+              <a:t>MySQL</a:t>
+            </a:r>
+            <a:r>
+              <a:rPr lang="en-IN" sz="2600" dirty="0"/>
+              <a:t>:</a:t>
+            </a:r>
+          </a:p>
+          <a:p>
+            <a:pPr marL="0" indent="0">
+              <a:buNone/>
             </a:pPr>
             <a:r>
-              <a:rPr lang="en-IN" sz="2000" dirty="0"/>
-              <a:t>Reason :</a:t>
+              <a:rPr lang="en-IN" sz="2600" dirty="0" smtClean="0"/>
+              <a:t>	Open-source </a:t>
+            </a:r>
+            <a:r>
+              <a:rPr lang="en-IN" sz="2600" dirty="0"/>
+              <a:t>database system for storing and managing structured data.</a:t>
+            </a:r>
+          </a:p>
+          <a:p>
+            <a:endParaRPr lang="en-IN" sz="2600" dirty="0"/>
+          </a:p>
+          <a:p>
+            <a:r>
+              <a:rPr lang="en-IN" sz="2600" b="1" dirty="0" err="1" smtClean="0"/>
+              <a:t>ReactJS</a:t>
+            </a:r>
+            <a:r>
+              <a:rPr lang="en-IN" sz="2600" b="1" dirty="0"/>
+              <a:t>:</a:t>
             </a:r>
           </a:p>
           <a:p>
@@ -26970,8 +27643,25 @@
               <a:buNone/>
             </a:pPr>
             <a:r>
-              <a:rPr lang="en-IN" sz="2000" dirty="0"/>
-              <a:t>                   Html, CSS and JavaScript are used for frontend part for static web pages.</a:t>
+              <a:rPr lang="en-IN" sz="2600" dirty="0" smtClean="0"/>
+              <a:t>	JavaScript </a:t>
+            </a:r>
+            <a:r>
+              <a:rPr lang="en-IN" sz="2600" dirty="0"/>
+              <a:t>library to build dynamic user interfaces for web apps.</a:t>
+            </a:r>
+          </a:p>
+          <a:p>
+            <a:endParaRPr lang="en-IN" sz="2600" dirty="0"/>
+          </a:p>
+          <a:p>
+            <a:r>
+              <a:rPr lang="en-IN" sz="2600" b="1" dirty="0"/>
+              <a:t>JSON </a:t>
+            </a:r>
+            <a:r>
+              <a:rPr lang="en-IN" sz="2600" dirty="0"/>
+              <a:t>(JavaScript Object Notation):</a:t>
             </a:r>
           </a:p>
           <a:p>
@@ -26979,24 +27669,82 @@
               <a:buNone/>
             </a:pPr>
             <a:r>
-              <a:rPr lang="en-IN" sz="2000" dirty="0"/>
-              <a:t>                  React JS is used for rendering the dynamic web pages and to create a single page application where only particular part of web page is rendered without altering complete web page. </a:t>
+              <a:rPr lang="en-IN" sz="2600" dirty="0" smtClean="0"/>
+              <a:t>	Lightweight </a:t>
+            </a:r>
+            <a:r>
+              <a:rPr lang="en-IN" sz="2600" dirty="0"/>
+              <a:t>data format for easy exchange between server and web app.</a:t>
             </a:r>
           </a:p>
           <a:p>
             <a:pPr marL="0" indent="0">
               <a:buNone/>
             </a:pPr>
-            <a:r>
-              <a:rPr lang="en-IN" sz="2000" dirty="0"/>
-              <a:t>                  Spring boot is used for server side processing wherein in connection with database is established from server and required data is manipulated and sent to client side.</a:t>
+            <a:endParaRPr lang="en-IN" sz="2600" dirty="0"/>
+          </a:p>
+          <a:p>
+            <a:r>
+              <a:rPr lang="en-IN" sz="2600" b="1" dirty="0"/>
+              <a:t>CSS </a:t>
+            </a:r>
+            <a:r>
+              <a:rPr lang="en-IN" sz="2600" dirty="0"/>
+              <a:t>(Cascading Style Sheets):</a:t>
             </a:r>
           </a:p>
           <a:p>
             <a:pPr marL="0" indent="0">
               <a:buNone/>
             </a:pPr>
-            <a:endParaRPr lang="en-IN" dirty="0"/>
+            <a:r>
+              <a:rPr lang="en-IN" sz="2600" dirty="0"/>
+              <a:t>	</a:t>
+            </a:r>
+            <a:r>
+              <a:rPr lang="en-IN" sz="2600" dirty="0" err="1" smtClean="0"/>
+              <a:t>Stylesheet</a:t>
+            </a:r>
+            <a:r>
+              <a:rPr lang="en-IN" sz="2600" dirty="0" smtClean="0"/>
+              <a:t> </a:t>
+            </a:r>
+            <a:r>
+              <a:rPr lang="en-IN" sz="2600" dirty="0"/>
+              <a:t>language to design and layout HTML elements.</a:t>
+            </a:r>
+          </a:p>
+          <a:p>
+            <a:endParaRPr lang="en-IN" sz="2600" dirty="0"/>
+          </a:p>
+          <a:p>
+            <a:r>
+              <a:rPr lang="en-IN" sz="2600" b="1" dirty="0"/>
+              <a:t>Bootstrap:</a:t>
+            </a:r>
+          </a:p>
+          <a:p>
+            <a:pPr marL="0" indent="0">
+              <a:buNone/>
+            </a:pPr>
+            <a:r>
+              <a:rPr lang="en-IN" sz="2600" dirty="0" smtClean="0"/>
+              <a:t>	Front-end </a:t>
+            </a:r>
+            <a:r>
+              <a:rPr lang="en-IN" sz="2600" dirty="0"/>
+              <a:t>framework for creating responsive web designs efficiently.</a:t>
+            </a:r>
+          </a:p>
+          <a:p>
+            <a:pPr marL="0" indent="0">
+              <a:buNone/>
+            </a:pPr>
+            <a:r>
+              <a:rPr lang="en-IN" sz="2600" dirty="0" smtClean="0"/>
+              <a:t> </a:t>
+            </a:r>
+            <a:endParaRPr lang="en-IN" sz="2600" dirty="0"/>
           </a:p>
         </p:txBody>
       </p:sp>
@@ -27510,23 +28258,12 @@
 </file>
 
 <file path=customXml/item1.xml><?xml version="1.0" encoding="utf-8"?>
-<p:properties xmlns:p="http://schemas.microsoft.com/office/2006/metadata/properties" xmlns:xsi="http://www.w3.org/2001/XMLSchema-instance" xmlns:pc="http://schemas.microsoft.com/office/infopath/2007/PartnerControls">
-  <documentManagement>
-    <_ip_UnifiedCompliancePolicyUIAction xmlns="http://schemas.microsoft.com/sharepoint/v3" xsi:nil="true"/>
-    <Image xmlns="71af3243-3dd4-4a8d-8c0d-dd76da1f02a5">
-      <Url xsi:nil="true"/>
-      <Description xsi:nil="true"/>
-    </Image>
-    <Status xmlns="71af3243-3dd4-4a8d-8c0d-dd76da1f02a5">Not started</Status>
-    <Background xmlns="71af3243-3dd4-4a8d-8c0d-dd76da1f02a5">false</Background>
-    <_ip_UnifiedCompliancePolicyProperties xmlns="http://schemas.microsoft.com/sharepoint/v3" xsi:nil="true"/>
-    <ImageTagsTaxHTField xmlns="71af3243-3dd4-4a8d-8c0d-dd76da1f02a5">
-      <Terms xmlns="http://schemas.microsoft.com/office/infopath/2007/PartnerControls"/>
-    </ImageTagsTaxHTField>
-    <TaxCatchAll xmlns="230e9df3-be65-4c73-a93b-d1236ebd677e" xsi:nil="true"/>
-    <MediaServiceKeyPoints xmlns="71af3243-3dd4-4a8d-8c0d-dd76da1f02a5" xsi:nil="true"/>
-  </documentManagement>
-</p:properties>
+<?mso-contentType ?>
+<FormTemplates xmlns="http://schemas.microsoft.com/sharepoint/v3/contenttype/forms">
+  <Display>DocumentLibraryForm</Display>
+  <Edit>DocumentLibraryForm</Edit>
+  <New>DocumentLibraryForm</New>
+</FormTemplates>
 </file>
 
 <file path=customXml/item2.xml><?xml version="1.0" encoding="utf-8"?>
@@ -27836,22 +28573,29 @@
 </file>
 
 <file path=customXml/item3.xml><?xml version="1.0" encoding="utf-8"?>
-<?mso-contentType ?>
-<FormTemplates xmlns="http://schemas.microsoft.com/sharepoint/v3/contenttype/forms">
-  <Display>DocumentLibraryForm</Display>
-  <Edit>DocumentLibraryForm</Edit>
-  <New>DocumentLibraryForm</New>
-</FormTemplates>
+<p:properties xmlns:p="http://schemas.microsoft.com/office/2006/metadata/properties" xmlns:xsi="http://www.w3.org/2001/XMLSchema-instance" xmlns:pc="http://schemas.microsoft.com/office/infopath/2007/PartnerControls">
+  <documentManagement>
+    <_ip_UnifiedCompliancePolicyUIAction xmlns="http://schemas.microsoft.com/sharepoint/v3" xsi:nil="true"/>
+    <Image xmlns="71af3243-3dd4-4a8d-8c0d-dd76da1f02a5">
+      <Url xsi:nil="true"/>
+      <Description xsi:nil="true"/>
+    </Image>
+    <Status xmlns="71af3243-3dd4-4a8d-8c0d-dd76da1f02a5">Not started</Status>
+    <Background xmlns="71af3243-3dd4-4a8d-8c0d-dd76da1f02a5">false</Background>
+    <_ip_UnifiedCompliancePolicyProperties xmlns="http://schemas.microsoft.com/sharepoint/v3" xsi:nil="true"/>
+    <ImageTagsTaxHTField xmlns="71af3243-3dd4-4a8d-8c0d-dd76da1f02a5">
+      <Terms xmlns="http://schemas.microsoft.com/office/infopath/2007/PartnerControls"/>
+    </ImageTagsTaxHTField>
+    <TaxCatchAll xmlns="230e9df3-be65-4c73-a93b-d1236ebd677e" xsi:nil="true"/>
+    <MediaServiceKeyPoints xmlns="71af3243-3dd4-4a8d-8c0d-dd76da1f02a5" xsi:nil="true"/>
+  </documentManagement>
+</p:properties>
 </file>
 
 <file path=customXml/itemProps1.xml><?xml version="1.0" encoding="utf-8"?>
-<ds:datastoreItem xmlns:ds="http://schemas.openxmlformats.org/officeDocument/2006/customXml" ds:itemID="{FD7EB4D8-2DC8-4900-B296-3F8E8CD9E6AE}">
+<ds:datastoreItem xmlns:ds="http://schemas.openxmlformats.org/officeDocument/2006/customXml" ds:itemID="{A1D2ED2F-BDEE-47B8-82AA-B088E838B0E6}">
   <ds:schemaRefs>
-    <ds:schemaRef ds:uri="http://schemas.microsoft.com/office/2006/metadata/properties"/>
-    <ds:schemaRef ds:uri="http://schemas.microsoft.com/office/infopath/2007/PartnerControls"/>
-    <ds:schemaRef ds:uri="http://schemas.microsoft.com/sharepoint/v3"/>
-    <ds:schemaRef ds:uri="71af3243-3dd4-4a8d-8c0d-dd76da1f02a5"/>
-    <ds:schemaRef ds:uri="230e9df3-be65-4c73-a93b-d1236ebd677e"/>
+    <ds:schemaRef ds:uri="http://schemas.microsoft.com/sharepoint/v3/contenttype/forms"/>
   </ds:schemaRefs>
 </ds:datastoreItem>
 </file>
@@ -27878,9 +28622,13 @@
 </file>
 
 <file path=customXml/itemProps3.xml><?xml version="1.0" encoding="utf-8"?>
-<ds:datastoreItem xmlns:ds="http://schemas.openxmlformats.org/officeDocument/2006/customXml" ds:itemID="{A1D2ED2F-BDEE-47B8-82AA-B088E838B0E6}">
+<ds:datastoreItem xmlns:ds="http://schemas.openxmlformats.org/officeDocument/2006/customXml" ds:itemID="{FD7EB4D8-2DC8-4900-B296-3F8E8CD9E6AE}">
   <ds:schemaRefs>
-    <ds:schemaRef ds:uri="http://schemas.microsoft.com/sharepoint/v3/contenttype/forms"/>
+    <ds:schemaRef ds:uri="http://schemas.microsoft.com/office/2006/metadata/properties"/>
+    <ds:schemaRef ds:uri="http://schemas.microsoft.com/office/infopath/2007/PartnerControls"/>
+    <ds:schemaRef ds:uri="http://schemas.microsoft.com/sharepoint/v3"/>
+    <ds:schemaRef ds:uri="71af3243-3dd4-4a8d-8c0d-dd76da1f02a5"/>
+    <ds:schemaRef ds:uri="230e9df3-be65-4c73-a93b-d1236ebd677e"/>
   </ds:schemaRefs>
 </ds:datastoreItem>
 </file>
